--- a/PROPOSAL/SAFRIADI/SAFRIADI - SEMPRO.pptx
+++ b/PROPOSAL/SAFRIADI/SAFRIADI - SEMPRO.pptx
@@ -10,11 +10,12 @@
     <p:sldId id="259" r:id="rId4"/>
     <p:sldId id="260" r:id="rId5"/>
     <p:sldId id="261" r:id="rId6"/>
-    <p:sldId id="267" r:id="rId7"/>
-    <p:sldId id="269" r:id="rId8"/>
-    <p:sldId id="270" r:id="rId9"/>
-    <p:sldId id="271" r:id="rId10"/>
-    <p:sldId id="275" r:id="rId11"/>
+    <p:sldId id="276" r:id="rId7"/>
+    <p:sldId id="267" r:id="rId8"/>
+    <p:sldId id="269" r:id="rId9"/>
+    <p:sldId id="270" r:id="rId10"/>
+    <p:sldId id="271" r:id="rId11"/>
+    <p:sldId id="275" r:id="rId12"/>
   </p:sldIdLst>
   <p:sldSz cx="12192000" cy="6858000"/>
   <p:notesSz cx="6858000" cy="9144000"/>
@@ -115,7 +116,7 @@
   </p:defaultTextStyle>
   <p:extLst>
     <p:ext uri="{EFAFB233-063F-42B5-8137-9DF3F51BA10A}">
-      <p15:sldGuideLst xmlns="" xmlns:p15="http://schemas.microsoft.com/office/powerpoint/2012/main"/>
+      <p15:sldGuideLst xmlns:p15="http://schemas.microsoft.com/office/powerpoint/2012/main" xmlns=""/>
     </p:ext>
   </p:extLst>
 </p:presentation>
@@ -143,7 +144,7 @@
           <p:cNvPr id="2" name="Title 1">
             <a:extLst>
               <a:ext uri="{FF2B5EF4-FFF2-40B4-BE49-F238E27FC236}">
-                <a16:creationId xmlns="" xmlns:a16="http://schemas.microsoft.com/office/drawing/2014/main" id="{913E993F-17E4-4F31-A302-F65A165E4A45}"/>
+                <a16:creationId xmlns:a16="http://schemas.microsoft.com/office/drawing/2014/main" xmlns="" id="{913E993F-17E4-4F31-A302-F65A165E4A45}"/>
               </a:ext>
             </a:extLst>
           </p:cNvPr>
@@ -180,7 +181,7 @@
           <p:cNvPr id="3" name="Subtitle 2">
             <a:extLst>
               <a:ext uri="{FF2B5EF4-FFF2-40B4-BE49-F238E27FC236}">
-                <a16:creationId xmlns="" xmlns:a16="http://schemas.microsoft.com/office/drawing/2014/main" id="{3856764F-99E8-4B3F-8B60-9B286DBD392D}"/>
+                <a16:creationId xmlns:a16="http://schemas.microsoft.com/office/drawing/2014/main" xmlns="" id="{3856764F-99E8-4B3F-8B60-9B286DBD392D}"/>
               </a:ext>
             </a:extLst>
           </p:cNvPr>
@@ -250,7 +251,7 @@
           <p:cNvPr id="4" name="Date Placeholder 3">
             <a:extLst>
               <a:ext uri="{FF2B5EF4-FFF2-40B4-BE49-F238E27FC236}">
-                <a16:creationId xmlns="" xmlns:a16="http://schemas.microsoft.com/office/drawing/2014/main" id="{AC438DF5-2057-4D2B-B2A6-4DCD513FA2DC}"/>
+                <a16:creationId xmlns:a16="http://schemas.microsoft.com/office/drawing/2014/main" xmlns="" id="{AC438DF5-2057-4D2B-B2A6-4DCD513FA2DC}"/>
               </a:ext>
             </a:extLst>
           </p:cNvPr>
@@ -280,7 +281,7 @@
           <p:cNvPr id="5" name="Footer Placeholder 4">
             <a:extLst>
               <a:ext uri="{FF2B5EF4-FFF2-40B4-BE49-F238E27FC236}">
-                <a16:creationId xmlns="" xmlns:a16="http://schemas.microsoft.com/office/drawing/2014/main" id="{C37C0AF5-3953-44A2-A96F-87193CB58824}"/>
+                <a16:creationId xmlns:a16="http://schemas.microsoft.com/office/drawing/2014/main" xmlns="" id="{C37C0AF5-3953-44A2-A96F-87193CB58824}"/>
               </a:ext>
             </a:extLst>
           </p:cNvPr>
@@ -305,7 +306,7 @@
           <p:cNvPr id="6" name="Slide Number Placeholder 5">
             <a:extLst>
               <a:ext uri="{FF2B5EF4-FFF2-40B4-BE49-F238E27FC236}">
-                <a16:creationId xmlns="" xmlns:a16="http://schemas.microsoft.com/office/drawing/2014/main" id="{5A8772AB-3BEA-45C6-9D22-ED53B94A0773}"/>
+                <a16:creationId xmlns:a16="http://schemas.microsoft.com/office/drawing/2014/main" xmlns="" id="{5A8772AB-3BEA-45C6-9D22-ED53B94A0773}"/>
               </a:ext>
             </a:extLst>
           </p:cNvPr>
@@ -333,7 +334,7 @@
     </p:spTree>
     <p:extLst>
       <p:ext uri="{BB962C8B-B14F-4D97-AF65-F5344CB8AC3E}">
-        <p14:creationId xmlns="" xmlns:p14="http://schemas.microsoft.com/office/powerpoint/2010/main" val="1508167498"/>
+        <p14:creationId xmlns:p14="http://schemas.microsoft.com/office/powerpoint/2010/main" xmlns="" val="1508167498"/>
       </p:ext>
     </p:extLst>
   </p:cSld>
@@ -365,7 +366,7 @@
           <p:cNvPr id="2" name="Title 1">
             <a:extLst>
               <a:ext uri="{FF2B5EF4-FFF2-40B4-BE49-F238E27FC236}">
-                <a16:creationId xmlns="" xmlns:a16="http://schemas.microsoft.com/office/drawing/2014/main" id="{7CB5F17F-4CBD-40CC-8AA3-DCDD2242DEBB}"/>
+                <a16:creationId xmlns:a16="http://schemas.microsoft.com/office/drawing/2014/main" xmlns="" id="{7CB5F17F-4CBD-40CC-8AA3-DCDD2242DEBB}"/>
               </a:ext>
             </a:extLst>
           </p:cNvPr>
@@ -393,7 +394,7 @@
           <p:cNvPr id="3" name="Vertical Text Placeholder 2">
             <a:extLst>
               <a:ext uri="{FF2B5EF4-FFF2-40B4-BE49-F238E27FC236}">
-                <a16:creationId xmlns="" xmlns:a16="http://schemas.microsoft.com/office/drawing/2014/main" id="{54CF9A13-38DA-40A3-BD78-FD8D05C4E7FD}"/>
+                <a16:creationId xmlns:a16="http://schemas.microsoft.com/office/drawing/2014/main" xmlns="" id="{54CF9A13-38DA-40A3-BD78-FD8D05C4E7FD}"/>
               </a:ext>
             </a:extLst>
           </p:cNvPr>
@@ -450,7 +451,7 @@
           <p:cNvPr id="4" name="Date Placeholder 3">
             <a:extLst>
               <a:ext uri="{FF2B5EF4-FFF2-40B4-BE49-F238E27FC236}">
-                <a16:creationId xmlns="" xmlns:a16="http://schemas.microsoft.com/office/drawing/2014/main" id="{36848709-ECF5-4B6F-AF2C-AFA6335614AB}"/>
+                <a16:creationId xmlns:a16="http://schemas.microsoft.com/office/drawing/2014/main" xmlns="" id="{36848709-ECF5-4B6F-AF2C-AFA6335614AB}"/>
               </a:ext>
             </a:extLst>
           </p:cNvPr>
@@ -480,7 +481,7 @@
           <p:cNvPr id="5" name="Footer Placeholder 4">
             <a:extLst>
               <a:ext uri="{FF2B5EF4-FFF2-40B4-BE49-F238E27FC236}">
-                <a16:creationId xmlns="" xmlns:a16="http://schemas.microsoft.com/office/drawing/2014/main" id="{C9E418E5-2768-473E-A774-E8C86C023906}"/>
+                <a16:creationId xmlns:a16="http://schemas.microsoft.com/office/drawing/2014/main" xmlns="" id="{C9E418E5-2768-473E-A774-E8C86C023906}"/>
               </a:ext>
             </a:extLst>
           </p:cNvPr>
@@ -505,7 +506,7 @@
           <p:cNvPr id="6" name="Slide Number Placeholder 5">
             <a:extLst>
               <a:ext uri="{FF2B5EF4-FFF2-40B4-BE49-F238E27FC236}">
-                <a16:creationId xmlns="" xmlns:a16="http://schemas.microsoft.com/office/drawing/2014/main" id="{11E022E2-F568-4C05-B9AE-5D5523430C9C}"/>
+                <a16:creationId xmlns:a16="http://schemas.microsoft.com/office/drawing/2014/main" xmlns="" id="{11E022E2-F568-4C05-B9AE-5D5523430C9C}"/>
               </a:ext>
             </a:extLst>
           </p:cNvPr>
@@ -533,7 +534,7 @@
     </p:spTree>
     <p:extLst>
       <p:ext uri="{BB962C8B-B14F-4D97-AF65-F5344CB8AC3E}">
-        <p14:creationId xmlns="" xmlns:p14="http://schemas.microsoft.com/office/powerpoint/2010/main" val="2090956140"/>
+        <p14:creationId xmlns:p14="http://schemas.microsoft.com/office/powerpoint/2010/main" xmlns="" val="2090956140"/>
       </p:ext>
     </p:extLst>
   </p:cSld>
@@ -565,7 +566,7 @@
           <p:cNvPr id="2" name="Vertical Title 1">
             <a:extLst>
               <a:ext uri="{FF2B5EF4-FFF2-40B4-BE49-F238E27FC236}">
-                <a16:creationId xmlns="" xmlns:a16="http://schemas.microsoft.com/office/drawing/2014/main" id="{2FA7A563-55A5-43E9-818B-911EC4041786}"/>
+                <a16:creationId xmlns:a16="http://schemas.microsoft.com/office/drawing/2014/main" xmlns="" id="{2FA7A563-55A5-43E9-818B-911EC4041786}"/>
               </a:ext>
             </a:extLst>
           </p:cNvPr>
@@ -598,7 +599,7 @@
           <p:cNvPr id="3" name="Vertical Text Placeholder 2">
             <a:extLst>
               <a:ext uri="{FF2B5EF4-FFF2-40B4-BE49-F238E27FC236}">
-                <a16:creationId xmlns="" xmlns:a16="http://schemas.microsoft.com/office/drawing/2014/main" id="{D1EDD924-B8D1-42FE-A3CB-AF1F5C2F6DC8}"/>
+                <a16:creationId xmlns:a16="http://schemas.microsoft.com/office/drawing/2014/main" xmlns="" id="{D1EDD924-B8D1-42FE-A3CB-AF1F5C2F6DC8}"/>
               </a:ext>
             </a:extLst>
           </p:cNvPr>
@@ -660,7 +661,7 @@
           <p:cNvPr id="4" name="Date Placeholder 3">
             <a:extLst>
               <a:ext uri="{FF2B5EF4-FFF2-40B4-BE49-F238E27FC236}">
-                <a16:creationId xmlns="" xmlns:a16="http://schemas.microsoft.com/office/drawing/2014/main" id="{37BF9067-43B3-4D06-AF67-AC42DE6358A2}"/>
+                <a16:creationId xmlns:a16="http://schemas.microsoft.com/office/drawing/2014/main" xmlns="" id="{37BF9067-43B3-4D06-AF67-AC42DE6358A2}"/>
               </a:ext>
             </a:extLst>
           </p:cNvPr>
@@ -690,7 +691,7 @@
           <p:cNvPr id="5" name="Footer Placeholder 4">
             <a:extLst>
               <a:ext uri="{FF2B5EF4-FFF2-40B4-BE49-F238E27FC236}">
-                <a16:creationId xmlns="" xmlns:a16="http://schemas.microsoft.com/office/drawing/2014/main" id="{B223D4E9-929B-43C9-9E19-2162B5506BDF}"/>
+                <a16:creationId xmlns:a16="http://schemas.microsoft.com/office/drawing/2014/main" xmlns="" id="{B223D4E9-929B-43C9-9E19-2162B5506BDF}"/>
               </a:ext>
             </a:extLst>
           </p:cNvPr>
@@ -715,7 +716,7 @@
           <p:cNvPr id="6" name="Slide Number Placeholder 5">
             <a:extLst>
               <a:ext uri="{FF2B5EF4-FFF2-40B4-BE49-F238E27FC236}">
-                <a16:creationId xmlns="" xmlns:a16="http://schemas.microsoft.com/office/drawing/2014/main" id="{0C80F552-F0C9-4F20-8020-1902637B0601}"/>
+                <a16:creationId xmlns:a16="http://schemas.microsoft.com/office/drawing/2014/main" xmlns="" id="{0C80F552-F0C9-4F20-8020-1902637B0601}"/>
               </a:ext>
             </a:extLst>
           </p:cNvPr>
@@ -743,7 +744,7 @@
     </p:spTree>
     <p:extLst>
       <p:ext uri="{BB962C8B-B14F-4D97-AF65-F5344CB8AC3E}">
-        <p14:creationId xmlns="" xmlns:p14="http://schemas.microsoft.com/office/powerpoint/2010/main" val="350673869"/>
+        <p14:creationId xmlns:p14="http://schemas.microsoft.com/office/powerpoint/2010/main" xmlns="" val="350673869"/>
       </p:ext>
     </p:extLst>
   </p:cSld>
@@ -775,7 +776,7 @@
           <p:cNvPr id="2" name="Title 1">
             <a:extLst>
               <a:ext uri="{FF2B5EF4-FFF2-40B4-BE49-F238E27FC236}">
-                <a16:creationId xmlns="" xmlns:a16="http://schemas.microsoft.com/office/drawing/2014/main" id="{96C1008D-7437-44D6-BD93-CB862EE545E9}"/>
+                <a16:creationId xmlns:a16="http://schemas.microsoft.com/office/drawing/2014/main" xmlns="" id="{96C1008D-7437-44D6-BD93-CB862EE545E9}"/>
               </a:ext>
             </a:extLst>
           </p:cNvPr>
@@ -803,7 +804,7 @@
           <p:cNvPr id="3" name="Content Placeholder 2">
             <a:extLst>
               <a:ext uri="{FF2B5EF4-FFF2-40B4-BE49-F238E27FC236}">
-                <a16:creationId xmlns="" xmlns:a16="http://schemas.microsoft.com/office/drawing/2014/main" id="{FB7847C4-4BC5-4A59-AC05-F23F585DDC61}"/>
+                <a16:creationId xmlns:a16="http://schemas.microsoft.com/office/drawing/2014/main" xmlns="" id="{FB7847C4-4BC5-4A59-AC05-F23F585DDC61}"/>
               </a:ext>
             </a:extLst>
           </p:cNvPr>
@@ -860,7 +861,7 @@
           <p:cNvPr id="4" name="Date Placeholder 3">
             <a:extLst>
               <a:ext uri="{FF2B5EF4-FFF2-40B4-BE49-F238E27FC236}">
-                <a16:creationId xmlns="" xmlns:a16="http://schemas.microsoft.com/office/drawing/2014/main" id="{33DEC68A-07DE-4145-B4AE-18C88102C4BD}"/>
+                <a16:creationId xmlns:a16="http://schemas.microsoft.com/office/drawing/2014/main" xmlns="" id="{33DEC68A-07DE-4145-B4AE-18C88102C4BD}"/>
               </a:ext>
             </a:extLst>
           </p:cNvPr>
@@ -890,7 +891,7 @@
           <p:cNvPr id="5" name="Footer Placeholder 4">
             <a:extLst>
               <a:ext uri="{FF2B5EF4-FFF2-40B4-BE49-F238E27FC236}">
-                <a16:creationId xmlns="" xmlns:a16="http://schemas.microsoft.com/office/drawing/2014/main" id="{4249DDBF-7EC1-4217-BD25-2F594B02B3A6}"/>
+                <a16:creationId xmlns:a16="http://schemas.microsoft.com/office/drawing/2014/main" xmlns="" id="{4249DDBF-7EC1-4217-BD25-2F594B02B3A6}"/>
               </a:ext>
             </a:extLst>
           </p:cNvPr>
@@ -915,7 +916,7 @@
           <p:cNvPr id="6" name="Slide Number Placeholder 5">
             <a:extLst>
               <a:ext uri="{FF2B5EF4-FFF2-40B4-BE49-F238E27FC236}">
-                <a16:creationId xmlns="" xmlns:a16="http://schemas.microsoft.com/office/drawing/2014/main" id="{017F7D75-DCCA-4E68-99CC-DE06F5C74B80}"/>
+                <a16:creationId xmlns:a16="http://schemas.microsoft.com/office/drawing/2014/main" xmlns="" id="{017F7D75-DCCA-4E68-99CC-DE06F5C74B80}"/>
               </a:ext>
             </a:extLst>
           </p:cNvPr>
@@ -943,7 +944,7 @@
     </p:spTree>
     <p:extLst>
       <p:ext uri="{BB962C8B-B14F-4D97-AF65-F5344CB8AC3E}">
-        <p14:creationId xmlns="" xmlns:p14="http://schemas.microsoft.com/office/powerpoint/2010/main" val="3735339835"/>
+        <p14:creationId xmlns:p14="http://schemas.microsoft.com/office/powerpoint/2010/main" xmlns="" val="3735339835"/>
       </p:ext>
     </p:extLst>
   </p:cSld>
@@ -975,7 +976,7 @@
           <p:cNvPr id="2" name="Title 1">
             <a:extLst>
               <a:ext uri="{FF2B5EF4-FFF2-40B4-BE49-F238E27FC236}">
-                <a16:creationId xmlns="" xmlns:a16="http://schemas.microsoft.com/office/drawing/2014/main" id="{6BFA835A-C1FA-443E-A6DF-F8DEC2DEBCAE}"/>
+                <a16:creationId xmlns:a16="http://schemas.microsoft.com/office/drawing/2014/main" xmlns="" id="{6BFA835A-C1FA-443E-A6DF-F8DEC2DEBCAE}"/>
               </a:ext>
             </a:extLst>
           </p:cNvPr>
@@ -1012,7 +1013,7 @@
           <p:cNvPr id="3" name="Text Placeholder 2">
             <a:extLst>
               <a:ext uri="{FF2B5EF4-FFF2-40B4-BE49-F238E27FC236}">
-                <a16:creationId xmlns="" xmlns:a16="http://schemas.microsoft.com/office/drawing/2014/main" id="{A55A900D-F9DB-4151-B605-2B661103FE2D}"/>
+                <a16:creationId xmlns:a16="http://schemas.microsoft.com/office/drawing/2014/main" xmlns="" id="{A55A900D-F9DB-4151-B605-2B661103FE2D}"/>
               </a:ext>
             </a:extLst>
           </p:cNvPr>
@@ -1137,7 +1138,7 @@
           <p:cNvPr id="4" name="Date Placeholder 3">
             <a:extLst>
               <a:ext uri="{FF2B5EF4-FFF2-40B4-BE49-F238E27FC236}">
-                <a16:creationId xmlns="" xmlns:a16="http://schemas.microsoft.com/office/drawing/2014/main" id="{5AB5B3BC-710B-4C4D-91AA-2455819AA02D}"/>
+                <a16:creationId xmlns:a16="http://schemas.microsoft.com/office/drawing/2014/main" xmlns="" id="{5AB5B3BC-710B-4C4D-91AA-2455819AA02D}"/>
               </a:ext>
             </a:extLst>
           </p:cNvPr>
@@ -1167,7 +1168,7 @@
           <p:cNvPr id="5" name="Footer Placeholder 4">
             <a:extLst>
               <a:ext uri="{FF2B5EF4-FFF2-40B4-BE49-F238E27FC236}">
-                <a16:creationId xmlns="" xmlns:a16="http://schemas.microsoft.com/office/drawing/2014/main" id="{5EF18243-70E1-4E8D-A508-776EE35DB705}"/>
+                <a16:creationId xmlns:a16="http://schemas.microsoft.com/office/drawing/2014/main" xmlns="" id="{5EF18243-70E1-4E8D-A508-776EE35DB705}"/>
               </a:ext>
             </a:extLst>
           </p:cNvPr>
@@ -1192,7 +1193,7 @@
           <p:cNvPr id="6" name="Slide Number Placeholder 5">
             <a:extLst>
               <a:ext uri="{FF2B5EF4-FFF2-40B4-BE49-F238E27FC236}">
-                <a16:creationId xmlns="" xmlns:a16="http://schemas.microsoft.com/office/drawing/2014/main" id="{7B3726C9-CFCA-4283-A80D-B7E992801417}"/>
+                <a16:creationId xmlns:a16="http://schemas.microsoft.com/office/drawing/2014/main" xmlns="" id="{7B3726C9-CFCA-4283-A80D-B7E992801417}"/>
               </a:ext>
             </a:extLst>
           </p:cNvPr>
@@ -1220,7 +1221,7 @@
     </p:spTree>
     <p:extLst>
       <p:ext uri="{BB962C8B-B14F-4D97-AF65-F5344CB8AC3E}">
-        <p14:creationId xmlns="" xmlns:p14="http://schemas.microsoft.com/office/powerpoint/2010/main" val="1560129237"/>
+        <p14:creationId xmlns:p14="http://schemas.microsoft.com/office/powerpoint/2010/main" xmlns="" val="1560129237"/>
       </p:ext>
     </p:extLst>
   </p:cSld>
@@ -1252,7 +1253,7 @@
           <p:cNvPr id="2" name="Title 1">
             <a:extLst>
               <a:ext uri="{FF2B5EF4-FFF2-40B4-BE49-F238E27FC236}">
-                <a16:creationId xmlns="" xmlns:a16="http://schemas.microsoft.com/office/drawing/2014/main" id="{67BB3E82-947E-435D-AAB6-C7340CEBC6D8}"/>
+                <a16:creationId xmlns:a16="http://schemas.microsoft.com/office/drawing/2014/main" xmlns="" id="{67BB3E82-947E-435D-AAB6-C7340CEBC6D8}"/>
               </a:ext>
             </a:extLst>
           </p:cNvPr>
@@ -1280,7 +1281,7 @@
           <p:cNvPr id="3" name="Content Placeholder 2">
             <a:extLst>
               <a:ext uri="{FF2B5EF4-FFF2-40B4-BE49-F238E27FC236}">
-                <a16:creationId xmlns="" xmlns:a16="http://schemas.microsoft.com/office/drawing/2014/main" id="{72E4F951-D658-40FF-AC2E-A8A40A6E8302}"/>
+                <a16:creationId xmlns:a16="http://schemas.microsoft.com/office/drawing/2014/main" xmlns="" id="{72E4F951-D658-40FF-AC2E-A8A40A6E8302}"/>
               </a:ext>
             </a:extLst>
           </p:cNvPr>
@@ -1342,7 +1343,7 @@
           <p:cNvPr id="4" name="Content Placeholder 3">
             <a:extLst>
               <a:ext uri="{FF2B5EF4-FFF2-40B4-BE49-F238E27FC236}">
-                <a16:creationId xmlns="" xmlns:a16="http://schemas.microsoft.com/office/drawing/2014/main" id="{9959F664-13E3-4512-AB27-60512196FF73}"/>
+                <a16:creationId xmlns:a16="http://schemas.microsoft.com/office/drawing/2014/main" xmlns="" id="{9959F664-13E3-4512-AB27-60512196FF73}"/>
               </a:ext>
             </a:extLst>
           </p:cNvPr>
@@ -1404,7 +1405,7 @@
           <p:cNvPr id="5" name="Date Placeholder 4">
             <a:extLst>
               <a:ext uri="{FF2B5EF4-FFF2-40B4-BE49-F238E27FC236}">
-                <a16:creationId xmlns="" xmlns:a16="http://schemas.microsoft.com/office/drawing/2014/main" id="{FBB47A73-2985-4C75-A523-FD7F1F314122}"/>
+                <a16:creationId xmlns:a16="http://schemas.microsoft.com/office/drawing/2014/main" xmlns="" id="{FBB47A73-2985-4C75-A523-FD7F1F314122}"/>
               </a:ext>
             </a:extLst>
           </p:cNvPr>
@@ -1434,7 +1435,7 @@
           <p:cNvPr id="6" name="Footer Placeholder 5">
             <a:extLst>
               <a:ext uri="{FF2B5EF4-FFF2-40B4-BE49-F238E27FC236}">
-                <a16:creationId xmlns="" xmlns:a16="http://schemas.microsoft.com/office/drawing/2014/main" id="{1EA3A7DE-21F4-40C4-9DA2-70BEC022A6BD}"/>
+                <a16:creationId xmlns:a16="http://schemas.microsoft.com/office/drawing/2014/main" xmlns="" id="{1EA3A7DE-21F4-40C4-9DA2-70BEC022A6BD}"/>
               </a:ext>
             </a:extLst>
           </p:cNvPr>
@@ -1459,7 +1460,7 @@
           <p:cNvPr id="7" name="Slide Number Placeholder 6">
             <a:extLst>
               <a:ext uri="{FF2B5EF4-FFF2-40B4-BE49-F238E27FC236}">
-                <a16:creationId xmlns="" xmlns:a16="http://schemas.microsoft.com/office/drawing/2014/main" id="{37B97125-E2BD-49A2-94DA-0368BCBC7137}"/>
+                <a16:creationId xmlns:a16="http://schemas.microsoft.com/office/drawing/2014/main" xmlns="" id="{37B97125-E2BD-49A2-94DA-0368BCBC7137}"/>
               </a:ext>
             </a:extLst>
           </p:cNvPr>
@@ -1487,7 +1488,7 @@
     </p:spTree>
     <p:extLst>
       <p:ext uri="{BB962C8B-B14F-4D97-AF65-F5344CB8AC3E}">
-        <p14:creationId xmlns="" xmlns:p14="http://schemas.microsoft.com/office/powerpoint/2010/main" val="2513374487"/>
+        <p14:creationId xmlns:p14="http://schemas.microsoft.com/office/powerpoint/2010/main" xmlns="" val="2513374487"/>
       </p:ext>
     </p:extLst>
   </p:cSld>
@@ -1519,7 +1520,7 @@
           <p:cNvPr id="2" name="Title 1">
             <a:extLst>
               <a:ext uri="{FF2B5EF4-FFF2-40B4-BE49-F238E27FC236}">
-                <a16:creationId xmlns="" xmlns:a16="http://schemas.microsoft.com/office/drawing/2014/main" id="{6905052D-9ADA-47DE-8CDD-D46B5740D3D4}"/>
+                <a16:creationId xmlns:a16="http://schemas.microsoft.com/office/drawing/2014/main" xmlns="" id="{6905052D-9ADA-47DE-8CDD-D46B5740D3D4}"/>
               </a:ext>
             </a:extLst>
           </p:cNvPr>
@@ -1552,7 +1553,7 @@
           <p:cNvPr id="3" name="Text Placeholder 2">
             <a:extLst>
               <a:ext uri="{FF2B5EF4-FFF2-40B4-BE49-F238E27FC236}">
-                <a16:creationId xmlns="" xmlns:a16="http://schemas.microsoft.com/office/drawing/2014/main" id="{CB7E8E4A-1AB3-43A7-9FDE-516076817F91}"/>
+                <a16:creationId xmlns:a16="http://schemas.microsoft.com/office/drawing/2014/main" xmlns="" id="{CB7E8E4A-1AB3-43A7-9FDE-516076817F91}"/>
               </a:ext>
             </a:extLst>
           </p:cNvPr>
@@ -1623,7 +1624,7 @@
           <p:cNvPr id="4" name="Content Placeholder 3">
             <a:extLst>
               <a:ext uri="{FF2B5EF4-FFF2-40B4-BE49-F238E27FC236}">
-                <a16:creationId xmlns="" xmlns:a16="http://schemas.microsoft.com/office/drawing/2014/main" id="{2A6273AC-9565-4777-AC12-3C8B4DE29915}"/>
+                <a16:creationId xmlns:a16="http://schemas.microsoft.com/office/drawing/2014/main" xmlns="" id="{2A6273AC-9565-4777-AC12-3C8B4DE29915}"/>
               </a:ext>
             </a:extLst>
           </p:cNvPr>
@@ -1685,7 +1686,7 @@
           <p:cNvPr id="5" name="Text Placeholder 4">
             <a:extLst>
               <a:ext uri="{FF2B5EF4-FFF2-40B4-BE49-F238E27FC236}">
-                <a16:creationId xmlns="" xmlns:a16="http://schemas.microsoft.com/office/drawing/2014/main" id="{0F0F10FB-C81D-4D03-A4E1-FEA423092FE6}"/>
+                <a16:creationId xmlns:a16="http://schemas.microsoft.com/office/drawing/2014/main" xmlns="" id="{0F0F10FB-C81D-4D03-A4E1-FEA423092FE6}"/>
               </a:ext>
             </a:extLst>
           </p:cNvPr>
@@ -1756,7 +1757,7 @@
           <p:cNvPr id="6" name="Content Placeholder 5">
             <a:extLst>
               <a:ext uri="{FF2B5EF4-FFF2-40B4-BE49-F238E27FC236}">
-                <a16:creationId xmlns="" xmlns:a16="http://schemas.microsoft.com/office/drawing/2014/main" id="{28E50A92-9C67-495F-8528-1FC6027CA4E4}"/>
+                <a16:creationId xmlns:a16="http://schemas.microsoft.com/office/drawing/2014/main" xmlns="" id="{28E50A92-9C67-495F-8528-1FC6027CA4E4}"/>
               </a:ext>
             </a:extLst>
           </p:cNvPr>
@@ -1818,7 +1819,7 @@
           <p:cNvPr id="7" name="Date Placeholder 6">
             <a:extLst>
               <a:ext uri="{FF2B5EF4-FFF2-40B4-BE49-F238E27FC236}">
-                <a16:creationId xmlns="" xmlns:a16="http://schemas.microsoft.com/office/drawing/2014/main" id="{262EEB5A-DC4D-482F-A426-1CA65FD714E0}"/>
+                <a16:creationId xmlns:a16="http://schemas.microsoft.com/office/drawing/2014/main" xmlns="" id="{262EEB5A-DC4D-482F-A426-1CA65FD714E0}"/>
               </a:ext>
             </a:extLst>
           </p:cNvPr>
@@ -1848,7 +1849,7 @@
           <p:cNvPr id="8" name="Footer Placeholder 7">
             <a:extLst>
               <a:ext uri="{FF2B5EF4-FFF2-40B4-BE49-F238E27FC236}">
-                <a16:creationId xmlns="" xmlns:a16="http://schemas.microsoft.com/office/drawing/2014/main" id="{95790B85-6F53-4392-8AC1-DE6898742C03}"/>
+                <a16:creationId xmlns:a16="http://schemas.microsoft.com/office/drawing/2014/main" xmlns="" id="{95790B85-6F53-4392-8AC1-DE6898742C03}"/>
               </a:ext>
             </a:extLst>
           </p:cNvPr>
@@ -1873,7 +1874,7 @@
           <p:cNvPr id="9" name="Slide Number Placeholder 8">
             <a:extLst>
               <a:ext uri="{FF2B5EF4-FFF2-40B4-BE49-F238E27FC236}">
-                <a16:creationId xmlns="" xmlns:a16="http://schemas.microsoft.com/office/drawing/2014/main" id="{6D57A557-66E0-47C5-BAC2-CAC7BA0C1446}"/>
+                <a16:creationId xmlns:a16="http://schemas.microsoft.com/office/drawing/2014/main" xmlns="" id="{6D57A557-66E0-47C5-BAC2-CAC7BA0C1446}"/>
               </a:ext>
             </a:extLst>
           </p:cNvPr>
@@ -1901,7 +1902,7 @@
     </p:spTree>
     <p:extLst>
       <p:ext uri="{BB962C8B-B14F-4D97-AF65-F5344CB8AC3E}">
-        <p14:creationId xmlns="" xmlns:p14="http://schemas.microsoft.com/office/powerpoint/2010/main" val="3180430064"/>
+        <p14:creationId xmlns:p14="http://schemas.microsoft.com/office/powerpoint/2010/main" xmlns="" val="3180430064"/>
       </p:ext>
     </p:extLst>
   </p:cSld>
@@ -1933,7 +1934,7 @@
           <p:cNvPr id="2" name="Title 1">
             <a:extLst>
               <a:ext uri="{FF2B5EF4-FFF2-40B4-BE49-F238E27FC236}">
-                <a16:creationId xmlns="" xmlns:a16="http://schemas.microsoft.com/office/drawing/2014/main" id="{D0B2F214-A8FA-48DF-BD45-70AD9CACD29C}"/>
+                <a16:creationId xmlns:a16="http://schemas.microsoft.com/office/drawing/2014/main" xmlns="" id="{D0B2F214-A8FA-48DF-BD45-70AD9CACD29C}"/>
               </a:ext>
             </a:extLst>
           </p:cNvPr>
@@ -1961,7 +1962,7 @@
           <p:cNvPr id="3" name="Date Placeholder 2">
             <a:extLst>
               <a:ext uri="{FF2B5EF4-FFF2-40B4-BE49-F238E27FC236}">
-                <a16:creationId xmlns="" xmlns:a16="http://schemas.microsoft.com/office/drawing/2014/main" id="{E4AAF204-772F-495B-B380-3BF53992682A}"/>
+                <a16:creationId xmlns:a16="http://schemas.microsoft.com/office/drawing/2014/main" xmlns="" id="{E4AAF204-772F-495B-B380-3BF53992682A}"/>
               </a:ext>
             </a:extLst>
           </p:cNvPr>
@@ -1991,7 +1992,7 @@
           <p:cNvPr id="4" name="Footer Placeholder 3">
             <a:extLst>
               <a:ext uri="{FF2B5EF4-FFF2-40B4-BE49-F238E27FC236}">
-                <a16:creationId xmlns="" xmlns:a16="http://schemas.microsoft.com/office/drawing/2014/main" id="{8665EAFC-3BBD-4B8C-9F9B-4A0E4F0DC418}"/>
+                <a16:creationId xmlns:a16="http://schemas.microsoft.com/office/drawing/2014/main" xmlns="" id="{8665EAFC-3BBD-4B8C-9F9B-4A0E4F0DC418}"/>
               </a:ext>
             </a:extLst>
           </p:cNvPr>
@@ -2016,7 +2017,7 @@
           <p:cNvPr id="5" name="Slide Number Placeholder 4">
             <a:extLst>
               <a:ext uri="{FF2B5EF4-FFF2-40B4-BE49-F238E27FC236}">
-                <a16:creationId xmlns="" xmlns:a16="http://schemas.microsoft.com/office/drawing/2014/main" id="{4A63BF39-65F1-49D0-AC44-49969F32591E}"/>
+                <a16:creationId xmlns:a16="http://schemas.microsoft.com/office/drawing/2014/main" xmlns="" id="{4A63BF39-65F1-49D0-AC44-49969F32591E}"/>
               </a:ext>
             </a:extLst>
           </p:cNvPr>
@@ -2044,7 +2045,7 @@
     </p:spTree>
     <p:extLst>
       <p:ext uri="{BB962C8B-B14F-4D97-AF65-F5344CB8AC3E}">
-        <p14:creationId xmlns="" xmlns:p14="http://schemas.microsoft.com/office/powerpoint/2010/main" val="4217315285"/>
+        <p14:creationId xmlns:p14="http://schemas.microsoft.com/office/powerpoint/2010/main" xmlns="" val="4217315285"/>
       </p:ext>
     </p:extLst>
   </p:cSld>
@@ -2076,7 +2077,7 @@
           <p:cNvPr id="2" name="Date Placeholder 1">
             <a:extLst>
               <a:ext uri="{FF2B5EF4-FFF2-40B4-BE49-F238E27FC236}">
-                <a16:creationId xmlns="" xmlns:a16="http://schemas.microsoft.com/office/drawing/2014/main" id="{38E13A78-41D2-4916-8707-8712D7F3E736}"/>
+                <a16:creationId xmlns:a16="http://schemas.microsoft.com/office/drawing/2014/main" xmlns="" id="{38E13A78-41D2-4916-8707-8712D7F3E736}"/>
               </a:ext>
             </a:extLst>
           </p:cNvPr>
@@ -2106,7 +2107,7 @@
           <p:cNvPr id="3" name="Footer Placeholder 2">
             <a:extLst>
               <a:ext uri="{FF2B5EF4-FFF2-40B4-BE49-F238E27FC236}">
-                <a16:creationId xmlns="" xmlns:a16="http://schemas.microsoft.com/office/drawing/2014/main" id="{0CC2F4DC-BF0C-4B4B-969D-681774500140}"/>
+                <a16:creationId xmlns:a16="http://schemas.microsoft.com/office/drawing/2014/main" xmlns="" id="{0CC2F4DC-BF0C-4B4B-969D-681774500140}"/>
               </a:ext>
             </a:extLst>
           </p:cNvPr>
@@ -2131,7 +2132,7 @@
           <p:cNvPr id="4" name="Slide Number Placeholder 3">
             <a:extLst>
               <a:ext uri="{FF2B5EF4-FFF2-40B4-BE49-F238E27FC236}">
-                <a16:creationId xmlns="" xmlns:a16="http://schemas.microsoft.com/office/drawing/2014/main" id="{621D9041-2E0E-4095-BA4E-46A492BA6F84}"/>
+                <a16:creationId xmlns:a16="http://schemas.microsoft.com/office/drawing/2014/main" xmlns="" id="{621D9041-2E0E-4095-BA4E-46A492BA6F84}"/>
               </a:ext>
             </a:extLst>
           </p:cNvPr>
@@ -2159,7 +2160,7 @@
     </p:spTree>
     <p:extLst>
       <p:ext uri="{BB962C8B-B14F-4D97-AF65-F5344CB8AC3E}">
-        <p14:creationId xmlns="" xmlns:p14="http://schemas.microsoft.com/office/powerpoint/2010/main" val="1157190729"/>
+        <p14:creationId xmlns:p14="http://schemas.microsoft.com/office/powerpoint/2010/main" xmlns="" val="1157190729"/>
       </p:ext>
     </p:extLst>
   </p:cSld>
@@ -2191,7 +2192,7 @@
           <p:cNvPr id="2" name="Title 1">
             <a:extLst>
               <a:ext uri="{FF2B5EF4-FFF2-40B4-BE49-F238E27FC236}">
-                <a16:creationId xmlns="" xmlns:a16="http://schemas.microsoft.com/office/drawing/2014/main" id="{505AAE3A-42CF-4174-8FCB-564D7FEBCE26}"/>
+                <a16:creationId xmlns:a16="http://schemas.microsoft.com/office/drawing/2014/main" xmlns="" id="{505AAE3A-42CF-4174-8FCB-564D7FEBCE26}"/>
               </a:ext>
             </a:extLst>
           </p:cNvPr>
@@ -2228,7 +2229,7 @@
           <p:cNvPr id="3" name="Content Placeholder 2">
             <a:extLst>
               <a:ext uri="{FF2B5EF4-FFF2-40B4-BE49-F238E27FC236}">
-                <a16:creationId xmlns="" xmlns:a16="http://schemas.microsoft.com/office/drawing/2014/main" id="{2289D0B7-0346-4E52-BCC0-A780DC489508}"/>
+                <a16:creationId xmlns:a16="http://schemas.microsoft.com/office/drawing/2014/main" xmlns="" id="{2289D0B7-0346-4E52-BCC0-A780DC489508}"/>
               </a:ext>
             </a:extLst>
           </p:cNvPr>
@@ -2318,7 +2319,7 @@
           <p:cNvPr id="4" name="Text Placeholder 3">
             <a:extLst>
               <a:ext uri="{FF2B5EF4-FFF2-40B4-BE49-F238E27FC236}">
-                <a16:creationId xmlns="" xmlns:a16="http://schemas.microsoft.com/office/drawing/2014/main" id="{798E7D4D-E474-4B9C-985E-3D997057EC9F}"/>
+                <a16:creationId xmlns:a16="http://schemas.microsoft.com/office/drawing/2014/main" xmlns="" id="{798E7D4D-E474-4B9C-985E-3D997057EC9F}"/>
               </a:ext>
             </a:extLst>
           </p:cNvPr>
@@ -2389,7 +2390,7 @@
           <p:cNvPr id="5" name="Date Placeholder 4">
             <a:extLst>
               <a:ext uri="{FF2B5EF4-FFF2-40B4-BE49-F238E27FC236}">
-                <a16:creationId xmlns="" xmlns:a16="http://schemas.microsoft.com/office/drawing/2014/main" id="{56275279-C7CD-4DD6-BA7C-91D128D3A30F}"/>
+                <a16:creationId xmlns:a16="http://schemas.microsoft.com/office/drawing/2014/main" xmlns="" id="{56275279-C7CD-4DD6-BA7C-91D128D3A30F}"/>
               </a:ext>
             </a:extLst>
           </p:cNvPr>
@@ -2419,7 +2420,7 @@
           <p:cNvPr id="6" name="Footer Placeholder 5">
             <a:extLst>
               <a:ext uri="{FF2B5EF4-FFF2-40B4-BE49-F238E27FC236}">
-                <a16:creationId xmlns="" xmlns:a16="http://schemas.microsoft.com/office/drawing/2014/main" id="{D20A2B40-93E3-4A84-8EF5-02B7227E125B}"/>
+                <a16:creationId xmlns:a16="http://schemas.microsoft.com/office/drawing/2014/main" xmlns="" id="{D20A2B40-93E3-4A84-8EF5-02B7227E125B}"/>
               </a:ext>
             </a:extLst>
           </p:cNvPr>
@@ -2444,7 +2445,7 @@
           <p:cNvPr id="7" name="Slide Number Placeholder 6">
             <a:extLst>
               <a:ext uri="{FF2B5EF4-FFF2-40B4-BE49-F238E27FC236}">
-                <a16:creationId xmlns="" xmlns:a16="http://schemas.microsoft.com/office/drawing/2014/main" id="{6F4A7FCB-019C-4212-BA6A-32A3AEF7D7C7}"/>
+                <a16:creationId xmlns:a16="http://schemas.microsoft.com/office/drawing/2014/main" xmlns="" id="{6F4A7FCB-019C-4212-BA6A-32A3AEF7D7C7}"/>
               </a:ext>
             </a:extLst>
           </p:cNvPr>
@@ -2472,7 +2473,7 @@
     </p:spTree>
     <p:extLst>
       <p:ext uri="{BB962C8B-B14F-4D97-AF65-F5344CB8AC3E}">
-        <p14:creationId xmlns="" xmlns:p14="http://schemas.microsoft.com/office/powerpoint/2010/main" val="4187006886"/>
+        <p14:creationId xmlns:p14="http://schemas.microsoft.com/office/powerpoint/2010/main" xmlns="" val="4187006886"/>
       </p:ext>
     </p:extLst>
   </p:cSld>
@@ -2504,7 +2505,7 @@
           <p:cNvPr id="2" name="Title 1">
             <a:extLst>
               <a:ext uri="{FF2B5EF4-FFF2-40B4-BE49-F238E27FC236}">
-                <a16:creationId xmlns="" xmlns:a16="http://schemas.microsoft.com/office/drawing/2014/main" id="{20A3BF06-213E-449A-8449-09A6201286A9}"/>
+                <a16:creationId xmlns:a16="http://schemas.microsoft.com/office/drawing/2014/main" xmlns="" id="{20A3BF06-213E-449A-8449-09A6201286A9}"/>
               </a:ext>
             </a:extLst>
           </p:cNvPr>
@@ -2541,7 +2542,7 @@
           <p:cNvPr id="3" name="Picture Placeholder 2">
             <a:extLst>
               <a:ext uri="{FF2B5EF4-FFF2-40B4-BE49-F238E27FC236}">
-                <a16:creationId xmlns="" xmlns:a16="http://schemas.microsoft.com/office/drawing/2014/main" id="{7AD421A8-CAF9-4908-9928-E2ABCB63177B}"/>
+                <a16:creationId xmlns:a16="http://schemas.microsoft.com/office/drawing/2014/main" xmlns="" id="{7AD421A8-CAF9-4908-9928-E2ABCB63177B}"/>
               </a:ext>
             </a:extLst>
           </p:cNvPr>
@@ -2608,7 +2609,7 @@
           <p:cNvPr id="4" name="Text Placeholder 3">
             <a:extLst>
               <a:ext uri="{FF2B5EF4-FFF2-40B4-BE49-F238E27FC236}">
-                <a16:creationId xmlns="" xmlns:a16="http://schemas.microsoft.com/office/drawing/2014/main" id="{44C76A14-6FBD-40B4-BCC3-D2C7C2B72404}"/>
+                <a16:creationId xmlns:a16="http://schemas.microsoft.com/office/drawing/2014/main" xmlns="" id="{44C76A14-6FBD-40B4-BCC3-D2C7C2B72404}"/>
               </a:ext>
             </a:extLst>
           </p:cNvPr>
@@ -2679,7 +2680,7 @@
           <p:cNvPr id="5" name="Date Placeholder 4">
             <a:extLst>
               <a:ext uri="{FF2B5EF4-FFF2-40B4-BE49-F238E27FC236}">
-                <a16:creationId xmlns="" xmlns:a16="http://schemas.microsoft.com/office/drawing/2014/main" id="{37EB9888-40CB-4898-B68F-FC8340EE6998}"/>
+                <a16:creationId xmlns:a16="http://schemas.microsoft.com/office/drawing/2014/main" xmlns="" id="{37EB9888-40CB-4898-B68F-FC8340EE6998}"/>
               </a:ext>
             </a:extLst>
           </p:cNvPr>
@@ -2709,7 +2710,7 @@
           <p:cNvPr id="6" name="Footer Placeholder 5">
             <a:extLst>
               <a:ext uri="{FF2B5EF4-FFF2-40B4-BE49-F238E27FC236}">
-                <a16:creationId xmlns="" xmlns:a16="http://schemas.microsoft.com/office/drawing/2014/main" id="{AA139589-10E5-40DF-867B-7258AF3C2B9F}"/>
+                <a16:creationId xmlns:a16="http://schemas.microsoft.com/office/drawing/2014/main" xmlns="" id="{AA139589-10E5-40DF-867B-7258AF3C2B9F}"/>
               </a:ext>
             </a:extLst>
           </p:cNvPr>
@@ -2734,7 +2735,7 @@
           <p:cNvPr id="7" name="Slide Number Placeholder 6">
             <a:extLst>
               <a:ext uri="{FF2B5EF4-FFF2-40B4-BE49-F238E27FC236}">
-                <a16:creationId xmlns="" xmlns:a16="http://schemas.microsoft.com/office/drawing/2014/main" id="{3FE813FB-48D3-47B8-B884-EDC185600652}"/>
+                <a16:creationId xmlns:a16="http://schemas.microsoft.com/office/drawing/2014/main" xmlns="" id="{3FE813FB-48D3-47B8-B884-EDC185600652}"/>
               </a:ext>
             </a:extLst>
           </p:cNvPr>
@@ -2762,7 +2763,7 @@
     </p:spTree>
     <p:extLst>
       <p:ext uri="{BB962C8B-B14F-4D97-AF65-F5344CB8AC3E}">
-        <p14:creationId xmlns="" xmlns:p14="http://schemas.microsoft.com/office/powerpoint/2010/main" val="3176900940"/>
+        <p14:creationId xmlns:p14="http://schemas.microsoft.com/office/powerpoint/2010/main" xmlns="" val="3176900940"/>
       </p:ext>
     </p:extLst>
   </p:cSld>
@@ -2799,7 +2800,7 @@
           <p:cNvPr id="2" name="Title Placeholder 1">
             <a:extLst>
               <a:ext uri="{FF2B5EF4-FFF2-40B4-BE49-F238E27FC236}">
-                <a16:creationId xmlns="" xmlns:a16="http://schemas.microsoft.com/office/drawing/2014/main" id="{7518F1AE-7885-4911-B17F-CCD41DAEDCDD}"/>
+                <a16:creationId xmlns:a16="http://schemas.microsoft.com/office/drawing/2014/main" xmlns="" id="{7518F1AE-7885-4911-B17F-CCD41DAEDCDD}"/>
               </a:ext>
             </a:extLst>
           </p:cNvPr>
@@ -2837,7 +2838,7 @@
           <p:cNvPr id="3" name="Text Placeholder 2">
             <a:extLst>
               <a:ext uri="{FF2B5EF4-FFF2-40B4-BE49-F238E27FC236}">
-                <a16:creationId xmlns="" xmlns:a16="http://schemas.microsoft.com/office/drawing/2014/main" id="{5E205A9D-6BCA-43E6-8AD5-60E84A227F12}"/>
+                <a16:creationId xmlns:a16="http://schemas.microsoft.com/office/drawing/2014/main" xmlns="" id="{5E205A9D-6BCA-43E6-8AD5-60E84A227F12}"/>
               </a:ext>
             </a:extLst>
           </p:cNvPr>
@@ -2904,7 +2905,7 @@
           <p:cNvPr id="4" name="Date Placeholder 3">
             <a:extLst>
               <a:ext uri="{FF2B5EF4-FFF2-40B4-BE49-F238E27FC236}">
-                <a16:creationId xmlns="" xmlns:a16="http://schemas.microsoft.com/office/drawing/2014/main" id="{6C2A1FE1-9B30-4674-8E65-3A14FA1BDCA3}"/>
+                <a16:creationId xmlns:a16="http://schemas.microsoft.com/office/drawing/2014/main" xmlns="" id="{6C2A1FE1-9B30-4674-8E65-3A14FA1BDCA3}"/>
               </a:ext>
             </a:extLst>
           </p:cNvPr>
@@ -2952,7 +2953,7 @@
           <p:cNvPr id="5" name="Footer Placeholder 4">
             <a:extLst>
               <a:ext uri="{FF2B5EF4-FFF2-40B4-BE49-F238E27FC236}">
-                <a16:creationId xmlns="" xmlns:a16="http://schemas.microsoft.com/office/drawing/2014/main" id="{44DD3D05-5ACB-4C2A-B4D0-6E53248FFF08}"/>
+                <a16:creationId xmlns:a16="http://schemas.microsoft.com/office/drawing/2014/main" xmlns="" id="{44DD3D05-5ACB-4C2A-B4D0-6E53248FFF08}"/>
               </a:ext>
             </a:extLst>
           </p:cNvPr>
@@ -2995,7 +2996,7 @@
           <p:cNvPr id="6" name="Slide Number Placeholder 5">
             <a:extLst>
               <a:ext uri="{FF2B5EF4-FFF2-40B4-BE49-F238E27FC236}">
-                <a16:creationId xmlns="" xmlns:a16="http://schemas.microsoft.com/office/drawing/2014/main" id="{12481A35-B109-4D52-8F83-CD2806055792}"/>
+                <a16:creationId xmlns:a16="http://schemas.microsoft.com/office/drawing/2014/main" xmlns="" id="{12481A35-B109-4D52-8F83-CD2806055792}"/>
               </a:ext>
             </a:extLst>
           </p:cNvPr>
@@ -3041,7 +3042,7 @@
     </p:spTree>
     <p:extLst>
       <p:ext uri="{BB962C8B-B14F-4D97-AF65-F5344CB8AC3E}">
-        <p14:creationId xmlns="" xmlns:p14="http://schemas.microsoft.com/office/powerpoint/2010/main" val="2994751168"/>
+        <p14:creationId xmlns:p14="http://schemas.microsoft.com/office/powerpoint/2010/main" xmlns="" val="2994751168"/>
       </p:ext>
     </p:extLst>
   </p:cSld>
@@ -3372,7 +3373,7 @@
           <p:cNvPr id="19" name="Rectangle: Rounded Corners 18">
             <a:extLst>
               <a:ext uri="{FF2B5EF4-FFF2-40B4-BE49-F238E27FC236}">
-                <a16:creationId xmlns="" xmlns:a16="http://schemas.microsoft.com/office/drawing/2014/main" id="{D057E500-D7B7-4344-9077-47A854CC62E8}"/>
+                <a16:creationId xmlns:a16="http://schemas.microsoft.com/office/drawing/2014/main" xmlns="" id="{D057E500-D7B7-4344-9077-47A854CC62E8}"/>
               </a:ext>
             </a:extLst>
           </p:cNvPr>
@@ -3428,7 +3429,7 @@
           <p:cNvPr id="41" name="Picture 40">
             <a:extLst>
               <a:ext uri="{FF2B5EF4-FFF2-40B4-BE49-F238E27FC236}">
-                <a16:creationId xmlns="" xmlns:a16="http://schemas.microsoft.com/office/drawing/2014/main" id="{F134A3A9-1D52-458A-AC10-98DDDB553F17}"/>
+                <a16:creationId xmlns:a16="http://schemas.microsoft.com/office/drawing/2014/main" xmlns="" id="{F134A3A9-1D52-458A-AC10-98DDDB553F17}"/>
               </a:ext>
             </a:extLst>
           </p:cNvPr>
@@ -3458,7 +3459,7 @@
           <p:cNvPr id="5" name="TextBox 4">
             <a:extLst>
               <a:ext uri="{FF2B5EF4-FFF2-40B4-BE49-F238E27FC236}">
-                <a16:creationId xmlns="" xmlns:a16="http://schemas.microsoft.com/office/drawing/2014/main" id="{2C43C587-8D1C-42BE-A55D-CAE661D6DBDF}"/>
+                <a16:creationId xmlns:a16="http://schemas.microsoft.com/office/drawing/2014/main" xmlns="" id="{2C43C587-8D1C-42BE-A55D-CAE661D6DBDF}"/>
               </a:ext>
             </a:extLst>
           </p:cNvPr>
@@ -3499,7 +3500,7 @@
           <p:cNvPr id="7" name="TextBox 6">
             <a:extLst>
               <a:ext uri="{FF2B5EF4-FFF2-40B4-BE49-F238E27FC236}">
-                <a16:creationId xmlns="" xmlns:a16="http://schemas.microsoft.com/office/drawing/2014/main" id="{9F82DE50-4E7D-498F-A607-0078DE74AF86}"/>
+                <a16:creationId xmlns:a16="http://schemas.microsoft.com/office/drawing/2014/main" xmlns="" id="{9F82DE50-4E7D-498F-A607-0078DE74AF86}"/>
               </a:ext>
             </a:extLst>
           </p:cNvPr>
@@ -3574,7 +3575,7 @@
           <p:cNvPr id="8" name="TextBox 7">
             <a:extLst>
               <a:ext uri="{FF2B5EF4-FFF2-40B4-BE49-F238E27FC236}">
-                <a16:creationId xmlns="" xmlns:a16="http://schemas.microsoft.com/office/drawing/2014/main" id="{AD2B5AB4-1E5A-4ACC-B190-745733AE93D5}"/>
+                <a16:creationId xmlns:a16="http://schemas.microsoft.com/office/drawing/2014/main" xmlns="" id="{AD2B5AB4-1E5A-4ACC-B190-745733AE93D5}"/>
               </a:ext>
             </a:extLst>
           </p:cNvPr>
@@ -3720,7 +3721,7 @@
           <p:cNvPr id="9" name="TextBox 8">
             <a:extLst>
               <a:ext uri="{FF2B5EF4-FFF2-40B4-BE49-F238E27FC236}">
-                <a16:creationId xmlns="" xmlns:a16="http://schemas.microsoft.com/office/drawing/2014/main" id="{F3F4FABA-6BA9-4772-9373-D6D550D178BB}"/>
+                <a16:creationId xmlns:a16="http://schemas.microsoft.com/office/drawing/2014/main" xmlns="" id="{F3F4FABA-6BA9-4772-9373-D6D550D178BB}"/>
               </a:ext>
             </a:extLst>
           </p:cNvPr>
@@ -3785,7 +3786,7 @@
           <p:cNvPr id="3" name="Picture 2">
             <a:extLst>
               <a:ext uri="{FF2B5EF4-FFF2-40B4-BE49-F238E27FC236}">
-                <a16:creationId xmlns="" xmlns:a16="http://schemas.microsoft.com/office/drawing/2014/main" id="{5896D28D-9075-4498-AFE9-9387F5851EA3}"/>
+                <a16:creationId xmlns:a16="http://schemas.microsoft.com/office/drawing/2014/main" xmlns="" id="{5896D28D-9075-4498-AFE9-9387F5851EA3}"/>
               </a:ext>
             </a:extLst>
           </p:cNvPr>
@@ -3798,7 +3799,7 @@
           <a:blip r:embed="rId3">
             <a:extLst>
               <a:ext uri="{28A0092B-C50C-407E-A947-70E740481C1C}">
-                <a14:useLocalDpi xmlns="" xmlns:a14="http://schemas.microsoft.com/office/drawing/2010/main" val="0"/>
+                <a14:useLocalDpi xmlns:a14="http://schemas.microsoft.com/office/drawing/2010/main" xmlns="" val="0"/>
               </a:ext>
             </a:extLst>
           </a:blip>
@@ -3826,7 +3827,7 @@
           <a:blip r:embed="rId4">
             <a:extLst>
               <a:ext uri="{28A0092B-C50C-407E-A947-70E740481C1C}">
-                <a14:useLocalDpi xmlns:lc="http://schemas.openxmlformats.org/drawingml/2006/lockedCanvas" xmlns:pic="http://schemas.openxmlformats.org/drawingml/2006/picture" xmlns:a14="http://schemas.microsoft.com/office/drawing/2010/main" xmlns:wps="http://schemas.microsoft.com/office/word/2010/wordprocessingShape" xmlns:wne="http://schemas.microsoft.com/office/word/2006/wordml" xmlns:wpi="http://schemas.microsoft.com/office/word/2010/wordprocessingInk" xmlns:wpg="http://schemas.microsoft.com/office/word/2010/wordprocessingGroup" xmlns:w16se="http://schemas.microsoft.com/office/word/2015/wordml/symex" xmlns:w16cid="http://schemas.microsoft.com/office/word/2016/wordml/cid" xmlns:w15="http://schemas.microsoft.com/office/word/2012/wordml" xmlns:w14="http://schemas.microsoft.com/office/word/2010/wordml" xmlns:w="http://schemas.openxmlformats.org/wordprocessingml/2006/main" xmlns:w10="urn:schemas-microsoft-com:office:word" xmlns:wp="http://schemas.openxmlformats.org/drawingml/2006/wordprocessingDrawing" xmlns:wp14="http://schemas.microsoft.com/office/word/2010/wordprocessingDrawing" xmlns:v="urn:schemas-microsoft-com:vml" xmlns:m="http://schemas.openxmlformats.org/officeDocument/2006/math" xmlns:o="urn:schemas-microsoft-com:office:office" xmlns:am3d="http://schemas.microsoft.com/office/drawing/2017/model3d" xmlns:aink="http://schemas.microsoft.com/office/drawing/2016/ink" xmlns:mc="http://schemas.openxmlformats.org/markup-compatibility/2006" xmlns:cx8="http://schemas.microsoft.com/office/drawing/2016/5/14/chartex" xmlns:cx7="http://schemas.microsoft.com/office/drawing/2016/5/13/chartex" xmlns:cx6="http://schemas.microsoft.com/office/drawing/2016/5/12/chartex" xmlns:cx5="http://schemas.microsoft.com/office/drawing/2016/5/11/chartex" xmlns:cx4="http://schemas.microsoft.com/office/drawing/2016/5/10/chartex" xmlns:cx3="http://schemas.microsoft.com/office/drawing/2016/5/9/chartex" xmlns:cx2="http://schemas.microsoft.com/office/drawing/2015/10/21/chartex" xmlns:cx1="http://schemas.microsoft.com/office/drawing/2015/9/8/chartex" xmlns:cx="http://schemas.microsoft.com/office/drawing/2014/chartex" xmlns:wpc="http://schemas.microsoft.com/office/word/2010/wordprocessingCanvas" xmlns="" val="0"/>
+                <a14:useLocalDpi xmlns="" xmlns:wpc="http://schemas.microsoft.com/office/word/2010/wordprocessingCanvas" xmlns:cx="http://schemas.microsoft.com/office/drawing/2014/chartex" xmlns:cx1="http://schemas.microsoft.com/office/drawing/2015/9/8/chartex" xmlns:cx2="http://schemas.microsoft.com/office/drawing/2015/10/21/chartex" xmlns:cx3="http://schemas.microsoft.com/office/drawing/2016/5/9/chartex" xmlns:cx4="http://schemas.microsoft.com/office/drawing/2016/5/10/chartex" xmlns:cx5="http://schemas.microsoft.com/office/drawing/2016/5/11/chartex" xmlns:cx6="http://schemas.microsoft.com/office/drawing/2016/5/12/chartex" xmlns:cx7="http://schemas.microsoft.com/office/drawing/2016/5/13/chartex" xmlns:cx8="http://schemas.microsoft.com/office/drawing/2016/5/14/chartex" xmlns:mc="http://schemas.openxmlformats.org/markup-compatibility/2006" xmlns:aink="http://schemas.microsoft.com/office/drawing/2016/ink" xmlns:am3d="http://schemas.microsoft.com/office/drawing/2017/model3d" xmlns:o="urn:schemas-microsoft-com:office:office" xmlns:m="http://schemas.openxmlformats.org/officeDocument/2006/math" xmlns:v="urn:schemas-microsoft-com:vml" xmlns:wp14="http://schemas.microsoft.com/office/word/2010/wordprocessingDrawing" xmlns:wp="http://schemas.openxmlformats.org/drawingml/2006/wordprocessingDrawing" xmlns:w10="urn:schemas-microsoft-com:office:word" xmlns:w="http://schemas.openxmlformats.org/wordprocessingml/2006/main" xmlns:w14="http://schemas.microsoft.com/office/word/2010/wordml" xmlns:w15="http://schemas.microsoft.com/office/word/2012/wordml" xmlns:w16cid="http://schemas.microsoft.com/office/word/2016/wordml/cid" xmlns:w16se="http://schemas.microsoft.com/office/word/2015/wordml/symex" xmlns:wpg="http://schemas.microsoft.com/office/word/2010/wordprocessingGroup" xmlns:wpi="http://schemas.microsoft.com/office/word/2010/wordprocessingInk" xmlns:wne="http://schemas.microsoft.com/office/word/2006/wordml" xmlns:wps="http://schemas.microsoft.com/office/word/2010/wordprocessingShape" xmlns:a14="http://schemas.microsoft.com/office/drawing/2010/main" xmlns:pic="http://schemas.openxmlformats.org/drawingml/2006/picture" xmlns:lc="http://schemas.openxmlformats.org/drawingml/2006/lockedCanvas" val="0"/>
               </a:ext>
             </a:extLst>
           </a:blip>
@@ -3852,7 +3853,7 @@
     </p:spTree>
     <p:extLst>
       <p:ext uri="{BB962C8B-B14F-4D97-AF65-F5344CB8AC3E}">
-        <p14:creationId xmlns="" xmlns:p14="http://schemas.microsoft.com/office/powerpoint/2010/main" val="3159914800"/>
+        <p14:creationId xmlns:p14="http://schemas.microsoft.com/office/powerpoint/2010/main" xmlns="" val="3159914800"/>
       </p:ext>
     </p:extLst>
   </p:cSld>
@@ -4024,10 +4025,823 @@
       </p:grpSpPr>
       <p:sp>
         <p:nvSpPr>
+          <p:cNvPr id="21" name="Freeform: Shape 20">
+            <a:extLst>
+              <a:ext uri="{FF2B5EF4-FFF2-40B4-BE49-F238E27FC236}">
+                <a16:creationId xmlns:a16="http://schemas.microsoft.com/office/drawing/2014/main" xmlns="" id="{B285ACEB-2229-4721-9F8A-CBFFAFC59184}"/>
+              </a:ext>
+            </a:extLst>
+          </p:cNvPr>
+          <p:cNvSpPr/>
+          <p:nvPr/>
+        </p:nvSpPr>
+        <p:spPr>
+          <a:xfrm>
+            <a:off x="1" y="0"/>
+            <a:ext cx="793376" cy="6858000"/>
+          </a:xfrm>
+          <a:custGeom>
+            <a:avLst/>
+            <a:gdLst>
+              <a:gd name="connsiteX0" fmla="*/ 0 w 793376"/>
+              <a:gd name="connsiteY0" fmla="*/ 0 h 6858000"/>
+              <a:gd name="connsiteX1" fmla="*/ 793376 w 793376"/>
+              <a:gd name="connsiteY1" fmla="*/ 0 h 6858000"/>
+              <a:gd name="connsiteX2" fmla="*/ 793376 w 793376"/>
+              <a:gd name="connsiteY2" fmla="*/ 5156331 h 6858000"/>
+              <a:gd name="connsiteX3" fmla="*/ 749784 w 793376"/>
+              <a:gd name="connsiteY3" fmla="*/ 5160693 h 6858000"/>
+              <a:gd name="connsiteX4" fmla="*/ 392778 w 793376"/>
+              <a:gd name="connsiteY4" fmla="*/ 5595431 h 6858000"/>
+              <a:gd name="connsiteX5" fmla="*/ 749784 w 793376"/>
+              <a:gd name="connsiteY5" fmla="*/ 6030170 h 6858000"/>
+              <a:gd name="connsiteX6" fmla="*/ 793376 w 793376"/>
+              <a:gd name="connsiteY6" fmla="*/ 6034531 h 6858000"/>
+              <a:gd name="connsiteX7" fmla="*/ 793376 w 793376"/>
+              <a:gd name="connsiteY7" fmla="*/ 6858000 h 6858000"/>
+              <a:gd name="connsiteX8" fmla="*/ 0 w 793376"/>
+              <a:gd name="connsiteY8" fmla="*/ 6858000 h 6858000"/>
+            </a:gdLst>
+            <a:ahLst/>
+            <a:cxnLst>
+              <a:cxn ang="0">
+                <a:pos x="connsiteX0" y="connsiteY0"/>
+              </a:cxn>
+              <a:cxn ang="0">
+                <a:pos x="connsiteX1" y="connsiteY1"/>
+              </a:cxn>
+              <a:cxn ang="0">
+                <a:pos x="connsiteX2" y="connsiteY2"/>
+              </a:cxn>
+              <a:cxn ang="0">
+                <a:pos x="connsiteX3" y="connsiteY3"/>
+              </a:cxn>
+              <a:cxn ang="0">
+                <a:pos x="connsiteX4" y="connsiteY4"/>
+              </a:cxn>
+              <a:cxn ang="0">
+                <a:pos x="connsiteX5" y="connsiteY5"/>
+              </a:cxn>
+              <a:cxn ang="0">
+                <a:pos x="connsiteX6" y="connsiteY6"/>
+              </a:cxn>
+              <a:cxn ang="0">
+                <a:pos x="connsiteX7" y="connsiteY7"/>
+              </a:cxn>
+              <a:cxn ang="0">
+                <a:pos x="connsiteX8" y="connsiteY8"/>
+              </a:cxn>
+            </a:cxnLst>
+            <a:rect l="l" t="t" r="r" b="b"/>
+            <a:pathLst>
+              <a:path w="793376" h="6858000">
+                <a:moveTo>
+                  <a:pt x="0" y="0"/>
+                </a:moveTo>
+                <a:lnTo>
+                  <a:pt x="793376" y="0"/>
+                </a:lnTo>
+                <a:lnTo>
+                  <a:pt x="793376" y="5156331"/>
+                </a:lnTo>
+                <a:lnTo>
+                  <a:pt x="749784" y="5160693"/>
+                </a:lnTo>
+                <a:cubicBezTo>
+                  <a:pt x="546041" y="5202071"/>
+                  <a:pt x="392778" y="5380987"/>
+                  <a:pt x="392778" y="5595431"/>
+                </a:cubicBezTo>
+                <a:cubicBezTo>
+                  <a:pt x="392778" y="5809875"/>
+                  <a:pt x="546041" y="5988791"/>
+                  <a:pt x="749784" y="6030170"/>
+                </a:cubicBezTo>
+                <a:lnTo>
+                  <a:pt x="793376" y="6034531"/>
+                </a:lnTo>
+                <a:lnTo>
+                  <a:pt x="793376" y="6858000"/>
+                </a:lnTo>
+                <a:lnTo>
+                  <a:pt x="0" y="6858000"/>
+                </a:lnTo>
+                <a:close/>
+              </a:path>
+            </a:pathLst>
+          </a:custGeom>
+          <a:solidFill>
+            <a:schemeClr val="bg1"/>
+          </a:solidFill>
+          <a:ln>
+            <a:solidFill>
+              <a:schemeClr val="bg1"/>
+            </a:solidFill>
+          </a:ln>
+        </p:spPr>
+        <p:style>
+          <a:lnRef idx="2">
+            <a:schemeClr val="accent1">
+              <a:shade val="50000"/>
+            </a:schemeClr>
+          </a:lnRef>
+          <a:fillRef idx="1">
+            <a:schemeClr val="accent1"/>
+          </a:fillRef>
+          <a:effectRef idx="0">
+            <a:schemeClr val="accent1"/>
+          </a:effectRef>
+          <a:fontRef idx="minor">
+            <a:schemeClr val="lt1"/>
+          </a:fontRef>
+        </p:style>
+        <p:txBody>
+          <a:bodyPr wrap="square" rtlCol="0" anchor="ctr">
+            <a:noAutofit/>
+          </a:bodyPr>
+          <a:lstStyle/>
+          <a:p>
+            <a:pPr algn="ctr"/>
+            <a:endParaRPr lang="en-US"/>
+          </a:p>
+        </p:txBody>
+      </p:sp>
+      <p:sp>
+        <p:nvSpPr>
+          <p:cNvPr id="18" name="TextBox 17">
+            <a:hlinkClick r:id="rId2" action="ppaction://hlinksldjump"/>
+            <a:extLst>
+              <a:ext uri="{FF2B5EF4-FFF2-40B4-BE49-F238E27FC236}">
+                <a16:creationId xmlns:a16="http://schemas.microsoft.com/office/drawing/2014/main" xmlns="" id="{B0B257EE-741D-439C-A8DC-45D4DFA89BE8}"/>
+              </a:ext>
+            </a:extLst>
+          </p:cNvPr>
+          <p:cNvSpPr txBox="1"/>
+          <p:nvPr/>
+        </p:nvSpPr>
+        <p:spPr>
+          <a:xfrm>
+            <a:off x="93034" y="3200399"/>
+            <a:ext cx="607309" cy="584775"/>
+          </a:xfrm>
+          <a:prstGeom prst="rect">
+            <a:avLst/>
+          </a:prstGeom>
+          <a:noFill/>
+        </p:spPr>
+        <p:txBody>
+          <a:bodyPr wrap="square">
+            <a:spAutoFit/>
+          </a:bodyPr>
+          <a:lstStyle/>
+          <a:p>
+            <a:pPr algn="ctr"/>
+            <a:r>
+              <a:rPr lang="en-US" sz="3200" dirty="0">
+                <a:latin typeface="Comic Sans MS" panose="030F0702030302020204" pitchFamily="66" charset="0"/>
+                <a:cs typeface="Arabic Typesetting" panose="03020402040406030203" pitchFamily="66" charset="-78"/>
+              </a:rPr>
+              <a:t>2</a:t>
+            </a:r>
+            <a:endParaRPr lang="en-US" sz="3200" dirty="0">
+              <a:solidFill>
+                <a:schemeClr val="tx1"/>
+              </a:solidFill>
+              <a:latin typeface="Comic Sans MS" panose="030F0702030302020204" pitchFamily="66" charset="0"/>
+              <a:cs typeface="Arabic Typesetting" panose="03020402040406030203" pitchFamily="66" charset="-78"/>
+            </a:endParaRPr>
+          </a:p>
+        </p:txBody>
+      </p:sp>
+      <p:sp>
+        <p:nvSpPr>
+          <p:cNvPr id="20" name="TextBox 19">
+            <a:hlinkClick r:id="rId3" action="ppaction://hlinksldjump"/>
+            <a:extLst>
+              <a:ext uri="{FF2B5EF4-FFF2-40B4-BE49-F238E27FC236}">
+                <a16:creationId xmlns:a16="http://schemas.microsoft.com/office/drawing/2014/main" xmlns="" id="{9450BCCA-836D-4BF4-9193-3F720FF3D925}"/>
+              </a:ext>
+            </a:extLst>
+          </p:cNvPr>
+          <p:cNvSpPr txBox="1"/>
+          <p:nvPr/>
+        </p:nvSpPr>
+        <p:spPr>
+          <a:xfrm>
+            <a:off x="93033" y="1307812"/>
+            <a:ext cx="607309" cy="584775"/>
+          </a:xfrm>
+          <a:prstGeom prst="rect">
+            <a:avLst/>
+          </a:prstGeom>
+          <a:noFill/>
+        </p:spPr>
+        <p:txBody>
+          <a:bodyPr wrap="square">
+            <a:spAutoFit/>
+          </a:bodyPr>
+          <a:lstStyle/>
+          <a:p>
+            <a:pPr algn="ctr"/>
+            <a:r>
+              <a:rPr lang="en-US" sz="3200" dirty="0">
+                <a:solidFill>
+                  <a:schemeClr val="tx1"/>
+                </a:solidFill>
+                <a:latin typeface="Comic Sans MS" panose="030F0702030302020204" pitchFamily="66" charset="0"/>
+                <a:cs typeface="Arabic Typesetting" panose="03020402040406030203" pitchFamily="66" charset="-78"/>
+              </a:rPr>
+              <a:t>1</a:t>
+            </a:r>
+          </a:p>
+        </p:txBody>
+      </p:sp>
+      <p:sp>
+        <p:nvSpPr>
+          <p:cNvPr id="22" name="Oval 21">
+            <a:extLst>
+              <a:ext uri="{FF2B5EF4-FFF2-40B4-BE49-F238E27FC236}">
+                <a16:creationId xmlns:a16="http://schemas.microsoft.com/office/drawing/2014/main" xmlns="" id="{8A5094CC-CFDB-4BC3-8531-F1A57092FC71}"/>
+              </a:ext>
+            </a:extLst>
+          </p:cNvPr>
+          <p:cNvSpPr/>
+          <p:nvPr/>
+        </p:nvSpPr>
+        <p:spPr>
+          <a:xfrm>
+            <a:off x="489722" y="5218913"/>
+            <a:ext cx="793376" cy="753035"/>
+          </a:xfrm>
+          <a:prstGeom prst="ellipse">
+            <a:avLst/>
+          </a:prstGeom>
+          <a:solidFill>
+            <a:schemeClr val="bg1"/>
+          </a:solidFill>
+          <a:ln>
+            <a:solidFill>
+              <a:schemeClr val="bg1"/>
+            </a:solidFill>
+          </a:ln>
+        </p:spPr>
+        <p:style>
+          <a:lnRef idx="2">
+            <a:schemeClr val="accent1">
+              <a:shade val="50000"/>
+            </a:schemeClr>
+          </a:lnRef>
+          <a:fillRef idx="1">
+            <a:schemeClr val="accent1"/>
+          </a:fillRef>
+          <a:effectRef idx="0">
+            <a:schemeClr val="accent1"/>
+          </a:effectRef>
+          <a:fontRef idx="minor">
+            <a:schemeClr val="lt1"/>
+          </a:fontRef>
+        </p:style>
+        <p:txBody>
+          <a:bodyPr rtlCol="0" anchor="ctr"/>
+          <a:lstStyle/>
+          <a:p>
+            <a:pPr algn="ctr"/>
+            <a:r>
+              <a:rPr lang="en-US" sz="3200" dirty="0">
+                <a:solidFill>
+                  <a:schemeClr val="tx1"/>
+                </a:solidFill>
+                <a:latin typeface="Comic Sans MS" panose="030F0702030302020204" pitchFamily="66" charset="0"/>
+                <a:cs typeface="Arabic Typesetting" panose="03020402040406030203" pitchFamily="66" charset="-78"/>
+              </a:rPr>
+              <a:t>3</a:t>
+            </a:r>
+          </a:p>
+        </p:txBody>
+      </p:sp>
+      <p:sp>
+        <p:nvSpPr>
+          <p:cNvPr id="23" name="Rectangle: Rounded Corners 22">
+            <a:extLst>
+              <a:ext uri="{FF2B5EF4-FFF2-40B4-BE49-F238E27FC236}">
+                <a16:creationId xmlns:a16="http://schemas.microsoft.com/office/drawing/2014/main" xmlns="" id="{F8F628A2-20B4-432C-975C-85D3F68FE530}"/>
+              </a:ext>
+            </a:extLst>
+          </p:cNvPr>
+          <p:cNvSpPr/>
+          <p:nvPr/>
+        </p:nvSpPr>
+        <p:spPr>
+          <a:xfrm>
+            <a:off x="1479176" y="820272"/>
+            <a:ext cx="10461812" cy="5795682"/>
+          </a:xfrm>
+          <a:prstGeom prst="roundRect">
+            <a:avLst>
+              <a:gd name="adj" fmla="val 4398"/>
+            </a:avLst>
+          </a:prstGeom>
+          <a:solidFill>
+            <a:srgbClr val="E9ECE4"/>
+          </a:solidFill>
+          <a:ln w="38100">
+            <a:solidFill>
+              <a:schemeClr val="bg1"/>
+            </a:solidFill>
+          </a:ln>
+        </p:spPr>
+        <p:style>
+          <a:lnRef idx="2">
+            <a:schemeClr val="accent1">
+              <a:shade val="50000"/>
+            </a:schemeClr>
+          </a:lnRef>
+          <a:fillRef idx="1">
+            <a:schemeClr val="accent1"/>
+          </a:fillRef>
+          <a:effectRef idx="0">
+            <a:schemeClr val="accent1"/>
+          </a:effectRef>
+          <a:fontRef idx="minor">
+            <a:schemeClr val="lt1"/>
+          </a:fontRef>
+        </p:style>
+        <p:txBody>
+          <a:bodyPr rtlCol="0" anchor="ctr"/>
+          <a:lstStyle/>
+          <a:p>
+            <a:pPr algn="ctr"/>
+            <a:endParaRPr lang="en-US"/>
+          </a:p>
+        </p:txBody>
+      </p:sp>
+      <p:sp>
+        <p:nvSpPr>
+          <p:cNvPr id="24" name="TextBox 23">
+            <a:extLst>
+              <a:ext uri="{FF2B5EF4-FFF2-40B4-BE49-F238E27FC236}">
+                <a16:creationId xmlns:a16="http://schemas.microsoft.com/office/drawing/2014/main" xmlns="" id="{0A381ADD-61DA-41C7-B10B-D68527C8D0B1}"/>
+              </a:ext>
+            </a:extLst>
+          </p:cNvPr>
+          <p:cNvSpPr txBox="1"/>
+          <p:nvPr/>
+        </p:nvSpPr>
+        <p:spPr>
+          <a:xfrm>
+            <a:off x="4762502" y="1138534"/>
+            <a:ext cx="4410636" cy="461665"/>
+          </a:xfrm>
+          <a:prstGeom prst="rect">
+            <a:avLst/>
+          </a:prstGeom>
+          <a:noFill/>
+        </p:spPr>
+        <p:txBody>
+          <a:bodyPr wrap="square" rtlCol="0">
+            <a:spAutoFit/>
+          </a:bodyPr>
+          <a:lstStyle/>
+          <a:p>
+            <a:pPr algn="ctr"/>
+            <a:r>
+              <a:rPr lang="en-US" sz="2400" dirty="0" err="1" smtClean="0">
+                <a:latin typeface="Cooper Black" panose="0208090404030B020404" pitchFamily="18" charset="0"/>
+              </a:rPr>
+              <a:t>Kerangka</a:t>
+            </a:r>
+            <a:r>
+              <a:rPr lang="en-US" sz="2400" dirty="0" smtClean="0">
+                <a:latin typeface="Cooper Black" panose="0208090404030B020404" pitchFamily="18" charset="0"/>
+              </a:rPr>
+              <a:t> </a:t>
+            </a:r>
+            <a:r>
+              <a:rPr lang="en-US" sz="2400" dirty="0" err="1" smtClean="0">
+                <a:latin typeface="Cooper Black" panose="0208090404030B020404" pitchFamily="18" charset="0"/>
+              </a:rPr>
+              <a:t>Sistem</a:t>
+            </a:r>
+            <a:endParaRPr lang="en-US" sz="2400" dirty="0">
+              <a:latin typeface="Cooper Black" panose="0208090404030B020404" pitchFamily="18" charset="0"/>
+            </a:endParaRPr>
+          </a:p>
+        </p:txBody>
+      </p:sp>
+      <p:pic>
+        <p:nvPicPr>
+          <p:cNvPr id="38" name="Picture 37">
+            <a:extLst>
+              <a:ext uri="{FF2B5EF4-FFF2-40B4-BE49-F238E27FC236}">
+                <a16:creationId xmlns:a16="http://schemas.microsoft.com/office/drawing/2014/main" xmlns="" id="{979BE55F-3C36-442A-A4E3-8D07DC0B1884}"/>
+              </a:ext>
+            </a:extLst>
+          </p:cNvPr>
+          <p:cNvPicPr>
+            <a:picLocks noChangeAspect="1"/>
+          </p:cNvPicPr>
+          <p:nvPr/>
+        </p:nvPicPr>
+        <p:blipFill>
+          <a:blip r:embed="rId4">
+            <a:extLst>
+              <a:ext uri="{28A0092B-C50C-407E-A947-70E740481C1C}">
+                <a14:useLocalDpi xmlns:a14="http://schemas.microsoft.com/office/drawing/2010/main" xmlns="" val="0"/>
+              </a:ext>
+            </a:extLst>
+          </a:blip>
+          <a:stretch>
+            <a:fillRect/>
+          </a:stretch>
+        </p:blipFill>
+        <p:spPr>
+          <a:xfrm>
+            <a:off x="-991133" y="0"/>
+            <a:ext cx="621846" cy="2152075"/>
+          </a:xfrm>
+          <a:prstGeom prst="rect">
+            <a:avLst/>
+          </a:prstGeom>
+        </p:spPr>
+      </p:pic>
+      <p:pic>
+        <p:nvPicPr>
+          <p:cNvPr id="39" name="Picture 38" descr="kerangka sistem.PNG"/>
+          <p:cNvPicPr>
+            <a:picLocks noChangeAspect="1"/>
+          </p:cNvPicPr>
+          <p:nvPr/>
+        </p:nvPicPr>
+        <p:blipFill>
+          <a:blip r:embed="rId5"/>
+          <a:stretch>
+            <a:fillRect/>
+          </a:stretch>
+        </p:blipFill>
+        <p:spPr>
+          <a:xfrm>
+            <a:off x="3657600" y="1626622"/>
+            <a:ext cx="6429376" cy="4854541"/>
+          </a:xfrm>
+          <a:prstGeom prst="rect">
+            <a:avLst/>
+          </a:prstGeom>
+        </p:spPr>
+      </p:pic>
+      <p:sp>
+        <p:nvSpPr>
+          <p:cNvPr id="40" name="Rectangle: Rounded Corners 26">
+            <a:hlinkClick r:id="rId6" action="ppaction://hlinksldjump"/>
+            <a:extLst>
+              <a:ext uri="{FF2B5EF4-FFF2-40B4-BE49-F238E27FC236}">
+                <a16:creationId xmlns:a16="http://schemas.microsoft.com/office/drawing/2014/main" xmlns="" id="{74EFB888-34FE-4E92-995A-760DFE30C78E}"/>
+              </a:ext>
+            </a:extLst>
+          </p:cNvPr>
+          <p:cNvSpPr/>
+          <p:nvPr/>
+        </p:nvSpPr>
+        <p:spPr>
+          <a:xfrm>
+            <a:off x="10153933" y="205068"/>
+            <a:ext cx="1815352" cy="430306"/>
+          </a:xfrm>
+          <a:prstGeom prst="roundRect">
+            <a:avLst>
+              <a:gd name="adj" fmla="val 50000"/>
+            </a:avLst>
+          </a:prstGeom>
+          <a:solidFill>
+            <a:srgbClr val="B0A999"/>
+          </a:solidFill>
+          <a:ln w="28575">
+            <a:solidFill>
+              <a:schemeClr val="bg1"/>
+            </a:solidFill>
+          </a:ln>
+        </p:spPr>
+        <p:style>
+          <a:lnRef idx="2">
+            <a:schemeClr val="accent1">
+              <a:shade val="50000"/>
+            </a:schemeClr>
+          </a:lnRef>
+          <a:fillRef idx="1">
+            <a:schemeClr val="accent1"/>
+          </a:fillRef>
+          <a:effectRef idx="0">
+            <a:schemeClr val="accent1"/>
+          </a:effectRef>
+          <a:fontRef idx="minor">
+            <a:schemeClr val="lt1"/>
+          </a:fontRef>
+        </p:style>
+        <p:txBody>
+          <a:bodyPr rtlCol="0" anchor="ctr"/>
+          <a:lstStyle/>
+          <a:p>
+            <a:pPr algn="ctr"/>
+            <a:r>
+              <a:rPr lang="en-US" sz="1400" b="1" dirty="0" err="1" smtClean="0">
+                <a:solidFill>
+                  <a:schemeClr val="bg1"/>
+                </a:solidFill>
+                <a:latin typeface="Baar Sophia" panose="00000400000000000000" pitchFamily="2" charset="0"/>
+              </a:rPr>
+              <a:t>Kerangka</a:t>
+            </a:r>
+            <a:r>
+              <a:rPr lang="en-US" sz="1400" b="1" dirty="0" smtClean="0">
+                <a:solidFill>
+                  <a:schemeClr val="bg1"/>
+                </a:solidFill>
+                <a:latin typeface="Baar Sophia" panose="00000400000000000000" pitchFamily="2" charset="0"/>
+              </a:rPr>
+              <a:t> </a:t>
+            </a:r>
+            <a:r>
+              <a:rPr lang="en-US" sz="1400" b="1" dirty="0" err="1" smtClean="0">
+                <a:solidFill>
+                  <a:schemeClr val="bg1"/>
+                </a:solidFill>
+                <a:latin typeface="Baar Sophia" panose="00000400000000000000" pitchFamily="2" charset="0"/>
+              </a:rPr>
+              <a:t>Sistem</a:t>
+            </a:r>
+            <a:endParaRPr lang="en-US" sz="1400" b="1" dirty="0">
+              <a:solidFill>
+                <a:schemeClr val="bg1"/>
+              </a:solidFill>
+              <a:latin typeface="Baar Sophia" panose="00000400000000000000" pitchFamily="2" charset="0"/>
+            </a:endParaRPr>
+          </a:p>
+        </p:txBody>
+      </p:sp>
+      <p:sp>
+        <p:nvSpPr>
+          <p:cNvPr id="41" name="Rectangle: Rounded Corners 27">
+            <a:hlinkClick r:id="rId7" action="ppaction://hlinksldjump"/>
+            <a:extLst>
+              <a:ext uri="{FF2B5EF4-FFF2-40B4-BE49-F238E27FC236}">
+                <a16:creationId xmlns:a16="http://schemas.microsoft.com/office/drawing/2014/main" xmlns="" id="{37287FED-EF68-4CAE-89C4-65FC296B7312}"/>
+              </a:ext>
+            </a:extLst>
+          </p:cNvPr>
+          <p:cNvSpPr/>
+          <p:nvPr/>
+        </p:nvSpPr>
+        <p:spPr>
+          <a:xfrm>
+            <a:off x="8174976" y="205068"/>
+            <a:ext cx="1815352" cy="430306"/>
+          </a:xfrm>
+          <a:prstGeom prst="roundRect">
+            <a:avLst>
+              <a:gd name="adj" fmla="val 50000"/>
+            </a:avLst>
+          </a:prstGeom>
+          <a:solidFill>
+            <a:srgbClr val="B0A999"/>
+          </a:solidFill>
+          <a:ln w="28575">
+            <a:solidFill>
+              <a:schemeClr val="bg1"/>
+            </a:solidFill>
+          </a:ln>
+        </p:spPr>
+        <p:style>
+          <a:lnRef idx="2">
+            <a:schemeClr val="accent1">
+              <a:shade val="50000"/>
+            </a:schemeClr>
+          </a:lnRef>
+          <a:fillRef idx="1">
+            <a:schemeClr val="accent1"/>
+          </a:fillRef>
+          <a:effectRef idx="0">
+            <a:schemeClr val="accent1"/>
+          </a:effectRef>
+          <a:fontRef idx="minor">
+            <a:schemeClr val="lt1"/>
+          </a:fontRef>
+        </p:style>
+        <p:txBody>
+          <a:bodyPr rtlCol="0" anchor="ctr"/>
+          <a:lstStyle/>
+          <a:p>
+            <a:pPr algn="ctr"/>
+            <a:r>
+              <a:rPr lang="en-US" sz="1400" b="1" dirty="0" err="1" smtClean="0">
+                <a:solidFill>
+                  <a:schemeClr val="tx1"/>
+                </a:solidFill>
+                <a:latin typeface="Baar Sophia" panose="00000400000000000000" pitchFamily="2" charset="0"/>
+              </a:rPr>
+              <a:t>Tempat</a:t>
+            </a:r>
+            <a:r>
+              <a:rPr lang="en-US" sz="1400" b="1" dirty="0" smtClean="0">
+                <a:solidFill>
+                  <a:schemeClr val="tx1"/>
+                </a:solidFill>
+                <a:latin typeface="Baar Sophia" panose="00000400000000000000" pitchFamily="2" charset="0"/>
+              </a:rPr>
+              <a:t> </a:t>
+            </a:r>
+            <a:r>
+              <a:rPr lang="en-US" sz="1400" b="1" dirty="0" err="1" smtClean="0">
+                <a:solidFill>
+                  <a:schemeClr val="tx1"/>
+                </a:solidFill>
+                <a:latin typeface="Baar Sophia" panose="00000400000000000000" pitchFamily="2" charset="0"/>
+              </a:rPr>
+              <a:t>dan</a:t>
+            </a:r>
+            <a:r>
+              <a:rPr lang="en-US" sz="1400" b="1" dirty="0" smtClean="0">
+                <a:solidFill>
+                  <a:schemeClr val="tx1"/>
+                </a:solidFill>
+                <a:latin typeface="Baar Sophia" panose="00000400000000000000" pitchFamily="2" charset="0"/>
+              </a:rPr>
+              <a:t> </a:t>
+            </a:r>
+            <a:r>
+              <a:rPr lang="en-US" sz="1400" b="1" dirty="0" err="1" smtClean="0">
+                <a:solidFill>
+                  <a:schemeClr val="tx1"/>
+                </a:solidFill>
+                <a:latin typeface="Baar Sophia" panose="00000400000000000000" pitchFamily="2" charset="0"/>
+              </a:rPr>
+              <a:t>Waktu</a:t>
+            </a:r>
+            <a:endParaRPr lang="en-US" sz="1400" b="1" dirty="0">
+              <a:solidFill>
+                <a:schemeClr val="tx1"/>
+              </a:solidFill>
+              <a:latin typeface="Baar Sophia" panose="00000400000000000000" pitchFamily="2" charset="0"/>
+            </a:endParaRPr>
+          </a:p>
+        </p:txBody>
+      </p:sp>
+      <p:sp>
+        <p:nvSpPr>
+          <p:cNvPr id="42" name="Rectangle: Rounded Corners 28">
+            <a:hlinkClick r:id="rId2" action="ppaction://hlinksldjump"/>
+            <a:extLst>
+              <a:ext uri="{FF2B5EF4-FFF2-40B4-BE49-F238E27FC236}">
+                <a16:creationId xmlns:a16="http://schemas.microsoft.com/office/drawing/2014/main" xmlns="" id="{A7336044-B58E-47D2-9E0D-789E1F1F18CA}"/>
+              </a:ext>
+            </a:extLst>
+          </p:cNvPr>
+          <p:cNvSpPr/>
+          <p:nvPr/>
+        </p:nvSpPr>
+        <p:spPr>
+          <a:xfrm>
+            <a:off x="6196019" y="205068"/>
+            <a:ext cx="1815352" cy="430306"/>
+          </a:xfrm>
+          <a:prstGeom prst="roundRect">
+            <a:avLst>
+              <a:gd name="adj" fmla="val 50000"/>
+            </a:avLst>
+          </a:prstGeom>
+          <a:solidFill>
+            <a:srgbClr val="B0A999"/>
+          </a:solidFill>
+          <a:ln w="28575">
+            <a:solidFill>
+              <a:schemeClr val="bg1"/>
+            </a:solidFill>
+          </a:ln>
+        </p:spPr>
+        <p:style>
+          <a:lnRef idx="2">
+            <a:schemeClr val="accent1">
+              <a:shade val="50000"/>
+            </a:schemeClr>
+          </a:lnRef>
+          <a:fillRef idx="1">
+            <a:schemeClr val="accent1"/>
+          </a:fillRef>
+          <a:effectRef idx="0">
+            <a:schemeClr val="accent1"/>
+          </a:effectRef>
+          <a:fontRef idx="minor">
+            <a:schemeClr val="lt1"/>
+          </a:fontRef>
+        </p:style>
+        <p:txBody>
+          <a:bodyPr rtlCol="0" anchor="ctr"/>
+          <a:lstStyle/>
+          <a:p>
+            <a:pPr algn="ctr"/>
+            <a:r>
+              <a:rPr lang="en-US" sz="1400" b="1" dirty="0" err="1" smtClean="0">
+                <a:solidFill>
+                  <a:schemeClr val="tx1"/>
+                </a:solidFill>
+                <a:latin typeface="Baar Sophia" panose="00000400000000000000" pitchFamily="2" charset="0"/>
+              </a:rPr>
+              <a:t>Alat</a:t>
+            </a:r>
+            <a:r>
+              <a:rPr lang="en-US" sz="1400" b="1" dirty="0" smtClean="0">
+                <a:solidFill>
+                  <a:schemeClr val="tx1"/>
+                </a:solidFill>
+                <a:latin typeface="Baar Sophia" panose="00000400000000000000" pitchFamily="2" charset="0"/>
+              </a:rPr>
+              <a:t> </a:t>
+            </a:r>
+            <a:r>
+              <a:rPr lang="en-US" sz="1400" b="1" dirty="0" err="1" smtClean="0">
+                <a:solidFill>
+                  <a:schemeClr val="tx1"/>
+                </a:solidFill>
+                <a:latin typeface="Baar Sophia" panose="00000400000000000000" pitchFamily="2" charset="0"/>
+              </a:rPr>
+              <a:t>dan</a:t>
+            </a:r>
+            <a:r>
+              <a:rPr lang="en-US" sz="1400" b="1" dirty="0" smtClean="0">
+                <a:solidFill>
+                  <a:schemeClr val="tx1"/>
+                </a:solidFill>
+                <a:latin typeface="Baar Sophia" panose="00000400000000000000" pitchFamily="2" charset="0"/>
+              </a:rPr>
+              <a:t> </a:t>
+            </a:r>
+            <a:r>
+              <a:rPr lang="en-US" sz="1400" b="1" dirty="0" err="1" smtClean="0">
+                <a:solidFill>
+                  <a:schemeClr val="tx1"/>
+                </a:solidFill>
+                <a:latin typeface="Baar Sophia" panose="00000400000000000000" pitchFamily="2" charset="0"/>
+              </a:rPr>
+              <a:t>Bahan</a:t>
+            </a:r>
+            <a:endParaRPr lang="en-US" sz="1400" b="1" dirty="0">
+              <a:solidFill>
+                <a:schemeClr val="tx1"/>
+              </a:solidFill>
+              <a:latin typeface="Baar Sophia" panose="00000400000000000000" pitchFamily="2" charset="0"/>
+            </a:endParaRPr>
+          </a:p>
+        </p:txBody>
+      </p:sp>
+    </p:spTree>
+    <p:extLst>
+      <p:ext uri="{BB962C8B-B14F-4D97-AF65-F5344CB8AC3E}">
+        <p14:creationId xmlns:p14="http://schemas.microsoft.com/office/powerpoint/2010/main" xmlns="" val="3814463893"/>
+      </p:ext>
+    </p:extLst>
+  </p:cSld>
+  <p:clrMapOvr>
+    <a:masterClrMapping/>
+  </p:clrMapOvr>
+  <p:timing>
+    <p:tnLst>
+      <p:par>
+        <p:cTn id="1" dur="indefinite" restart="never" nodeType="tmRoot"/>
+      </p:par>
+    </p:tnLst>
+  </p:timing>
+</p:sld>
+</file>
+
+<file path=ppt/slides/slide11.xml><?xml version="1.0" encoding="utf-8"?>
+<p:sld xmlns:a="http://schemas.openxmlformats.org/drawingml/2006/main" xmlns:r="http://schemas.openxmlformats.org/officeDocument/2006/relationships" xmlns:p="http://schemas.openxmlformats.org/presentationml/2006/main">
+  <p:cSld>
+    <p:bg>
+      <p:bgPr>
+        <a:solidFill>
+          <a:srgbClr val="C8CCBC"/>
+        </a:solidFill>
+        <a:effectLst/>
+      </p:bgPr>
+    </p:bg>
+    <p:spTree>
+      <p:nvGrpSpPr>
+        <p:cNvPr id="1" name=""/>
+        <p:cNvGrpSpPr/>
+        <p:nvPr/>
+      </p:nvGrpSpPr>
+      <p:grpSpPr>
+        <a:xfrm>
+          <a:off x="0" y="0"/>
+          <a:ext cx="0" cy="0"/>
+          <a:chOff x="0" y="0"/>
+          <a:chExt cx="0" cy="0"/>
+        </a:xfrm>
+      </p:grpSpPr>
+      <p:sp>
+        <p:nvSpPr>
           <p:cNvPr id="19" name="Rectangle: Rounded Corners 18">
             <a:extLst>
               <a:ext uri="{FF2B5EF4-FFF2-40B4-BE49-F238E27FC236}">
-                <a16:creationId xmlns="" xmlns:a16="http://schemas.microsoft.com/office/drawing/2014/main" id="{D057E500-D7B7-4344-9077-47A854CC62E8}"/>
+                <a16:creationId xmlns:a16="http://schemas.microsoft.com/office/drawing/2014/main" xmlns="" id="{D057E500-D7B7-4344-9077-47A854CC62E8}"/>
               </a:ext>
             </a:extLst>
           </p:cNvPr>
@@ -4083,7 +4897,7 @@
           <p:cNvPr id="41" name="Picture 40">
             <a:extLst>
               <a:ext uri="{FF2B5EF4-FFF2-40B4-BE49-F238E27FC236}">
-                <a16:creationId xmlns="" xmlns:a16="http://schemas.microsoft.com/office/drawing/2014/main" id="{F134A3A9-1D52-458A-AC10-98DDDB553F17}"/>
+                <a16:creationId xmlns:a16="http://schemas.microsoft.com/office/drawing/2014/main" xmlns="" id="{F134A3A9-1D52-458A-AC10-98DDDB553F17}"/>
               </a:ext>
             </a:extLst>
           </p:cNvPr>
@@ -4113,7 +4927,7 @@
           <p:cNvPr id="5" name="TextBox 4">
             <a:extLst>
               <a:ext uri="{FF2B5EF4-FFF2-40B4-BE49-F238E27FC236}">
-                <a16:creationId xmlns="" xmlns:a16="http://schemas.microsoft.com/office/drawing/2014/main" id="{2C43C587-8D1C-42BE-A55D-CAE661D6DBDF}"/>
+                <a16:creationId xmlns:a16="http://schemas.microsoft.com/office/drawing/2014/main" xmlns="" id="{2C43C587-8D1C-42BE-A55D-CAE661D6DBDF}"/>
               </a:ext>
             </a:extLst>
           </p:cNvPr>
@@ -4164,7 +4978,7 @@
           <p:cNvPr id="6" name="Picture 5">
             <a:extLst>
               <a:ext uri="{FF2B5EF4-FFF2-40B4-BE49-F238E27FC236}">
-                <a16:creationId xmlns="" xmlns:a16="http://schemas.microsoft.com/office/drawing/2014/main" id="{3A5299E4-7B2D-4B51-A56A-3E4989152077}"/>
+                <a16:creationId xmlns:a16="http://schemas.microsoft.com/office/drawing/2014/main" xmlns="" id="{3A5299E4-7B2D-4B51-A56A-3E4989152077}"/>
               </a:ext>
             </a:extLst>
           </p:cNvPr>
@@ -4177,7 +4991,7 @@
           <a:blip r:embed="rId3">
             <a:extLst>
               <a:ext uri="{28A0092B-C50C-407E-A947-70E740481C1C}">
-                <a14:useLocalDpi xmlns="" xmlns:a14="http://schemas.microsoft.com/office/drawing/2010/main" val="0"/>
+                <a14:useLocalDpi xmlns:a14="http://schemas.microsoft.com/office/drawing/2010/main" xmlns="" val="0"/>
               </a:ext>
             </a:extLst>
           </a:blip>
@@ -4198,7 +5012,7 @@
     </p:spTree>
     <p:extLst>
       <p:ext uri="{BB962C8B-B14F-4D97-AF65-F5344CB8AC3E}">
-        <p14:creationId xmlns="" xmlns:p14="http://schemas.microsoft.com/office/powerpoint/2010/main" val="2513924904"/>
+        <p14:creationId xmlns:p14="http://schemas.microsoft.com/office/powerpoint/2010/main" xmlns="" val="2513924904"/>
       </p:ext>
     </p:extLst>
   </p:cSld>
@@ -4373,7 +5187,7 @@
           <p:cNvPr id="16" name="Freeform: Shape 15">
             <a:extLst>
               <a:ext uri="{FF2B5EF4-FFF2-40B4-BE49-F238E27FC236}">
-                <a16:creationId xmlns="" xmlns:a16="http://schemas.microsoft.com/office/drawing/2014/main" id="{9D19EC3C-3365-47EA-A780-248249AA2EF6}"/>
+                <a16:creationId xmlns:a16="http://schemas.microsoft.com/office/drawing/2014/main" xmlns="" id="{9D19EC3C-3365-47EA-A780-248249AA2EF6}"/>
               </a:ext>
             </a:extLst>
           </p:cNvPr>
@@ -4516,7 +5330,7 @@
           <p:cNvPr id="18" name="Oval 17">
             <a:extLst>
               <a:ext uri="{FF2B5EF4-FFF2-40B4-BE49-F238E27FC236}">
-                <a16:creationId xmlns="" xmlns:a16="http://schemas.microsoft.com/office/drawing/2014/main" id="{B80B8A2B-A688-4DEF-87D9-5D6F9B98FAD8}"/>
+                <a16:creationId xmlns:a16="http://schemas.microsoft.com/office/drawing/2014/main" xmlns="" id="{B80B8A2B-A688-4DEF-87D9-5D6F9B98FAD8}"/>
               </a:ext>
             </a:extLst>
           </p:cNvPr>
@@ -4579,7 +5393,7 @@
           <p:cNvPr id="19" name="Rectangle: Rounded Corners 18">
             <a:extLst>
               <a:ext uri="{FF2B5EF4-FFF2-40B4-BE49-F238E27FC236}">
-                <a16:creationId xmlns="" xmlns:a16="http://schemas.microsoft.com/office/drawing/2014/main" id="{D057E500-D7B7-4344-9077-47A854CC62E8}"/>
+                <a16:creationId xmlns:a16="http://schemas.microsoft.com/office/drawing/2014/main" xmlns="" id="{D057E500-D7B7-4344-9077-47A854CC62E8}"/>
               </a:ext>
             </a:extLst>
           </p:cNvPr>
@@ -4635,7 +5449,7 @@
           <p:cNvPr id="20" name="TextBox 19">
             <a:extLst>
               <a:ext uri="{FF2B5EF4-FFF2-40B4-BE49-F238E27FC236}">
-                <a16:creationId xmlns="" xmlns:a16="http://schemas.microsoft.com/office/drawing/2014/main" id="{A7F56942-D290-43F0-BE91-62733AA12F0E}"/>
+                <a16:creationId xmlns:a16="http://schemas.microsoft.com/office/drawing/2014/main" xmlns="" id="{A7F56942-D290-43F0-BE91-62733AA12F0E}"/>
               </a:ext>
             </a:extLst>
           </p:cNvPr>
@@ -4673,7 +5487,7 @@
           <p:cNvPr id="35" name="TextBox 34">
             <a:extLst>
               <a:ext uri="{FF2B5EF4-FFF2-40B4-BE49-F238E27FC236}">
-                <a16:creationId xmlns="" xmlns:a16="http://schemas.microsoft.com/office/drawing/2014/main" id="{18FE899B-B1A9-4D87-8BD7-30498A6A7325}"/>
+                <a16:creationId xmlns:a16="http://schemas.microsoft.com/office/drawing/2014/main" xmlns="" id="{18FE899B-B1A9-4D87-8BD7-30498A6A7325}"/>
               </a:ext>
             </a:extLst>
           </p:cNvPr>
@@ -5607,7 +6421,7 @@
             <a:hlinkClick r:id="rId2" action="ppaction://hlinksldjump"/>
             <a:extLst>
               <a:ext uri="{FF2B5EF4-FFF2-40B4-BE49-F238E27FC236}">
-                <a16:creationId xmlns="" xmlns:a16="http://schemas.microsoft.com/office/drawing/2014/main" id="{8634ADA7-6600-4930-8F50-20FA9FEB5ABB}"/>
+                <a16:creationId xmlns:a16="http://schemas.microsoft.com/office/drawing/2014/main" xmlns="" id="{8634ADA7-6600-4930-8F50-20FA9FEB5ABB}"/>
               </a:ext>
             </a:extLst>
           </p:cNvPr>
@@ -5654,7 +6468,7 @@
             <a:hlinkClick r:id="rId3" action="ppaction://hlinksldjump"/>
             <a:extLst>
               <a:ext uri="{FF2B5EF4-FFF2-40B4-BE49-F238E27FC236}">
-                <a16:creationId xmlns="" xmlns:a16="http://schemas.microsoft.com/office/drawing/2014/main" id="{693D2822-4287-49FC-AF9F-B05CB3B71B23}"/>
+                <a16:creationId xmlns:a16="http://schemas.microsoft.com/office/drawing/2014/main" xmlns="" id="{693D2822-4287-49FC-AF9F-B05CB3B71B23}"/>
               </a:ext>
             </a:extLst>
           </p:cNvPr>
@@ -5696,7 +6510,7 @@
           <p:cNvPr id="33" name="Picture 32">
             <a:extLst>
               <a:ext uri="{FF2B5EF4-FFF2-40B4-BE49-F238E27FC236}">
-                <a16:creationId xmlns="" xmlns:a16="http://schemas.microsoft.com/office/drawing/2014/main" id="{F6BD3C3D-CDBD-4565-B21C-6F6D54239404}"/>
+                <a16:creationId xmlns:a16="http://schemas.microsoft.com/office/drawing/2014/main" xmlns="" id="{F6BD3C3D-CDBD-4565-B21C-6F6D54239404}"/>
               </a:ext>
             </a:extLst>
           </p:cNvPr>
@@ -5709,7 +6523,7 @@
           <a:blip r:embed="rId4">
             <a:extLst>
               <a:ext uri="{28A0092B-C50C-407E-A947-70E740481C1C}">
-                <a14:useLocalDpi xmlns="" xmlns:a14="http://schemas.microsoft.com/office/drawing/2010/main" val="0"/>
+                <a14:useLocalDpi xmlns:a14="http://schemas.microsoft.com/office/drawing/2010/main" xmlns="" val="0"/>
               </a:ext>
             </a:extLst>
           </a:blip>
@@ -5733,7 +6547,7 @@
             <a:hlinkClick r:id="rId5" action="ppaction://hlinksldjump"/>
             <a:extLst>
               <a:ext uri="{FF2B5EF4-FFF2-40B4-BE49-F238E27FC236}">
-                <a16:creationId xmlns="" xmlns:a16="http://schemas.microsoft.com/office/drawing/2014/main" id="{5E95E8E1-387E-40EC-B637-CDAEE41DEEB7}"/>
+                <a16:creationId xmlns:a16="http://schemas.microsoft.com/office/drawing/2014/main" xmlns="" id="{5E95E8E1-387E-40EC-B637-CDAEE41DEEB7}"/>
               </a:ext>
             </a:extLst>
           </p:cNvPr>
@@ -5822,7 +6636,7 @@
             <a:hlinkClick r:id="rId6" action="ppaction://hlinksldjump"/>
             <a:extLst>
               <a:ext uri="{FF2B5EF4-FFF2-40B4-BE49-F238E27FC236}">
-                <a16:creationId xmlns="" xmlns:a16="http://schemas.microsoft.com/office/drawing/2014/main" id="{5F4A8859-C0BA-4EEA-8602-665DF9C9F76B}"/>
+                <a16:creationId xmlns:a16="http://schemas.microsoft.com/office/drawing/2014/main" xmlns="" id="{5F4A8859-C0BA-4EEA-8602-665DF9C9F76B}"/>
               </a:ext>
             </a:extLst>
           </p:cNvPr>
@@ -5911,7 +6725,7 @@
             <a:hlinkClick r:id="rId7" action="ppaction://hlinksldjump"/>
             <a:extLst>
               <a:ext uri="{FF2B5EF4-FFF2-40B4-BE49-F238E27FC236}">
-                <a16:creationId xmlns="" xmlns:a16="http://schemas.microsoft.com/office/drawing/2014/main" id="{7BEF4C1D-4AB6-4CCB-AD50-03DCEEEFDA38}"/>
+                <a16:creationId xmlns:a16="http://schemas.microsoft.com/office/drawing/2014/main" xmlns="" id="{7BEF4C1D-4AB6-4CCB-AD50-03DCEEEFDA38}"/>
               </a:ext>
             </a:extLst>
           </p:cNvPr>
@@ -6000,7 +6814,7 @@
             <a:hlinkClick r:id="rId8" action="ppaction://hlinksldjump"/>
             <a:extLst>
               <a:ext uri="{FF2B5EF4-FFF2-40B4-BE49-F238E27FC236}">
-                <a16:creationId xmlns="" xmlns:a16="http://schemas.microsoft.com/office/drawing/2014/main" id="{DAA73862-20BB-48C4-B7E5-F937CA4F94B3}"/>
+                <a16:creationId xmlns:a16="http://schemas.microsoft.com/office/drawing/2014/main" xmlns="" id="{DAA73862-20BB-48C4-B7E5-F937CA4F94B3}"/>
               </a:ext>
             </a:extLst>
           </p:cNvPr>
@@ -6083,10 +6897,99 @@
           </a:p>
         </p:txBody>
       </p:sp>
+      <p:sp>
+        <p:nvSpPr>
+          <p:cNvPr id="14" name="Rectangle: Rounded Corners 21">
+            <a:hlinkClick r:id="rId9" action="ppaction://hlinksldjump"/>
+            <a:extLst>
+              <a:ext uri="{FF2B5EF4-FFF2-40B4-BE49-F238E27FC236}">
+                <a16:creationId xmlns:a16="http://schemas.microsoft.com/office/drawing/2014/main" xmlns="" id="{5E95E8E1-387E-40EC-B637-CDAEE41DEEB7}"/>
+              </a:ext>
+            </a:extLst>
+          </p:cNvPr>
+          <p:cNvSpPr/>
+          <p:nvPr/>
+        </p:nvSpPr>
+        <p:spPr>
+          <a:xfrm>
+            <a:off x="10056440" y="143154"/>
+            <a:ext cx="1815352" cy="430306"/>
+          </a:xfrm>
+          <a:prstGeom prst="roundRect">
+            <a:avLst>
+              <a:gd name="adj" fmla="val 50000"/>
+            </a:avLst>
+          </a:prstGeom>
+          <a:solidFill>
+            <a:srgbClr val="B0A999"/>
+          </a:solidFill>
+          <a:ln w="28575">
+            <a:solidFill>
+              <a:schemeClr val="bg1"/>
+            </a:solidFill>
+          </a:ln>
+        </p:spPr>
+        <p:style>
+          <a:lnRef idx="2">
+            <a:schemeClr val="accent1">
+              <a:shade val="50000"/>
+            </a:schemeClr>
+          </a:lnRef>
+          <a:fillRef idx="1">
+            <a:schemeClr val="accent1"/>
+          </a:fillRef>
+          <a:effectRef idx="0">
+            <a:schemeClr val="accent1"/>
+          </a:effectRef>
+          <a:fontRef idx="minor">
+            <a:schemeClr val="lt1"/>
+          </a:fontRef>
+        </p:style>
+        <p:txBody>
+          <a:bodyPr rtlCol="0" anchor="ctr"/>
+          <a:lstStyle/>
+          <a:p>
+            <a:pPr algn="ctr"/>
+            <a:r>
+              <a:rPr lang="en-US" sz="1400" b="1" dirty="0" err="1" smtClean="0">
+                <a:solidFill>
+                  <a:schemeClr val="tx1"/>
+                </a:solidFill>
+                <a:latin typeface="Baar Sophia" panose="00000400000000000000" pitchFamily="2" charset="0"/>
+              </a:rPr>
+              <a:t>Penelitian</a:t>
+            </a:r>
+            <a:r>
+              <a:rPr lang="en-US" sz="1400" b="1" dirty="0">
+                <a:solidFill>
+                  <a:schemeClr val="tx1"/>
+                </a:solidFill>
+                <a:latin typeface="Baar Sophia" panose="00000400000000000000" pitchFamily="2" charset="0"/>
+              </a:rPr>
+              <a:t> </a:t>
+            </a:r>
+            <a:r>
+              <a:rPr lang="en-US" sz="1400" b="1" dirty="0" err="1" smtClean="0">
+                <a:solidFill>
+                  <a:schemeClr val="tx1"/>
+                </a:solidFill>
+                <a:latin typeface="Baar Sophia" panose="00000400000000000000" pitchFamily="2" charset="0"/>
+              </a:rPr>
+              <a:t>Terkait</a:t>
+            </a:r>
+            <a:endParaRPr lang="en-US" sz="1400" b="1" dirty="0" smtClean="0">
+              <a:solidFill>
+                <a:schemeClr val="tx1"/>
+              </a:solidFill>
+              <a:latin typeface="Baar Sophia" panose="00000400000000000000" pitchFamily="2" charset="0"/>
+            </a:endParaRPr>
+          </a:p>
+        </p:txBody>
+      </p:sp>
     </p:spTree>
     <p:extLst>
       <p:ext uri="{BB962C8B-B14F-4D97-AF65-F5344CB8AC3E}">
-        <p14:creationId xmlns="" xmlns:p14="http://schemas.microsoft.com/office/powerpoint/2010/main" val="3075536241"/>
+        <p14:creationId xmlns:p14="http://schemas.microsoft.com/office/powerpoint/2010/main" xmlns="" val="3075536241"/>
       </p:ext>
     </p:extLst>
   </p:cSld>
@@ -6215,7 +7118,7 @@
           <p:cNvPr id="16" name="Freeform: Shape 15">
             <a:extLst>
               <a:ext uri="{FF2B5EF4-FFF2-40B4-BE49-F238E27FC236}">
-                <a16:creationId xmlns="" xmlns:a16="http://schemas.microsoft.com/office/drawing/2014/main" id="{9D19EC3C-3365-47EA-A780-248249AA2EF6}"/>
+                <a16:creationId xmlns:a16="http://schemas.microsoft.com/office/drawing/2014/main" xmlns="" id="{9D19EC3C-3365-47EA-A780-248249AA2EF6}"/>
               </a:ext>
             </a:extLst>
           </p:cNvPr>
@@ -6358,7 +7261,7 @@
           <p:cNvPr id="18" name="Oval 17">
             <a:extLst>
               <a:ext uri="{FF2B5EF4-FFF2-40B4-BE49-F238E27FC236}">
-                <a16:creationId xmlns="" xmlns:a16="http://schemas.microsoft.com/office/drawing/2014/main" id="{B80B8A2B-A688-4DEF-87D9-5D6F9B98FAD8}"/>
+                <a16:creationId xmlns:a16="http://schemas.microsoft.com/office/drawing/2014/main" xmlns="" id="{B80B8A2B-A688-4DEF-87D9-5D6F9B98FAD8}"/>
               </a:ext>
             </a:extLst>
           </p:cNvPr>
@@ -6421,7 +7324,7 @@
           <p:cNvPr id="19" name="Rectangle: Rounded Corners 18">
             <a:extLst>
               <a:ext uri="{FF2B5EF4-FFF2-40B4-BE49-F238E27FC236}">
-                <a16:creationId xmlns="" xmlns:a16="http://schemas.microsoft.com/office/drawing/2014/main" id="{D057E500-D7B7-4344-9077-47A854CC62E8}"/>
+                <a16:creationId xmlns:a16="http://schemas.microsoft.com/office/drawing/2014/main" xmlns="" id="{D057E500-D7B7-4344-9077-47A854CC62E8}"/>
               </a:ext>
             </a:extLst>
           </p:cNvPr>
@@ -6477,7 +7380,7 @@
           <p:cNvPr id="20" name="TextBox 19">
             <a:extLst>
               <a:ext uri="{FF2B5EF4-FFF2-40B4-BE49-F238E27FC236}">
-                <a16:creationId xmlns="" xmlns:a16="http://schemas.microsoft.com/office/drawing/2014/main" id="{A7F56942-D290-43F0-BE91-62733AA12F0E}"/>
+                <a16:creationId xmlns:a16="http://schemas.microsoft.com/office/drawing/2014/main" xmlns="" id="{A7F56942-D290-43F0-BE91-62733AA12F0E}"/>
               </a:ext>
             </a:extLst>
           </p:cNvPr>
@@ -6515,7 +7418,7 @@
           <p:cNvPr id="5" name="Connector: Elbow 4">
             <a:extLst>
               <a:ext uri="{FF2B5EF4-FFF2-40B4-BE49-F238E27FC236}">
-                <a16:creationId xmlns="" xmlns:a16="http://schemas.microsoft.com/office/drawing/2014/main" id="{3C9992B8-4E57-4F48-BA69-BB752C333F52}"/>
+                <a16:creationId xmlns:a16="http://schemas.microsoft.com/office/drawing/2014/main" xmlns="" id="{3C9992B8-4E57-4F48-BA69-BB752C333F52}"/>
               </a:ext>
             </a:extLst>
           </p:cNvPr>
@@ -6563,7 +7466,7 @@
           <p:cNvPr id="63" name="Picture 2">
             <a:extLst>
               <a:ext uri="{FF2B5EF4-FFF2-40B4-BE49-F238E27FC236}">
-                <a16:creationId xmlns="" xmlns:a16="http://schemas.microsoft.com/office/drawing/2014/main" id="{3E72B4CF-327C-4D4C-AF54-2C2134E90A8A}"/>
+                <a16:creationId xmlns:a16="http://schemas.microsoft.com/office/drawing/2014/main" xmlns="" id="{3E72B4CF-327C-4D4C-AF54-2C2134E90A8A}"/>
               </a:ext>
             </a:extLst>
           </p:cNvPr>
@@ -6576,10 +7479,10 @@
           <a:blip r:embed="rId2">
             <a:extLst>
               <a:ext uri="{28A0092B-C50C-407E-A947-70E740481C1C}">
-                <a14:useLocalDpi xmlns="" xmlns:a14="http://schemas.microsoft.com/office/drawing/2010/main" val="0"/>
+                <a14:useLocalDpi xmlns:a14="http://schemas.microsoft.com/office/drawing/2010/main" xmlns="" val="0"/>
               </a:ext>
               <a:ext uri="{96DAC541-7B7A-43D3-8B79-37D633B846F1}">
-                <asvg:svgBlip xmlns="" xmlns:asvg="http://schemas.microsoft.com/office/drawing/2016/SVG/main" r:embed="rId7"/>
+                <asvg:svgBlip xmlns:asvg="http://schemas.microsoft.com/office/drawing/2016/SVG/main" xmlns="" r:embed="rId7"/>
               </a:ext>
             </a:extLst>
           </a:blip>
@@ -6604,7 +7507,7 @@
             <a:hlinkClick r:id="rId8" action="ppaction://hlinksldjump"/>
             <a:extLst>
               <a:ext uri="{FF2B5EF4-FFF2-40B4-BE49-F238E27FC236}">
-                <a16:creationId xmlns="" xmlns:a16="http://schemas.microsoft.com/office/drawing/2014/main" id="{31CB3F07-E764-4CE0-B0B1-E071F0D5D142}"/>
+                <a16:creationId xmlns:a16="http://schemas.microsoft.com/office/drawing/2014/main" xmlns="" id="{31CB3F07-E764-4CE0-B0B1-E071F0D5D142}"/>
               </a:ext>
             </a:extLst>
           </p:cNvPr>
@@ -6651,7 +7554,7 @@
             <a:hlinkClick r:id="rId9" action="ppaction://hlinksldjump"/>
             <a:extLst>
               <a:ext uri="{FF2B5EF4-FFF2-40B4-BE49-F238E27FC236}">
-                <a16:creationId xmlns="" xmlns:a16="http://schemas.microsoft.com/office/drawing/2014/main" id="{2812CABD-CA6D-4FBD-8873-8D12A13AAE07}"/>
+                <a16:creationId xmlns:a16="http://schemas.microsoft.com/office/drawing/2014/main" xmlns="" id="{2812CABD-CA6D-4FBD-8873-8D12A13AAE07}"/>
               </a:ext>
             </a:extLst>
           </p:cNvPr>
@@ -6693,7 +7596,7 @@
           <p:cNvPr id="32" name="Picture 31">
             <a:extLst>
               <a:ext uri="{FF2B5EF4-FFF2-40B4-BE49-F238E27FC236}">
-                <a16:creationId xmlns="" xmlns:a16="http://schemas.microsoft.com/office/drawing/2014/main" id="{896039A7-0C67-4C24-B0B8-90921EACE6EE}"/>
+                <a16:creationId xmlns:a16="http://schemas.microsoft.com/office/drawing/2014/main" xmlns="" id="{896039A7-0C67-4C24-B0B8-90921EACE6EE}"/>
               </a:ext>
             </a:extLst>
           </p:cNvPr>
@@ -6706,7 +7609,7 @@
           <a:blip r:embed="rId10">
             <a:extLst>
               <a:ext uri="{28A0092B-C50C-407E-A947-70E740481C1C}">
-                <a14:useLocalDpi xmlns="" xmlns:a14="http://schemas.microsoft.com/office/drawing/2010/main" val="0"/>
+                <a14:useLocalDpi xmlns:a14="http://schemas.microsoft.com/office/drawing/2010/main" xmlns="" val="0"/>
               </a:ext>
             </a:extLst>
           </a:blip>
@@ -6729,7 +7632,7 @@
           <p:cNvPr id="33" name="Rectangle: Rounded Corners 31">
             <a:extLst>
               <a:ext uri="{FF2B5EF4-FFF2-40B4-BE49-F238E27FC236}">
-                <a16:creationId xmlns="" xmlns:a16="http://schemas.microsoft.com/office/drawing/2014/main" id="{FF23FBB6-7CC8-448A-8970-C08505079584}"/>
+                <a16:creationId xmlns:a16="http://schemas.microsoft.com/office/drawing/2014/main" xmlns="" id="{FF23FBB6-7CC8-448A-8970-C08505079584}"/>
               </a:ext>
             </a:extLst>
           </p:cNvPr>
@@ -6783,7 +7686,7 @@
           <p:cNvPr id="34" name="Rectangle: Rounded Corners 32">
             <a:extLst>
               <a:ext uri="{FF2B5EF4-FFF2-40B4-BE49-F238E27FC236}">
-                <a16:creationId xmlns="" xmlns:a16="http://schemas.microsoft.com/office/drawing/2014/main" id="{7E364CE7-945F-4FCF-9892-35E1CCFCCEF3}"/>
+                <a16:creationId xmlns:a16="http://schemas.microsoft.com/office/drawing/2014/main" xmlns="" id="{7E364CE7-945F-4FCF-9892-35E1CCFCCEF3}"/>
               </a:ext>
             </a:extLst>
           </p:cNvPr>
@@ -7273,7 +8176,7 @@
             <a:hlinkClick r:id="rId11" action="ppaction://hlinksldjump"/>
             <a:extLst>
               <a:ext uri="{FF2B5EF4-FFF2-40B4-BE49-F238E27FC236}">
-                <a16:creationId xmlns="" xmlns:a16="http://schemas.microsoft.com/office/drawing/2014/main" id="{5E95E8E1-387E-40EC-B637-CDAEE41DEEB7}"/>
+                <a16:creationId xmlns:a16="http://schemas.microsoft.com/office/drawing/2014/main" xmlns="" id="{5E95E8E1-387E-40EC-B637-CDAEE41DEEB7}"/>
               </a:ext>
             </a:extLst>
           </p:cNvPr>
@@ -7362,7 +8265,7 @@
             <a:hlinkClick r:id="rId12" action="ppaction://hlinksldjump"/>
             <a:extLst>
               <a:ext uri="{FF2B5EF4-FFF2-40B4-BE49-F238E27FC236}">
-                <a16:creationId xmlns="" xmlns:a16="http://schemas.microsoft.com/office/drawing/2014/main" id="{5F4A8859-C0BA-4EEA-8602-665DF9C9F76B}"/>
+                <a16:creationId xmlns:a16="http://schemas.microsoft.com/office/drawing/2014/main" xmlns="" id="{5F4A8859-C0BA-4EEA-8602-665DF9C9F76B}"/>
               </a:ext>
             </a:extLst>
           </p:cNvPr>
@@ -7451,7 +8354,7 @@
             <a:hlinkClick r:id="rId13" action="ppaction://hlinksldjump"/>
             <a:extLst>
               <a:ext uri="{FF2B5EF4-FFF2-40B4-BE49-F238E27FC236}">
-                <a16:creationId xmlns="" xmlns:a16="http://schemas.microsoft.com/office/drawing/2014/main" id="{7BEF4C1D-4AB6-4CCB-AD50-03DCEEEFDA38}"/>
+                <a16:creationId xmlns:a16="http://schemas.microsoft.com/office/drawing/2014/main" xmlns="" id="{7BEF4C1D-4AB6-4CCB-AD50-03DCEEEFDA38}"/>
               </a:ext>
             </a:extLst>
           </p:cNvPr>
@@ -7540,7 +8443,7 @@
             <a:hlinkClick r:id="rId14" action="ppaction://hlinksldjump"/>
             <a:extLst>
               <a:ext uri="{FF2B5EF4-FFF2-40B4-BE49-F238E27FC236}">
-                <a16:creationId xmlns="" xmlns:a16="http://schemas.microsoft.com/office/drawing/2014/main" id="{DAA73862-20BB-48C4-B7E5-F937CA4F94B3}"/>
+                <a16:creationId xmlns:a16="http://schemas.microsoft.com/office/drawing/2014/main" xmlns="" id="{DAA73862-20BB-48C4-B7E5-F937CA4F94B3}"/>
               </a:ext>
             </a:extLst>
           </p:cNvPr>
@@ -7623,10 +8526,99 @@
           </a:p>
         </p:txBody>
       </p:sp>
+      <p:sp>
+        <p:nvSpPr>
+          <p:cNvPr id="17" name="Rectangle: Rounded Corners 21">
+            <a:hlinkClick r:id="rId15" action="ppaction://hlinksldjump"/>
+            <a:extLst>
+              <a:ext uri="{FF2B5EF4-FFF2-40B4-BE49-F238E27FC236}">
+                <a16:creationId xmlns:a16="http://schemas.microsoft.com/office/drawing/2014/main" xmlns="" id="{5E95E8E1-387E-40EC-B637-CDAEE41DEEB7}"/>
+              </a:ext>
+            </a:extLst>
+          </p:cNvPr>
+          <p:cNvSpPr/>
+          <p:nvPr/>
+        </p:nvSpPr>
+        <p:spPr>
+          <a:xfrm>
+            <a:off x="10056440" y="143154"/>
+            <a:ext cx="1815352" cy="430306"/>
+          </a:xfrm>
+          <a:prstGeom prst="roundRect">
+            <a:avLst>
+              <a:gd name="adj" fmla="val 50000"/>
+            </a:avLst>
+          </a:prstGeom>
+          <a:solidFill>
+            <a:srgbClr val="B0A999"/>
+          </a:solidFill>
+          <a:ln w="28575">
+            <a:solidFill>
+              <a:schemeClr val="bg1"/>
+            </a:solidFill>
+          </a:ln>
+        </p:spPr>
+        <p:style>
+          <a:lnRef idx="2">
+            <a:schemeClr val="accent1">
+              <a:shade val="50000"/>
+            </a:schemeClr>
+          </a:lnRef>
+          <a:fillRef idx="1">
+            <a:schemeClr val="accent1"/>
+          </a:fillRef>
+          <a:effectRef idx="0">
+            <a:schemeClr val="accent1"/>
+          </a:effectRef>
+          <a:fontRef idx="minor">
+            <a:schemeClr val="lt1"/>
+          </a:fontRef>
+        </p:style>
+        <p:txBody>
+          <a:bodyPr rtlCol="0" anchor="ctr"/>
+          <a:lstStyle/>
+          <a:p>
+            <a:pPr algn="ctr"/>
+            <a:r>
+              <a:rPr lang="en-US" sz="1400" b="1" dirty="0" err="1" smtClean="0">
+                <a:solidFill>
+                  <a:schemeClr val="tx1"/>
+                </a:solidFill>
+                <a:latin typeface="Baar Sophia" panose="00000400000000000000" pitchFamily="2" charset="0"/>
+              </a:rPr>
+              <a:t>Penelitian</a:t>
+            </a:r>
+            <a:r>
+              <a:rPr lang="en-US" sz="1400" b="1" dirty="0">
+                <a:solidFill>
+                  <a:schemeClr val="tx1"/>
+                </a:solidFill>
+                <a:latin typeface="Baar Sophia" panose="00000400000000000000" pitchFamily="2" charset="0"/>
+              </a:rPr>
+              <a:t> </a:t>
+            </a:r>
+            <a:r>
+              <a:rPr lang="en-US" sz="1400" b="1" dirty="0" err="1" smtClean="0">
+                <a:solidFill>
+                  <a:schemeClr val="tx1"/>
+                </a:solidFill>
+                <a:latin typeface="Baar Sophia" panose="00000400000000000000" pitchFamily="2" charset="0"/>
+              </a:rPr>
+              <a:t>Terkait</a:t>
+            </a:r>
+            <a:endParaRPr lang="en-US" sz="1400" b="1" dirty="0" smtClean="0">
+              <a:solidFill>
+                <a:schemeClr val="tx1"/>
+              </a:solidFill>
+              <a:latin typeface="Baar Sophia" panose="00000400000000000000" pitchFamily="2" charset="0"/>
+            </a:endParaRPr>
+          </a:p>
+        </p:txBody>
+      </p:sp>
     </p:spTree>
     <p:extLst>
       <p:ext uri="{BB962C8B-B14F-4D97-AF65-F5344CB8AC3E}">
-        <p14:creationId xmlns="" xmlns:p14="http://schemas.microsoft.com/office/powerpoint/2010/main" val="4055454826"/>
+        <p14:creationId xmlns:p14="http://schemas.microsoft.com/office/powerpoint/2010/main" xmlns="" val="4055454826"/>
       </p:ext>
     </p:extLst>
   </p:cSld>
@@ -7893,7 +8885,7 @@
           <p:cNvPr id="16" name="Freeform: Shape 15">
             <a:extLst>
               <a:ext uri="{FF2B5EF4-FFF2-40B4-BE49-F238E27FC236}">
-                <a16:creationId xmlns="" xmlns:a16="http://schemas.microsoft.com/office/drawing/2014/main" id="{9D19EC3C-3365-47EA-A780-248249AA2EF6}"/>
+                <a16:creationId xmlns:a16="http://schemas.microsoft.com/office/drawing/2014/main" xmlns="" id="{9D19EC3C-3365-47EA-A780-248249AA2EF6}"/>
               </a:ext>
             </a:extLst>
           </p:cNvPr>
@@ -8036,7 +9028,7 @@
           <p:cNvPr id="18" name="Oval 17">
             <a:extLst>
               <a:ext uri="{FF2B5EF4-FFF2-40B4-BE49-F238E27FC236}">
-                <a16:creationId xmlns="" xmlns:a16="http://schemas.microsoft.com/office/drawing/2014/main" id="{B80B8A2B-A688-4DEF-87D9-5D6F9B98FAD8}"/>
+                <a16:creationId xmlns:a16="http://schemas.microsoft.com/office/drawing/2014/main" xmlns="" id="{B80B8A2B-A688-4DEF-87D9-5D6F9B98FAD8}"/>
               </a:ext>
             </a:extLst>
           </p:cNvPr>
@@ -8099,7 +9091,7 @@
           <p:cNvPr id="19" name="Rectangle: Rounded Corners 18">
             <a:extLst>
               <a:ext uri="{FF2B5EF4-FFF2-40B4-BE49-F238E27FC236}">
-                <a16:creationId xmlns="" xmlns:a16="http://schemas.microsoft.com/office/drawing/2014/main" id="{D057E500-D7B7-4344-9077-47A854CC62E8}"/>
+                <a16:creationId xmlns:a16="http://schemas.microsoft.com/office/drawing/2014/main" xmlns="" id="{D057E500-D7B7-4344-9077-47A854CC62E8}"/>
               </a:ext>
             </a:extLst>
           </p:cNvPr>
@@ -8155,7 +9147,7 @@
           <p:cNvPr id="20" name="TextBox 19">
             <a:extLst>
               <a:ext uri="{FF2B5EF4-FFF2-40B4-BE49-F238E27FC236}">
-                <a16:creationId xmlns="" xmlns:a16="http://schemas.microsoft.com/office/drawing/2014/main" id="{A7F56942-D290-43F0-BE91-62733AA12F0E}"/>
+                <a16:creationId xmlns:a16="http://schemas.microsoft.com/office/drawing/2014/main" xmlns="" id="{A7F56942-D290-43F0-BE91-62733AA12F0E}"/>
               </a:ext>
             </a:extLst>
           </p:cNvPr>
@@ -8197,7 +9189,7 @@
             <a:hlinkClick r:id="rId2" action="ppaction://hlinksldjump"/>
             <a:extLst>
               <a:ext uri="{FF2B5EF4-FFF2-40B4-BE49-F238E27FC236}">
-                <a16:creationId xmlns="" xmlns:a16="http://schemas.microsoft.com/office/drawing/2014/main" id="{5E95E8E1-387E-40EC-B637-CDAEE41DEEB7}"/>
+                <a16:creationId xmlns:a16="http://schemas.microsoft.com/office/drawing/2014/main" xmlns="" id="{5E95E8E1-387E-40EC-B637-CDAEE41DEEB7}"/>
               </a:ext>
             </a:extLst>
           </p:cNvPr>
@@ -8286,7 +9278,7 @@
             <a:hlinkClick r:id="rId3" action="ppaction://hlinksldjump"/>
             <a:extLst>
               <a:ext uri="{FF2B5EF4-FFF2-40B4-BE49-F238E27FC236}">
-                <a16:creationId xmlns="" xmlns:a16="http://schemas.microsoft.com/office/drawing/2014/main" id="{5F4A8859-C0BA-4EEA-8602-665DF9C9F76B}"/>
+                <a16:creationId xmlns:a16="http://schemas.microsoft.com/office/drawing/2014/main" xmlns="" id="{5F4A8859-C0BA-4EEA-8602-665DF9C9F76B}"/>
               </a:ext>
             </a:extLst>
           </p:cNvPr>
@@ -8375,7 +9367,7 @@
             <a:hlinkClick r:id="rId4" action="ppaction://hlinksldjump"/>
             <a:extLst>
               <a:ext uri="{FF2B5EF4-FFF2-40B4-BE49-F238E27FC236}">
-                <a16:creationId xmlns="" xmlns:a16="http://schemas.microsoft.com/office/drawing/2014/main" id="{7BEF4C1D-4AB6-4CCB-AD50-03DCEEEFDA38}"/>
+                <a16:creationId xmlns:a16="http://schemas.microsoft.com/office/drawing/2014/main" xmlns="" id="{7BEF4C1D-4AB6-4CCB-AD50-03DCEEEFDA38}"/>
               </a:ext>
             </a:extLst>
           </p:cNvPr>
@@ -8464,7 +9456,7 @@
             <a:hlinkClick r:id="rId5" action="ppaction://hlinksldjump"/>
             <a:extLst>
               <a:ext uri="{FF2B5EF4-FFF2-40B4-BE49-F238E27FC236}">
-                <a16:creationId xmlns="" xmlns:a16="http://schemas.microsoft.com/office/drawing/2014/main" id="{DAA73862-20BB-48C4-B7E5-F937CA4F94B3}"/>
+                <a16:creationId xmlns:a16="http://schemas.microsoft.com/office/drawing/2014/main" xmlns="" id="{DAA73862-20BB-48C4-B7E5-F937CA4F94B3}"/>
               </a:ext>
             </a:extLst>
           </p:cNvPr>
@@ -8552,7 +9544,7 @@
           <p:cNvPr id="27" name="Oval 26">
             <a:extLst>
               <a:ext uri="{FF2B5EF4-FFF2-40B4-BE49-F238E27FC236}">
-                <a16:creationId xmlns="" xmlns:a16="http://schemas.microsoft.com/office/drawing/2014/main" id="{BD70A8F8-7FAF-44E9-B7F7-DB0BDC86AEE1}"/>
+                <a16:creationId xmlns:a16="http://schemas.microsoft.com/office/drawing/2014/main" xmlns="" id="{BD70A8F8-7FAF-44E9-B7F7-DB0BDC86AEE1}"/>
               </a:ext>
             </a:extLst>
           </p:cNvPr>
@@ -8621,7 +9613,7 @@
           <p:cNvPr id="28" name="Oval 27">
             <a:extLst>
               <a:ext uri="{FF2B5EF4-FFF2-40B4-BE49-F238E27FC236}">
-                <a16:creationId xmlns="" xmlns:a16="http://schemas.microsoft.com/office/drawing/2014/main" id="{FB97AE6A-F49A-4794-B8E9-75BC822510E1}"/>
+                <a16:creationId xmlns:a16="http://schemas.microsoft.com/office/drawing/2014/main" xmlns="" id="{FB97AE6A-F49A-4794-B8E9-75BC822510E1}"/>
               </a:ext>
             </a:extLst>
           </p:cNvPr>
@@ -8687,7 +9679,7 @@
           <p:cNvPr id="29" name="Oval 28">
             <a:extLst>
               <a:ext uri="{FF2B5EF4-FFF2-40B4-BE49-F238E27FC236}">
-                <a16:creationId xmlns="" xmlns:a16="http://schemas.microsoft.com/office/drawing/2014/main" id="{5760F1FB-9519-4904-9B9A-1562E906EC9C}"/>
+                <a16:creationId xmlns:a16="http://schemas.microsoft.com/office/drawing/2014/main" xmlns="" id="{5760F1FB-9519-4904-9B9A-1562E906EC9C}"/>
               </a:ext>
             </a:extLst>
           </p:cNvPr>
@@ -8753,7 +9745,7 @@
           <p:cNvPr id="30" name="Rectangle: Rounded Corners 29">
             <a:extLst>
               <a:ext uri="{FF2B5EF4-FFF2-40B4-BE49-F238E27FC236}">
-                <a16:creationId xmlns="" xmlns:a16="http://schemas.microsoft.com/office/drawing/2014/main" id="{9C658FA6-2872-4B99-89D1-EEC8AB00E630}"/>
+                <a16:creationId xmlns:a16="http://schemas.microsoft.com/office/drawing/2014/main" xmlns="" id="{9C658FA6-2872-4B99-89D1-EEC8AB00E630}"/>
               </a:ext>
             </a:extLst>
           </p:cNvPr>
@@ -8813,7 +9805,7 @@
           <p:cNvPr id="31" name="Rectangle: Rounded Corners 30">
             <a:extLst>
               <a:ext uri="{FF2B5EF4-FFF2-40B4-BE49-F238E27FC236}">
-                <a16:creationId xmlns="" xmlns:a16="http://schemas.microsoft.com/office/drawing/2014/main" id="{C3DA85E0-12BF-48B4-B055-57B0302A47DA}"/>
+                <a16:creationId xmlns:a16="http://schemas.microsoft.com/office/drawing/2014/main" xmlns="" id="{C3DA85E0-12BF-48B4-B055-57B0302A47DA}"/>
               </a:ext>
             </a:extLst>
           </p:cNvPr>
@@ -8938,7 +9930,7 @@
           <p:cNvPr id="32" name="Rectangle: Rounded Corners 31">
             <a:extLst>
               <a:ext uri="{FF2B5EF4-FFF2-40B4-BE49-F238E27FC236}">
-                <a16:creationId xmlns="" xmlns:a16="http://schemas.microsoft.com/office/drawing/2014/main" id="{FF23FBB6-7CC8-448A-8970-C08505079584}"/>
+                <a16:creationId xmlns:a16="http://schemas.microsoft.com/office/drawing/2014/main" xmlns="" id="{FF23FBB6-7CC8-448A-8970-C08505079584}"/>
               </a:ext>
             </a:extLst>
           </p:cNvPr>
@@ -8992,7 +9984,7 @@
           <p:cNvPr id="33" name="Rectangle: Rounded Corners 32">
             <a:extLst>
               <a:ext uri="{FF2B5EF4-FFF2-40B4-BE49-F238E27FC236}">
-                <a16:creationId xmlns="" xmlns:a16="http://schemas.microsoft.com/office/drawing/2014/main" id="{7E364CE7-945F-4FCF-9892-35E1CCFCCEF3}"/>
+                <a16:creationId xmlns:a16="http://schemas.microsoft.com/office/drawing/2014/main" xmlns="" id="{7E364CE7-945F-4FCF-9892-35E1CCFCCEF3}"/>
               </a:ext>
             </a:extLst>
           </p:cNvPr>
@@ -9189,7 +10181,7 @@
           <p:cNvPr id="34" name="Rectangle: Rounded Corners 33">
             <a:extLst>
               <a:ext uri="{FF2B5EF4-FFF2-40B4-BE49-F238E27FC236}">
-                <a16:creationId xmlns="" xmlns:a16="http://schemas.microsoft.com/office/drawing/2014/main" id="{37AF6BC3-0966-4827-88DE-CDAA68EA044D}"/>
+                <a16:creationId xmlns:a16="http://schemas.microsoft.com/office/drawing/2014/main" xmlns="" id="{37AF6BC3-0966-4827-88DE-CDAA68EA044D}"/>
               </a:ext>
             </a:extLst>
           </p:cNvPr>
@@ -9243,7 +10235,7 @@
           <p:cNvPr id="35" name="Rectangle: Rounded Corners 34">
             <a:extLst>
               <a:ext uri="{FF2B5EF4-FFF2-40B4-BE49-F238E27FC236}">
-                <a16:creationId xmlns="" xmlns:a16="http://schemas.microsoft.com/office/drawing/2014/main" id="{AB71134A-335B-4963-8DD8-36440F0D3A6F}"/>
+                <a16:creationId xmlns:a16="http://schemas.microsoft.com/office/drawing/2014/main" xmlns="" id="{AB71134A-335B-4963-8DD8-36440F0D3A6F}"/>
               </a:ext>
             </a:extLst>
           </p:cNvPr>
@@ -9375,7 +10367,7 @@
             <a:hlinkClick r:id="rId6" action="ppaction://hlinksldjump"/>
             <a:extLst>
               <a:ext uri="{FF2B5EF4-FFF2-40B4-BE49-F238E27FC236}">
-                <a16:creationId xmlns="" xmlns:a16="http://schemas.microsoft.com/office/drawing/2014/main" id="{9E2AFA1C-7934-4E6E-AED2-1E54B0307E60}"/>
+                <a16:creationId xmlns:a16="http://schemas.microsoft.com/office/drawing/2014/main" xmlns="" id="{9E2AFA1C-7934-4E6E-AED2-1E54B0307E60}"/>
               </a:ext>
             </a:extLst>
           </p:cNvPr>
@@ -9422,7 +10414,7 @@
             <a:hlinkClick r:id="rId7" action="ppaction://hlinksldjump"/>
             <a:extLst>
               <a:ext uri="{FF2B5EF4-FFF2-40B4-BE49-F238E27FC236}">
-                <a16:creationId xmlns="" xmlns:a16="http://schemas.microsoft.com/office/drawing/2014/main" id="{1D074748-B8D6-48D2-972D-0646382B0581}"/>
+                <a16:creationId xmlns:a16="http://schemas.microsoft.com/office/drawing/2014/main" xmlns="" id="{1D074748-B8D6-48D2-972D-0646382B0581}"/>
               </a:ext>
             </a:extLst>
           </p:cNvPr>
@@ -9464,7 +10456,7 @@
           <p:cNvPr id="40" name="Picture 39">
             <a:extLst>
               <a:ext uri="{FF2B5EF4-FFF2-40B4-BE49-F238E27FC236}">
-                <a16:creationId xmlns="" xmlns:a16="http://schemas.microsoft.com/office/drawing/2014/main" id="{5BD1550C-5C59-49C6-802E-4029468FB14D}"/>
+                <a16:creationId xmlns:a16="http://schemas.microsoft.com/office/drawing/2014/main" xmlns="" id="{5BD1550C-5C59-49C6-802E-4029468FB14D}"/>
               </a:ext>
             </a:extLst>
           </p:cNvPr>
@@ -9477,7 +10469,7 @@
           <a:blip r:embed="rId8">
             <a:extLst>
               <a:ext uri="{28A0092B-C50C-407E-A947-70E740481C1C}">
-                <a14:useLocalDpi xmlns="" xmlns:a14="http://schemas.microsoft.com/office/drawing/2010/main" val="0"/>
+                <a14:useLocalDpi xmlns:a14="http://schemas.microsoft.com/office/drawing/2010/main" xmlns="" val="0"/>
               </a:ext>
             </a:extLst>
           </a:blip>
@@ -9495,10 +10487,99 @@
           </a:prstGeom>
         </p:spPr>
       </p:pic>
+      <p:sp>
+        <p:nvSpPr>
+          <p:cNvPr id="26" name="Rectangle: Rounded Corners 21">
+            <a:hlinkClick r:id="rId9" action="ppaction://hlinksldjump"/>
+            <a:extLst>
+              <a:ext uri="{FF2B5EF4-FFF2-40B4-BE49-F238E27FC236}">
+                <a16:creationId xmlns:a16="http://schemas.microsoft.com/office/drawing/2014/main" xmlns="" id="{5E95E8E1-387E-40EC-B637-CDAEE41DEEB7}"/>
+              </a:ext>
+            </a:extLst>
+          </p:cNvPr>
+          <p:cNvSpPr/>
+          <p:nvPr/>
+        </p:nvSpPr>
+        <p:spPr>
+          <a:xfrm>
+            <a:off x="10056440" y="143154"/>
+            <a:ext cx="1815352" cy="430306"/>
+          </a:xfrm>
+          <a:prstGeom prst="roundRect">
+            <a:avLst>
+              <a:gd name="adj" fmla="val 50000"/>
+            </a:avLst>
+          </a:prstGeom>
+          <a:solidFill>
+            <a:srgbClr val="B0A999"/>
+          </a:solidFill>
+          <a:ln w="28575">
+            <a:solidFill>
+              <a:schemeClr val="bg1"/>
+            </a:solidFill>
+          </a:ln>
+        </p:spPr>
+        <p:style>
+          <a:lnRef idx="2">
+            <a:schemeClr val="accent1">
+              <a:shade val="50000"/>
+            </a:schemeClr>
+          </a:lnRef>
+          <a:fillRef idx="1">
+            <a:schemeClr val="accent1"/>
+          </a:fillRef>
+          <a:effectRef idx="0">
+            <a:schemeClr val="accent1"/>
+          </a:effectRef>
+          <a:fontRef idx="minor">
+            <a:schemeClr val="lt1"/>
+          </a:fontRef>
+        </p:style>
+        <p:txBody>
+          <a:bodyPr rtlCol="0" anchor="ctr"/>
+          <a:lstStyle/>
+          <a:p>
+            <a:pPr algn="ctr"/>
+            <a:r>
+              <a:rPr lang="en-US" sz="1400" b="1" dirty="0" err="1" smtClean="0">
+                <a:solidFill>
+                  <a:schemeClr val="tx1"/>
+                </a:solidFill>
+                <a:latin typeface="Baar Sophia" panose="00000400000000000000" pitchFamily="2" charset="0"/>
+              </a:rPr>
+              <a:t>Penelitian</a:t>
+            </a:r>
+            <a:r>
+              <a:rPr lang="en-US" sz="1400" b="1" dirty="0">
+                <a:solidFill>
+                  <a:schemeClr val="tx1"/>
+                </a:solidFill>
+                <a:latin typeface="Baar Sophia" panose="00000400000000000000" pitchFamily="2" charset="0"/>
+              </a:rPr>
+              <a:t> </a:t>
+            </a:r>
+            <a:r>
+              <a:rPr lang="en-US" sz="1400" b="1" dirty="0" err="1" smtClean="0">
+                <a:solidFill>
+                  <a:schemeClr val="tx1"/>
+                </a:solidFill>
+                <a:latin typeface="Baar Sophia" panose="00000400000000000000" pitchFamily="2" charset="0"/>
+              </a:rPr>
+              <a:t>Terkait</a:t>
+            </a:r>
+            <a:endParaRPr lang="en-US" sz="1400" b="1" dirty="0" smtClean="0">
+              <a:solidFill>
+                <a:schemeClr val="tx1"/>
+              </a:solidFill>
+              <a:latin typeface="Baar Sophia" panose="00000400000000000000" pitchFamily="2" charset="0"/>
+            </a:endParaRPr>
+          </a:p>
+        </p:txBody>
+      </p:sp>
     </p:spTree>
     <p:extLst>
       <p:ext uri="{BB962C8B-B14F-4D97-AF65-F5344CB8AC3E}">
-        <p14:creationId xmlns="" xmlns:p14="http://schemas.microsoft.com/office/powerpoint/2010/main" val="126346854"/>
+        <p14:creationId xmlns:p14="http://schemas.microsoft.com/office/powerpoint/2010/main" xmlns="" val="126346854"/>
       </p:ext>
     </p:extLst>
   </p:cSld>
@@ -9987,7 +11068,7 @@
           <p:cNvPr id="16" name="Freeform: Shape 15">
             <a:extLst>
               <a:ext uri="{FF2B5EF4-FFF2-40B4-BE49-F238E27FC236}">
-                <a16:creationId xmlns="" xmlns:a16="http://schemas.microsoft.com/office/drawing/2014/main" id="{9D19EC3C-3365-47EA-A780-248249AA2EF6}"/>
+                <a16:creationId xmlns:a16="http://schemas.microsoft.com/office/drawing/2014/main" xmlns="" id="{9D19EC3C-3365-47EA-A780-248249AA2EF6}"/>
               </a:ext>
             </a:extLst>
           </p:cNvPr>
@@ -10130,7 +11211,7 @@
           <p:cNvPr id="18" name="Oval 17">
             <a:extLst>
               <a:ext uri="{FF2B5EF4-FFF2-40B4-BE49-F238E27FC236}">
-                <a16:creationId xmlns="" xmlns:a16="http://schemas.microsoft.com/office/drawing/2014/main" id="{B80B8A2B-A688-4DEF-87D9-5D6F9B98FAD8}"/>
+                <a16:creationId xmlns:a16="http://schemas.microsoft.com/office/drawing/2014/main" xmlns="" id="{B80B8A2B-A688-4DEF-87D9-5D6F9B98FAD8}"/>
               </a:ext>
             </a:extLst>
           </p:cNvPr>
@@ -10193,7 +11274,7 @@
           <p:cNvPr id="19" name="Rectangle: Rounded Corners 18">
             <a:extLst>
               <a:ext uri="{FF2B5EF4-FFF2-40B4-BE49-F238E27FC236}">
-                <a16:creationId xmlns="" xmlns:a16="http://schemas.microsoft.com/office/drawing/2014/main" id="{D057E500-D7B7-4344-9077-47A854CC62E8}"/>
+                <a16:creationId xmlns:a16="http://schemas.microsoft.com/office/drawing/2014/main" xmlns="" id="{D057E500-D7B7-4344-9077-47A854CC62E8}"/>
               </a:ext>
             </a:extLst>
           </p:cNvPr>
@@ -10249,7 +11330,7 @@
           <p:cNvPr id="20" name="TextBox 19">
             <a:extLst>
               <a:ext uri="{FF2B5EF4-FFF2-40B4-BE49-F238E27FC236}">
-                <a16:creationId xmlns="" xmlns:a16="http://schemas.microsoft.com/office/drawing/2014/main" id="{A7F56942-D290-43F0-BE91-62733AA12F0E}"/>
+                <a16:creationId xmlns:a16="http://schemas.microsoft.com/office/drawing/2014/main" xmlns="" id="{A7F56942-D290-43F0-BE91-62733AA12F0E}"/>
               </a:ext>
             </a:extLst>
           </p:cNvPr>
@@ -10288,7 +11369,7 @@
             <a:hlinkClick r:id="rId2" action="ppaction://hlinksldjump"/>
             <a:extLst>
               <a:ext uri="{FF2B5EF4-FFF2-40B4-BE49-F238E27FC236}">
-                <a16:creationId xmlns="" xmlns:a16="http://schemas.microsoft.com/office/drawing/2014/main" id="{1941731E-40FB-4B44-A90A-81381FD38B5D}"/>
+                <a16:creationId xmlns:a16="http://schemas.microsoft.com/office/drawing/2014/main" xmlns="" id="{1941731E-40FB-4B44-A90A-81381FD38B5D}"/>
               </a:ext>
             </a:extLst>
           </p:cNvPr>
@@ -10335,7 +11416,7 @@
             <a:hlinkClick r:id="rId3" action="ppaction://hlinksldjump"/>
             <a:extLst>
               <a:ext uri="{FF2B5EF4-FFF2-40B4-BE49-F238E27FC236}">
-                <a16:creationId xmlns="" xmlns:a16="http://schemas.microsoft.com/office/drawing/2014/main" id="{B13F77CE-3A2D-499A-8CCD-5C288A18F55E}"/>
+                <a16:creationId xmlns:a16="http://schemas.microsoft.com/office/drawing/2014/main" xmlns="" id="{B13F77CE-3A2D-499A-8CCD-5C288A18F55E}"/>
               </a:ext>
             </a:extLst>
           </p:cNvPr>
@@ -10377,7 +11458,7 @@
           <p:cNvPr id="89" name="Elbow Connector 10">
             <a:extLst>
               <a:ext uri="{FF2B5EF4-FFF2-40B4-BE49-F238E27FC236}">
-                <a16:creationId xmlns="" xmlns:a16="http://schemas.microsoft.com/office/drawing/2014/main" id="{6A4C7B3D-6196-488D-B287-42E8368A16CF}"/>
+                <a16:creationId xmlns:a16="http://schemas.microsoft.com/office/drawing/2014/main" xmlns="" id="{6A4C7B3D-6196-488D-B287-42E8368A16CF}"/>
               </a:ext>
             </a:extLst>
           </p:cNvPr>
@@ -10427,7 +11508,7 @@
           <p:cNvPr id="94" name="Elbow Connector 10">
             <a:extLst>
               <a:ext uri="{FF2B5EF4-FFF2-40B4-BE49-F238E27FC236}">
-                <a16:creationId xmlns="" xmlns:a16="http://schemas.microsoft.com/office/drawing/2014/main" id="{43A56187-0577-4ED8-A171-C80C97B0B0F6}"/>
+                <a16:creationId xmlns:a16="http://schemas.microsoft.com/office/drawing/2014/main" xmlns="" id="{43A56187-0577-4ED8-A171-C80C97B0B0F6}"/>
               </a:ext>
             </a:extLst>
           </p:cNvPr>
@@ -10477,7 +11558,7 @@
           <p:cNvPr id="98" name="TextBox 97">
             <a:extLst>
               <a:ext uri="{FF2B5EF4-FFF2-40B4-BE49-F238E27FC236}">
-                <a16:creationId xmlns="" xmlns:a16="http://schemas.microsoft.com/office/drawing/2014/main" id="{3B13CF28-86DC-4E3D-9639-6212D4E79A2A}"/>
+                <a16:creationId xmlns:a16="http://schemas.microsoft.com/office/drawing/2014/main" xmlns="" id="{3B13CF28-86DC-4E3D-9639-6212D4E79A2A}"/>
               </a:ext>
             </a:extLst>
           </p:cNvPr>
@@ -10606,7 +11687,7 @@
           <p:cNvPr id="101" name="TextBox 100">
             <a:extLst>
               <a:ext uri="{FF2B5EF4-FFF2-40B4-BE49-F238E27FC236}">
-                <a16:creationId xmlns="" xmlns:a16="http://schemas.microsoft.com/office/drawing/2014/main" id="{4D8D8391-BF24-42B9-BE52-6D27B53EA441}"/>
+                <a16:creationId xmlns:a16="http://schemas.microsoft.com/office/drawing/2014/main" xmlns="" id="{4D8D8391-BF24-42B9-BE52-6D27B53EA441}"/>
               </a:ext>
             </a:extLst>
           </p:cNvPr>
@@ -10775,7 +11856,7 @@
           <p:cNvPr id="104" name="Oval 103">
             <a:extLst>
               <a:ext uri="{FF2B5EF4-FFF2-40B4-BE49-F238E27FC236}">
-                <a16:creationId xmlns="" xmlns:a16="http://schemas.microsoft.com/office/drawing/2014/main" id="{1E600485-844D-49E4-89CF-21D3E718F64A}"/>
+                <a16:creationId xmlns:a16="http://schemas.microsoft.com/office/drawing/2014/main" xmlns="" id="{1E600485-844D-49E4-89CF-21D3E718F64A}"/>
               </a:ext>
             </a:extLst>
           </p:cNvPr>
@@ -10841,7 +11922,7 @@
           <p:cNvPr id="105" name="Oval 104">
             <a:extLst>
               <a:ext uri="{FF2B5EF4-FFF2-40B4-BE49-F238E27FC236}">
-                <a16:creationId xmlns="" xmlns:a16="http://schemas.microsoft.com/office/drawing/2014/main" id="{8C84E08B-A187-45AA-B4C9-5902B1466815}"/>
+                <a16:creationId xmlns:a16="http://schemas.microsoft.com/office/drawing/2014/main" xmlns="" id="{8C84E08B-A187-45AA-B4C9-5902B1466815}"/>
               </a:ext>
             </a:extLst>
           </p:cNvPr>
@@ -10907,7 +11988,7 @@
           <p:cNvPr id="113" name="Picture 112">
             <a:extLst>
               <a:ext uri="{FF2B5EF4-FFF2-40B4-BE49-F238E27FC236}">
-                <a16:creationId xmlns="" xmlns:a16="http://schemas.microsoft.com/office/drawing/2014/main" id="{F8FB7065-B3CC-4470-8A6C-52182215BFD7}"/>
+                <a16:creationId xmlns:a16="http://schemas.microsoft.com/office/drawing/2014/main" xmlns="" id="{F8FB7065-B3CC-4470-8A6C-52182215BFD7}"/>
               </a:ext>
             </a:extLst>
           </p:cNvPr>
@@ -10920,7 +12001,7 @@
           <a:blip r:embed="rId4">
             <a:extLst>
               <a:ext uri="{28A0092B-C50C-407E-A947-70E740481C1C}">
-                <a14:useLocalDpi xmlns="" xmlns:a14="http://schemas.microsoft.com/office/drawing/2010/main" val="0"/>
+                <a14:useLocalDpi xmlns:a14="http://schemas.microsoft.com/office/drawing/2010/main" xmlns="" val="0"/>
               </a:ext>
             </a:extLst>
           </a:blip>
@@ -10943,7 +12024,7 @@
           <p:cNvPr id="27" name="Picture 26">
             <a:extLst>
               <a:ext uri="{FF2B5EF4-FFF2-40B4-BE49-F238E27FC236}">
-                <a16:creationId xmlns="" xmlns:a16="http://schemas.microsoft.com/office/drawing/2014/main" id="{2F7D28CE-E4B9-4B37-B65A-6D79E07E093B}"/>
+                <a16:creationId xmlns:a16="http://schemas.microsoft.com/office/drawing/2014/main" xmlns="" id="{2F7D28CE-E4B9-4B37-B65A-6D79E07E093B}"/>
               </a:ext>
             </a:extLst>
           </p:cNvPr>
@@ -10973,7 +12054,7 @@
           <p:cNvPr id="26" name="Picture 25">
             <a:extLst>
               <a:ext uri="{FF2B5EF4-FFF2-40B4-BE49-F238E27FC236}">
-                <a16:creationId xmlns="" xmlns:a16="http://schemas.microsoft.com/office/drawing/2014/main" id="{200205E2-7230-486C-AB23-F7A941A32C2E}"/>
+                <a16:creationId xmlns:a16="http://schemas.microsoft.com/office/drawing/2014/main" xmlns="" id="{200205E2-7230-486C-AB23-F7A941A32C2E}"/>
               </a:ext>
             </a:extLst>
           </p:cNvPr>
@@ -10986,7 +12067,7 @@
           <a:blip r:embed="rId6">
             <a:extLst>
               <a:ext uri="{28A0092B-C50C-407E-A947-70E740481C1C}">
-                <a14:useLocalDpi xmlns="" xmlns:a14="http://schemas.microsoft.com/office/drawing/2010/main" val="0"/>
+                <a14:useLocalDpi xmlns:a14="http://schemas.microsoft.com/office/drawing/2010/main" xmlns="" val="0"/>
               </a:ext>
             </a:extLst>
           </a:blip>
@@ -11433,7 +12514,7 @@
           <p:cNvPr id="28" name="Oval 27">
             <a:extLst>
               <a:ext uri="{FF2B5EF4-FFF2-40B4-BE49-F238E27FC236}">
-                <a16:creationId xmlns="" xmlns:a16="http://schemas.microsoft.com/office/drawing/2014/main" id="{1E600485-844D-49E4-89CF-21D3E718F64A}"/>
+                <a16:creationId xmlns:a16="http://schemas.microsoft.com/office/drawing/2014/main" xmlns="" id="{1E600485-844D-49E4-89CF-21D3E718F64A}"/>
               </a:ext>
             </a:extLst>
           </p:cNvPr>
@@ -11509,7 +12590,7 @@
           <p:cNvPr id="29" name="Elbow Connector 10">
             <a:extLst>
               <a:ext uri="{FF2B5EF4-FFF2-40B4-BE49-F238E27FC236}">
-                <a16:creationId xmlns="" xmlns:a16="http://schemas.microsoft.com/office/drawing/2014/main" id="{43A56187-0577-4ED8-A171-C80C97B0B0F6}"/>
+                <a16:creationId xmlns:a16="http://schemas.microsoft.com/office/drawing/2014/main" xmlns="" id="{43A56187-0577-4ED8-A171-C80C97B0B0F6}"/>
               </a:ext>
             </a:extLst>
           </p:cNvPr>
@@ -11562,7 +12643,7 @@
             <a:hlinkClick r:id="rId7" action="ppaction://hlinksldjump"/>
             <a:extLst>
               <a:ext uri="{FF2B5EF4-FFF2-40B4-BE49-F238E27FC236}">
-                <a16:creationId xmlns="" xmlns:a16="http://schemas.microsoft.com/office/drawing/2014/main" id="{5E95E8E1-387E-40EC-B637-CDAEE41DEEB7}"/>
+                <a16:creationId xmlns:a16="http://schemas.microsoft.com/office/drawing/2014/main" xmlns="" id="{5E95E8E1-387E-40EC-B637-CDAEE41DEEB7}"/>
               </a:ext>
             </a:extLst>
           </p:cNvPr>
@@ -11651,7 +12732,7 @@
             <a:hlinkClick r:id="rId8" action="ppaction://hlinksldjump"/>
             <a:extLst>
               <a:ext uri="{FF2B5EF4-FFF2-40B4-BE49-F238E27FC236}">
-                <a16:creationId xmlns="" xmlns:a16="http://schemas.microsoft.com/office/drawing/2014/main" id="{5F4A8859-C0BA-4EEA-8602-665DF9C9F76B}"/>
+                <a16:creationId xmlns:a16="http://schemas.microsoft.com/office/drawing/2014/main" xmlns="" id="{5F4A8859-C0BA-4EEA-8602-665DF9C9F76B}"/>
               </a:ext>
             </a:extLst>
           </p:cNvPr>
@@ -11740,7 +12821,7 @@
             <a:hlinkClick r:id="rId9" action="ppaction://hlinksldjump"/>
             <a:extLst>
               <a:ext uri="{FF2B5EF4-FFF2-40B4-BE49-F238E27FC236}">
-                <a16:creationId xmlns="" xmlns:a16="http://schemas.microsoft.com/office/drawing/2014/main" id="{7BEF4C1D-4AB6-4CCB-AD50-03DCEEEFDA38}"/>
+                <a16:creationId xmlns:a16="http://schemas.microsoft.com/office/drawing/2014/main" xmlns="" id="{7BEF4C1D-4AB6-4CCB-AD50-03DCEEEFDA38}"/>
               </a:ext>
             </a:extLst>
           </p:cNvPr>
@@ -11829,7 +12910,7 @@
             <a:hlinkClick r:id="rId10" action="ppaction://hlinksldjump"/>
             <a:extLst>
               <a:ext uri="{FF2B5EF4-FFF2-40B4-BE49-F238E27FC236}">
-                <a16:creationId xmlns="" xmlns:a16="http://schemas.microsoft.com/office/drawing/2014/main" id="{DAA73862-20BB-48C4-B7E5-F937CA4F94B3}"/>
+                <a16:creationId xmlns:a16="http://schemas.microsoft.com/office/drawing/2014/main" xmlns="" id="{DAA73862-20BB-48C4-B7E5-F937CA4F94B3}"/>
               </a:ext>
             </a:extLst>
           </p:cNvPr>
@@ -11912,10 +12993,99 @@
           </a:p>
         </p:txBody>
       </p:sp>
+      <p:sp>
+        <p:nvSpPr>
+          <p:cNvPr id="24" name="Rectangle: Rounded Corners 21">
+            <a:hlinkClick r:id="rId11" action="ppaction://hlinksldjump"/>
+            <a:extLst>
+              <a:ext uri="{FF2B5EF4-FFF2-40B4-BE49-F238E27FC236}">
+                <a16:creationId xmlns:a16="http://schemas.microsoft.com/office/drawing/2014/main" xmlns="" id="{5E95E8E1-387E-40EC-B637-CDAEE41DEEB7}"/>
+              </a:ext>
+            </a:extLst>
+          </p:cNvPr>
+          <p:cNvSpPr/>
+          <p:nvPr/>
+        </p:nvSpPr>
+        <p:spPr>
+          <a:xfrm>
+            <a:off x="10056440" y="143154"/>
+            <a:ext cx="1815352" cy="430306"/>
+          </a:xfrm>
+          <a:prstGeom prst="roundRect">
+            <a:avLst>
+              <a:gd name="adj" fmla="val 50000"/>
+            </a:avLst>
+          </a:prstGeom>
+          <a:solidFill>
+            <a:srgbClr val="B0A999"/>
+          </a:solidFill>
+          <a:ln w="28575">
+            <a:solidFill>
+              <a:schemeClr val="bg1"/>
+            </a:solidFill>
+          </a:ln>
+        </p:spPr>
+        <p:style>
+          <a:lnRef idx="2">
+            <a:schemeClr val="accent1">
+              <a:shade val="50000"/>
+            </a:schemeClr>
+          </a:lnRef>
+          <a:fillRef idx="1">
+            <a:schemeClr val="accent1"/>
+          </a:fillRef>
+          <a:effectRef idx="0">
+            <a:schemeClr val="accent1"/>
+          </a:effectRef>
+          <a:fontRef idx="minor">
+            <a:schemeClr val="lt1"/>
+          </a:fontRef>
+        </p:style>
+        <p:txBody>
+          <a:bodyPr rtlCol="0" anchor="ctr"/>
+          <a:lstStyle/>
+          <a:p>
+            <a:pPr algn="ctr"/>
+            <a:r>
+              <a:rPr lang="en-US" sz="1400" b="1" dirty="0" err="1" smtClean="0">
+                <a:solidFill>
+                  <a:schemeClr val="tx1"/>
+                </a:solidFill>
+                <a:latin typeface="Baar Sophia" panose="00000400000000000000" pitchFamily="2" charset="0"/>
+              </a:rPr>
+              <a:t>Penelitian</a:t>
+            </a:r>
+            <a:r>
+              <a:rPr lang="en-US" sz="1400" b="1" dirty="0">
+                <a:solidFill>
+                  <a:schemeClr val="tx1"/>
+                </a:solidFill>
+                <a:latin typeface="Baar Sophia" panose="00000400000000000000" pitchFamily="2" charset="0"/>
+              </a:rPr>
+              <a:t> </a:t>
+            </a:r>
+            <a:r>
+              <a:rPr lang="en-US" sz="1400" b="1" dirty="0" err="1" smtClean="0">
+                <a:solidFill>
+                  <a:schemeClr val="tx1"/>
+                </a:solidFill>
+                <a:latin typeface="Baar Sophia" panose="00000400000000000000" pitchFamily="2" charset="0"/>
+              </a:rPr>
+              <a:t>Terkait</a:t>
+            </a:r>
+            <a:endParaRPr lang="en-US" sz="1400" b="1" dirty="0" smtClean="0">
+              <a:solidFill>
+                <a:schemeClr val="tx1"/>
+              </a:solidFill>
+              <a:latin typeface="Baar Sophia" panose="00000400000000000000" pitchFamily="2" charset="0"/>
+            </a:endParaRPr>
+          </a:p>
+        </p:txBody>
+      </p:sp>
     </p:spTree>
     <p:extLst>
       <p:ext uri="{BB962C8B-B14F-4D97-AF65-F5344CB8AC3E}">
-        <p14:creationId xmlns="" xmlns:p14="http://schemas.microsoft.com/office/powerpoint/2010/main" val="2771061011"/>
+        <p14:creationId xmlns:p14="http://schemas.microsoft.com/office/powerpoint/2010/main" xmlns="" val="2771061011"/>
       </p:ext>
     </p:extLst>
   </p:cSld>
@@ -12374,10 +13544,2526 @@
       </p:grpSpPr>
       <p:sp>
         <p:nvSpPr>
+          <p:cNvPr id="16" name="Freeform: Shape 15">
+            <a:extLst>
+              <a:ext uri="{FF2B5EF4-FFF2-40B4-BE49-F238E27FC236}">
+                <a16:creationId xmlns:a16="http://schemas.microsoft.com/office/drawing/2014/main" xmlns="" id="{9D19EC3C-3365-47EA-A780-248249AA2EF6}"/>
+              </a:ext>
+            </a:extLst>
+          </p:cNvPr>
+          <p:cNvSpPr/>
+          <p:nvPr/>
+        </p:nvSpPr>
+        <p:spPr>
+          <a:xfrm>
+            <a:off x="1" y="0"/>
+            <a:ext cx="793376" cy="6858000"/>
+          </a:xfrm>
+          <a:custGeom>
+            <a:avLst/>
+            <a:gdLst>
+              <a:gd name="connsiteX0" fmla="*/ 0 w 793376"/>
+              <a:gd name="connsiteY0" fmla="*/ 0 h 6858000"/>
+              <a:gd name="connsiteX1" fmla="*/ 793376 w 793376"/>
+              <a:gd name="connsiteY1" fmla="*/ 0 h 6858000"/>
+              <a:gd name="connsiteX2" fmla="*/ 793376 w 793376"/>
+              <a:gd name="connsiteY2" fmla="*/ 1164182 h 6858000"/>
+              <a:gd name="connsiteX3" fmla="*/ 780587 w 793376"/>
+              <a:gd name="connsiteY3" fmla="*/ 1165462 h 6858000"/>
+              <a:gd name="connsiteX4" fmla="*/ 423581 w 793376"/>
+              <a:gd name="connsiteY4" fmla="*/ 1600200 h 6858000"/>
+              <a:gd name="connsiteX5" fmla="*/ 780587 w 793376"/>
+              <a:gd name="connsiteY5" fmla="*/ 2034939 h 6858000"/>
+              <a:gd name="connsiteX6" fmla="*/ 793376 w 793376"/>
+              <a:gd name="connsiteY6" fmla="*/ 2036218 h 6858000"/>
+              <a:gd name="connsiteX7" fmla="*/ 793376 w 793376"/>
+              <a:gd name="connsiteY7" fmla="*/ 6858000 h 6858000"/>
+              <a:gd name="connsiteX8" fmla="*/ 0 w 793376"/>
+              <a:gd name="connsiteY8" fmla="*/ 6858000 h 6858000"/>
+            </a:gdLst>
+            <a:ahLst/>
+            <a:cxnLst>
+              <a:cxn ang="0">
+                <a:pos x="connsiteX0" y="connsiteY0"/>
+              </a:cxn>
+              <a:cxn ang="0">
+                <a:pos x="connsiteX1" y="connsiteY1"/>
+              </a:cxn>
+              <a:cxn ang="0">
+                <a:pos x="connsiteX2" y="connsiteY2"/>
+              </a:cxn>
+              <a:cxn ang="0">
+                <a:pos x="connsiteX3" y="connsiteY3"/>
+              </a:cxn>
+              <a:cxn ang="0">
+                <a:pos x="connsiteX4" y="connsiteY4"/>
+              </a:cxn>
+              <a:cxn ang="0">
+                <a:pos x="connsiteX5" y="connsiteY5"/>
+              </a:cxn>
+              <a:cxn ang="0">
+                <a:pos x="connsiteX6" y="connsiteY6"/>
+              </a:cxn>
+              <a:cxn ang="0">
+                <a:pos x="connsiteX7" y="connsiteY7"/>
+              </a:cxn>
+              <a:cxn ang="0">
+                <a:pos x="connsiteX8" y="connsiteY8"/>
+              </a:cxn>
+            </a:cxnLst>
+            <a:rect l="l" t="t" r="r" b="b"/>
+            <a:pathLst>
+              <a:path w="793376" h="6858000">
+                <a:moveTo>
+                  <a:pt x="0" y="0"/>
+                </a:moveTo>
+                <a:lnTo>
+                  <a:pt x="793376" y="0"/>
+                </a:lnTo>
+                <a:lnTo>
+                  <a:pt x="793376" y="1164182"/>
+                </a:lnTo>
+                <a:lnTo>
+                  <a:pt x="780587" y="1165462"/>
+                </a:lnTo>
+                <a:cubicBezTo>
+                  <a:pt x="576844" y="1206840"/>
+                  <a:pt x="423581" y="1385756"/>
+                  <a:pt x="423581" y="1600200"/>
+                </a:cubicBezTo>
+                <a:cubicBezTo>
+                  <a:pt x="423581" y="1814644"/>
+                  <a:pt x="576844" y="1993560"/>
+                  <a:pt x="780587" y="2034939"/>
+                </a:cubicBezTo>
+                <a:lnTo>
+                  <a:pt x="793376" y="2036218"/>
+                </a:lnTo>
+                <a:lnTo>
+                  <a:pt x="793376" y="6858000"/>
+                </a:lnTo>
+                <a:lnTo>
+                  <a:pt x="0" y="6858000"/>
+                </a:lnTo>
+                <a:close/>
+              </a:path>
+            </a:pathLst>
+          </a:custGeom>
+          <a:solidFill>
+            <a:schemeClr val="bg1"/>
+          </a:solidFill>
+          <a:ln>
+            <a:solidFill>
+              <a:schemeClr val="bg1"/>
+            </a:solidFill>
+          </a:ln>
+        </p:spPr>
+        <p:style>
+          <a:lnRef idx="2">
+            <a:schemeClr val="accent1">
+              <a:shade val="50000"/>
+            </a:schemeClr>
+          </a:lnRef>
+          <a:fillRef idx="1">
+            <a:schemeClr val="accent1"/>
+          </a:fillRef>
+          <a:effectRef idx="0">
+            <a:schemeClr val="accent1"/>
+          </a:effectRef>
+          <a:fontRef idx="minor">
+            <a:schemeClr val="lt1"/>
+          </a:fontRef>
+        </p:style>
+        <p:txBody>
+          <a:bodyPr wrap="square" rtlCol="0" anchor="ctr">
+            <a:noAutofit/>
+          </a:bodyPr>
+          <a:lstStyle/>
+          <a:p>
+            <a:pPr algn="ctr"/>
+            <a:endParaRPr lang="en-US"/>
+          </a:p>
+        </p:txBody>
+      </p:sp>
+      <p:sp>
+        <p:nvSpPr>
+          <p:cNvPr id="18" name="Oval 17">
+            <a:extLst>
+              <a:ext uri="{FF2B5EF4-FFF2-40B4-BE49-F238E27FC236}">
+                <a16:creationId xmlns:a16="http://schemas.microsoft.com/office/drawing/2014/main" xmlns="" id="{B80B8A2B-A688-4DEF-87D9-5D6F9B98FAD8}"/>
+              </a:ext>
+            </a:extLst>
+          </p:cNvPr>
+          <p:cNvSpPr/>
+          <p:nvPr/>
+        </p:nvSpPr>
+        <p:spPr>
+          <a:xfrm>
+            <a:off x="493063" y="1223682"/>
+            <a:ext cx="793376" cy="753035"/>
+          </a:xfrm>
+          <a:prstGeom prst="ellipse">
+            <a:avLst/>
+          </a:prstGeom>
+          <a:solidFill>
+            <a:schemeClr val="bg1"/>
+          </a:solidFill>
+          <a:ln>
+            <a:solidFill>
+              <a:schemeClr val="bg1"/>
+            </a:solidFill>
+          </a:ln>
+        </p:spPr>
+        <p:style>
+          <a:lnRef idx="2">
+            <a:schemeClr val="accent1">
+              <a:shade val="50000"/>
+            </a:schemeClr>
+          </a:lnRef>
+          <a:fillRef idx="1">
+            <a:schemeClr val="accent1"/>
+          </a:fillRef>
+          <a:effectRef idx="0">
+            <a:schemeClr val="accent1"/>
+          </a:effectRef>
+          <a:fontRef idx="minor">
+            <a:schemeClr val="lt1"/>
+          </a:fontRef>
+        </p:style>
+        <p:txBody>
+          <a:bodyPr rtlCol="0" anchor="ctr"/>
+          <a:lstStyle/>
+          <a:p>
+            <a:pPr algn="ctr"/>
+            <a:r>
+              <a:rPr lang="en-US" sz="3200" dirty="0">
+                <a:solidFill>
+                  <a:schemeClr val="tx1"/>
+                </a:solidFill>
+                <a:latin typeface="Comic Sans MS" panose="030F0702030302020204" pitchFamily="66" charset="0"/>
+                <a:cs typeface="Arabic Typesetting" panose="03020402040406030203" pitchFamily="66" charset="-78"/>
+              </a:rPr>
+              <a:t>1</a:t>
+            </a:r>
+          </a:p>
+        </p:txBody>
+      </p:sp>
+      <p:sp>
+        <p:nvSpPr>
+          <p:cNvPr id="19" name="Rectangle: Rounded Corners 18">
+            <a:extLst>
+              <a:ext uri="{FF2B5EF4-FFF2-40B4-BE49-F238E27FC236}">
+                <a16:creationId xmlns:a16="http://schemas.microsoft.com/office/drawing/2014/main" xmlns="" id="{D057E500-D7B7-4344-9077-47A854CC62E8}"/>
+              </a:ext>
+            </a:extLst>
+          </p:cNvPr>
+          <p:cNvSpPr/>
+          <p:nvPr/>
+        </p:nvSpPr>
+        <p:spPr>
+          <a:xfrm>
+            <a:off x="1450601" y="734547"/>
+            <a:ext cx="10461812" cy="5795682"/>
+          </a:xfrm>
+          <a:prstGeom prst="roundRect">
+            <a:avLst>
+              <a:gd name="adj" fmla="val 4398"/>
+            </a:avLst>
+          </a:prstGeom>
+          <a:solidFill>
+            <a:srgbClr val="E9ECE4"/>
+          </a:solidFill>
+          <a:ln w="38100">
+            <a:solidFill>
+              <a:schemeClr val="bg1"/>
+            </a:solidFill>
+          </a:ln>
+        </p:spPr>
+        <p:style>
+          <a:lnRef idx="2">
+            <a:schemeClr val="accent1">
+              <a:shade val="50000"/>
+            </a:schemeClr>
+          </a:lnRef>
+          <a:fillRef idx="1">
+            <a:schemeClr val="accent1"/>
+          </a:fillRef>
+          <a:effectRef idx="0">
+            <a:schemeClr val="accent1"/>
+          </a:effectRef>
+          <a:fontRef idx="minor">
+            <a:schemeClr val="lt1"/>
+          </a:fontRef>
+        </p:style>
+        <p:txBody>
+          <a:bodyPr rtlCol="0" anchor="ctr"/>
+          <a:lstStyle/>
+          <a:p>
+            <a:pPr algn="ctr"/>
+            <a:endParaRPr lang="en-US"/>
+          </a:p>
+        </p:txBody>
+      </p:sp>
+      <p:sp>
+        <p:nvSpPr>
+          <p:cNvPr id="20" name="TextBox 19">
+            <a:extLst>
+              <a:ext uri="{FF2B5EF4-FFF2-40B4-BE49-F238E27FC236}">
+                <a16:creationId xmlns:a16="http://schemas.microsoft.com/office/drawing/2014/main" xmlns="" id="{A7F56942-D290-43F0-BE91-62733AA12F0E}"/>
+              </a:ext>
+            </a:extLst>
+          </p:cNvPr>
+          <p:cNvSpPr txBox="1"/>
+          <p:nvPr/>
+        </p:nvSpPr>
+        <p:spPr>
+          <a:xfrm>
+            <a:off x="4762502" y="1138534"/>
+            <a:ext cx="4410636" cy="461665"/>
+          </a:xfrm>
+          <a:prstGeom prst="rect">
+            <a:avLst/>
+          </a:prstGeom>
+          <a:noFill/>
+        </p:spPr>
+        <p:txBody>
+          <a:bodyPr wrap="square" rtlCol="0">
+            <a:spAutoFit/>
+          </a:bodyPr>
+          <a:lstStyle/>
+          <a:p>
+            <a:pPr algn="ctr"/>
+            <a:r>
+              <a:rPr lang="en-US" sz="2400" dirty="0" smtClean="0">
+                <a:latin typeface="Cooper Black" panose="0208090404030B020404" pitchFamily="18" charset="0"/>
+              </a:rPr>
+              <a:t>PENELITIAN TERKAIT</a:t>
+            </a:r>
+            <a:endParaRPr lang="en-US" sz="2400" dirty="0">
+              <a:latin typeface="Cooper Black" panose="0208090404030B020404" pitchFamily="18" charset="0"/>
+            </a:endParaRPr>
+          </a:p>
+        </p:txBody>
+      </p:sp>
+      <p:sp>
+        <p:nvSpPr>
+          <p:cNvPr id="12" name="TextBox 11">
+            <a:hlinkClick r:id="rId2" action="ppaction://hlinksldjump"/>
+            <a:extLst>
+              <a:ext uri="{FF2B5EF4-FFF2-40B4-BE49-F238E27FC236}">
+                <a16:creationId xmlns:a16="http://schemas.microsoft.com/office/drawing/2014/main" xmlns="" id="{1941731E-40FB-4B44-A90A-81381FD38B5D}"/>
+              </a:ext>
+            </a:extLst>
+          </p:cNvPr>
+          <p:cNvSpPr txBox="1"/>
+          <p:nvPr/>
+        </p:nvSpPr>
+        <p:spPr>
+          <a:xfrm>
+            <a:off x="93034" y="3200399"/>
+            <a:ext cx="607309" cy="584775"/>
+          </a:xfrm>
+          <a:prstGeom prst="rect">
+            <a:avLst/>
+          </a:prstGeom>
+          <a:noFill/>
+        </p:spPr>
+        <p:txBody>
+          <a:bodyPr wrap="square">
+            <a:spAutoFit/>
+          </a:bodyPr>
+          <a:lstStyle/>
+          <a:p>
+            <a:pPr algn="ctr"/>
+            <a:r>
+              <a:rPr lang="en-US" sz="3200" dirty="0">
+                <a:latin typeface="Comic Sans MS" panose="030F0702030302020204" pitchFamily="66" charset="0"/>
+                <a:cs typeface="Arabic Typesetting" panose="03020402040406030203" pitchFamily="66" charset="-78"/>
+              </a:rPr>
+              <a:t>2</a:t>
+            </a:r>
+            <a:endParaRPr lang="en-US" sz="3200" dirty="0">
+              <a:solidFill>
+                <a:schemeClr val="tx1"/>
+              </a:solidFill>
+              <a:latin typeface="Comic Sans MS" panose="030F0702030302020204" pitchFamily="66" charset="0"/>
+              <a:cs typeface="Arabic Typesetting" panose="03020402040406030203" pitchFamily="66" charset="-78"/>
+            </a:endParaRPr>
+          </a:p>
+        </p:txBody>
+      </p:sp>
+      <p:sp>
+        <p:nvSpPr>
+          <p:cNvPr id="13" name="TextBox 12">
+            <a:hlinkClick r:id="rId3" action="ppaction://hlinksldjump"/>
+            <a:extLst>
+              <a:ext uri="{FF2B5EF4-FFF2-40B4-BE49-F238E27FC236}">
+                <a16:creationId xmlns:a16="http://schemas.microsoft.com/office/drawing/2014/main" xmlns="" id="{B13F77CE-3A2D-499A-8CCD-5C288A18F55E}"/>
+              </a:ext>
+            </a:extLst>
+          </p:cNvPr>
+          <p:cNvSpPr txBox="1"/>
+          <p:nvPr/>
+        </p:nvSpPr>
+        <p:spPr>
+          <a:xfrm>
+            <a:off x="93034" y="5303044"/>
+            <a:ext cx="607309" cy="584775"/>
+          </a:xfrm>
+          <a:prstGeom prst="rect">
+            <a:avLst/>
+          </a:prstGeom>
+          <a:noFill/>
+        </p:spPr>
+        <p:txBody>
+          <a:bodyPr wrap="square">
+            <a:spAutoFit/>
+          </a:bodyPr>
+          <a:lstStyle/>
+          <a:p>
+            <a:pPr algn="ctr"/>
+            <a:r>
+              <a:rPr lang="en-US" sz="3200" dirty="0">
+                <a:solidFill>
+                  <a:schemeClr val="tx1"/>
+                </a:solidFill>
+                <a:latin typeface="Comic Sans MS" panose="030F0702030302020204" pitchFamily="66" charset="0"/>
+                <a:cs typeface="Arabic Typesetting" panose="03020402040406030203" pitchFamily="66" charset="-78"/>
+              </a:rPr>
+              <a:t>3</a:t>
+            </a:r>
+          </a:p>
+        </p:txBody>
+      </p:sp>
+      <p:pic>
+        <p:nvPicPr>
+          <p:cNvPr id="26" name="Picture 25">
+            <a:extLst>
+              <a:ext uri="{FF2B5EF4-FFF2-40B4-BE49-F238E27FC236}">
+                <a16:creationId xmlns:a16="http://schemas.microsoft.com/office/drawing/2014/main" xmlns="" id="{200205E2-7230-486C-AB23-F7A941A32C2E}"/>
+              </a:ext>
+            </a:extLst>
+          </p:cNvPr>
+          <p:cNvPicPr>
+            <a:picLocks noChangeAspect="1"/>
+          </p:cNvPicPr>
+          <p:nvPr/>
+        </p:nvPicPr>
+        <p:blipFill>
+          <a:blip r:embed="rId4">
+            <a:extLst>
+              <a:ext uri="{28A0092B-C50C-407E-A947-70E740481C1C}">
+                <a14:useLocalDpi xmlns:a14="http://schemas.microsoft.com/office/drawing/2010/main" xmlns="" val="0"/>
+              </a:ext>
+            </a:extLst>
+          </a:blip>
+          <a:stretch>
+            <a:fillRect/>
+          </a:stretch>
+        </p:blipFill>
+        <p:spPr>
+          <a:xfrm>
+            <a:off x="-991133" y="0"/>
+            <a:ext cx="621846" cy="2152075"/>
+          </a:xfrm>
+          <a:prstGeom prst="rect">
+            <a:avLst/>
+          </a:prstGeom>
+        </p:spPr>
+      </p:pic>
+      <p:sp>
+        <p:nvSpPr>
+          <p:cNvPr id="34" name="Rectangle: Rounded Corners 21">
+            <a:hlinkClick r:id="rId5" action="ppaction://hlinksldjump"/>
+            <a:extLst>
+              <a:ext uri="{FF2B5EF4-FFF2-40B4-BE49-F238E27FC236}">
+                <a16:creationId xmlns:a16="http://schemas.microsoft.com/office/drawing/2014/main" xmlns="" id="{5E95E8E1-387E-40EC-B637-CDAEE41DEEB7}"/>
+              </a:ext>
+            </a:extLst>
+          </p:cNvPr>
+          <p:cNvSpPr/>
+          <p:nvPr/>
+        </p:nvSpPr>
+        <p:spPr>
+          <a:xfrm>
+            <a:off x="8146677" y="147918"/>
+            <a:ext cx="1815352" cy="430306"/>
+          </a:xfrm>
+          <a:prstGeom prst="roundRect">
+            <a:avLst>
+              <a:gd name="adj" fmla="val 50000"/>
+            </a:avLst>
+          </a:prstGeom>
+          <a:solidFill>
+            <a:srgbClr val="B0A999"/>
+          </a:solidFill>
+          <a:ln w="28575">
+            <a:solidFill>
+              <a:schemeClr val="bg1"/>
+            </a:solidFill>
+          </a:ln>
+        </p:spPr>
+        <p:style>
+          <a:lnRef idx="2">
+            <a:schemeClr val="accent1">
+              <a:shade val="50000"/>
+            </a:schemeClr>
+          </a:lnRef>
+          <a:fillRef idx="1">
+            <a:schemeClr val="accent1"/>
+          </a:fillRef>
+          <a:effectRef idx="0">
+            <a:schemeClr val="accent1"/>
+          </a:effectRef>
+          <a:fontRef idx="minor">
+            <a:schemeClr val="lt1"/>
+          </a:fontRef>
+        </p:style>
+        <p:txBody>
+          <a:bodyPr rtlCol="0" anchor="ctr"/>
+          <a:lstStyle/>
+          <a:p>
+            <a:pPr algn="ctr"/>
+            <a:r>
+              <a:rPr lang="en-US" sz="1400" b="1" dirty="0" err="1">
+                <a:solidFill>
+                  <a:schemeClr val="tx1"/>
+                </a:solidFill>
+                <a:latin typeface="Baar Sophia" panose="00000400000000000000" pitchFamily="2" charset="0"/>
+              </a:rPr>
+              <a:t>Manfaat</a:t>
+            </a:r>
+            <a:r>
+              <a:rPr lang="en-US" sz="1400" b="1" dirty="0">
+                <a:solidFill>
+                  <a:schemeClr val="tx1"/>
+                </a:solidFill>
+                <a:latin typeface="Baar Sophia" panose="00000400000000000000" pitchFamily="2" charset="0"/>
+              </a:rPr>
+              <a:t> </a:t>
+            </a:r>
+            <a:r>
+              <a:rPr lang="en-US" sz="1400" b="1" dirty="0" err="1">
+                <a:solidFill>
+                  <a:schemeClr val="tx1"/>
+                </a:solidFill>
+                <a:latin typeface="Baar Sophia" panose="00000400000000000000" pitchFamily="2" charset="0"/>
+              </a:rPr>
+              <a:t>Penelitian</a:t>
+            </a:r>
+            <a:endParaRPr lang="en-US" sz="1400" b="1" dirty="0">
+              <a:solidFill>
+                <a:schemeClr val="tx1"/>
+              </a:solidFill>
+              <a:latin typeface="Baar Sophia" panose="00000400000000000000" pitchFamily="2" charset="0"/>
+            </a:endParaRPr>
+          </a:p>
+        </p:txBody>
+      </p:sp>
+      <p:sp>
+        <p:nvSpPr>
+          <p:cNvPr id="35" name="Rectangle: Rounded Corners 22">
+            <a:hlinkClick r:id="rId6" action="ppaction://hlinksldjump"/>
+            <a:extLst>
+              <a:ext uri="{FF2B5EF4-FFF2-40B4-BE49-F238E27FC236}">
+                <a16:creationId xmlns:a16="http://schemas.microsoft.com/office/drawing/2014/main" xmlns="" id="{5F4A8859-C0BA-4EEA-8602-665DF9C9F76B}"/>
+              </a:ext>
+            </a:extLst>
+          </p:cNvPr>
+          <p:cNvSpPr/>
+          <p:nvPr/>
+        </p:nvSpPr>
+        <p:spPr>
+          <a:xfrm>
+            <a:off x="6167720" y="147918"/>
+            <a:ext cx="1815352" cy="430306"/>
+          </a:xfrm>
+          <a:prstGeom prst="roundRect">
+            <a:avLst>
+              <a:gd name="adj" fmla="val 50000"/>
+            </a:avLst>
+          </a:prstGeom>
+          <a:solidFill>
+            <a:srgbClr val="B0A999"/>
+          </a:solidFill>
+          <a:ln w="28575">
+            <a:solidFill>
+              <a:schemeClr val="bg1"/>
+            </a:solidFill>
+          </a:ln>
+        </p:spPr>
+        <p:style>
+          <a:lnRef idx="2">
+            <a:schemeClr val="accent1">
+              <a:shade val="50000"/>
+            </a:schemeClr>
+          </a:lnRef>
+          <a:fillRef idx="1">
+            <a:schemeClr val="accent1"/>
+          </a:fillRef>
+          <a:effectRef idx="0">
+            <a:schemeClr val="accent1"/>
+          </a:effectRef>
+          <a:fontRef idx="minor">
+            <a:schemeClr val="lt1"/>
+          </a:fontRef>
+        </p:style>
+        <p:txBody>
+          <a:bodyPr rtlCol="0" anchor="ctr"/>
+          <a:lstStyle/>
+          <a:p>
+            <a:pPr algn="ctr"/>
+            <a:r>
+              <a:rPr lang="en-US" sz="1400" b="1" dirty="0" err="1" smtClean="0">
+                <a:solidFill>
+                  <a:schemeClr val="tx1"/>
+                </a:solidFill>
+                <a:latin typeface="Baar Sophia" panose="00000400000000000000" pitchFamily="2" charset="0"/>
+              </a:rPr>
+              <a:t>Batasan</a:t>
+            </a:r>
+            <a:r>
+              <a:rPr lang="en-US" sz="1400" b="1" dirty="0" smtClean="0">
+                <a:solidFill>
+                  <a:schemeClr val="tx1"/>
+                </a:solidFill>
+                <a:latin typeface="Baar Sophia" panose="00000400000000000000" pitchFamily="2" charset="0"/>
+              </a:rPr>
+              <a:t> </a:t>
+            </a:r>
+            <a:r>
+              <a:rPr lang="en-US" sz="1400" b="1" dirty="0" err="1" smtClean="0">
+                <a:solidFill>
+                  <a:schemeClr val="tx1"/>
+                </a:solidFill>
+                <a:latin typeface="Baar Sophia" panose="00000400000000000000" pitchFamily="2" charset="0"/>
+              </a:rPr>
+              <a:t>Masalah</a:t>
+            </a:r>
+            <a:endParaRPr lang="en-US" sz="1400" b="1" dirty="0">
+              <a:solidFill>
+                <a:schemeClr val="tx1"/>
+              </a:solidFill>
+              <a:latin typeface="Baar Sophia" panose="00000400000000000000" pitchFamily="2" charset="0"/>
+            </a:endParaRPr>
+          </a:p>
+        </p:txBody>
+      </p:sp>
+      <p:sp>
+        <p:nvSpPr>
+          <p:cNvPr id="36" name="Rectangle: Rounded Corners 23">
+            <a:hlinkClick r:id="rId7" action="ppaction://hlinksldjump"/>
+            <a:extLst>
+              <a:ext uri="{FF2B5EF4-FFF2-40B4-BE49-F238E27FC236}">
+                <a16:creationId xmlns:a16="http://schemas.microsoft.com/office/drawing/2014/main" xmlns="" id="{7BEF4C1D-4AB6-4CCB-AD50-03DCEEEFDA38}"/>
+              </a:ext>
+            </a:extLst>
+          </p:cNvPr>
+          <p:cNvSpPr/>
+          <p:nvPr/>
+        </p:nvSpPr>
+        <p:spPr>
+          <a:xfrm>
+            <a:off x="4188763" y="147918"/>
+            <a:ext cx="1815352" cy="430306"/>
+          </a:xfrm>
+          <a:prstGeom prst="roundRect">
+            <a:avLst>
+              <a:gd name="adj" fmla="val 50000"/>
+            </a:avLst>
+          </a:prstGeom>
+          <a:solidFill>
+            <a:srgbClr val="B0A999"/>
+          </a:solidFill>
+          <a:ln w="28575">
+            <a:solidFill>
+              <a:schemeClr val="bg1"/>
+            </a:solidFill>
+          </a:ln>
+        </p:spPr>
+        <p:style>
+          <a:lnRef idx="2">
+            <a:schemeClr val="accent1">
+              <a:shade val="50000"/>
+            </a:schemeClr>
+          </a:lnRef>
+          <a:fillRef idx="1">
+            <a:schemeClr val="accent1"/>
+          </a:fillRef>
+          <a:effectRef idx="0">
+            <a:schemeClr val="accent1"/>
+          </a:effectRef>
+          <a:fontRef idx="minor">
+            <a:schemeClr val="lt1"/>
+          </a:fontRef>
+        </p:style>
+        <p:txBody>
+          <a:bodyPr rtlCol="0" anchor="ctr"/>
+          <a:lstStyle/>
+          <a:p>
+            <a:pPr algn="ctr"/>
+            <a:r>
+              <a:rPr lang="en-US" sz="1400" b="1" dirty="0" err="1">
+                <a:solidFill>
+                  <a:schemeClr val="tx1"/>
+                </a:solidFill>
+                <a:latin typeface="Baar Sophia" panose="00000400000000000000" pitchFamily="2" charset="0"/>
+              </a:rPr>
+              <a:t>Rumusan</a:t>
+            </a:r>
+            <a:r>
+              <a:rPr lang="en-US" sz="1400" b="1" dirty="0">
+                <a:solidFill>
+                  <a:schemeClr val="tx1"/>
+                </a:solidFill>
+                <a:latin typeface="Baar Sophia" panose="00000400000000000000" pitchFamily="2" charset="0"/>
+              </a:rPr>
+              <a:t> </a:t>
+            </a:r>
+            <a:r>
+              <a:rPr lang="en-US" sz="1400" b="1" dirty="0" err="1">
+                <a:solidFill>
+                  <a:schemeClr val="tx1"/>
+                </a:solidFill>
+                <a:latin typeface="Baar Sophia" panose="00000400000000000000" pitchFamily="2" charset="0"/>
+              </a:rPr>
+              <a:t>Masalah</a:t>
+            </a:r>
+            <a:endParaRPr lang="en-US" sz="1400" b="1" dirty="0">
+              <a:solidFill>
+                <a:schemeClr val="tx1"/>
+              </a:solidFill>
+              <a:latin typeface="Baar Sophia" panose="00000400000000000000" pitchFamily="2" charset="0"/>
+            </a:endParaRPr>
+          </a:p>
+        </p:txBody>
+      </p:sp>
+      <p:sp>
+        <p:nvSpPr>
+          <p:cNvPr id="37" name="Rectangle: Rounded Corners 24">
+            <a:hlinkClick r:id="rId8" action="ppaction://hlinksldjump"/>
+            <a:extLst>
+              <a:ext uri="{FF2B5EF4-FFF2-40B4-BE49-F238E27FC236}">
+                <a16:creationId xmlns:a16="http://schemas.microsoft.com/office/drawing/2014/main" xmlns="" id="{DAA73862-20BB-48C4-B7E5-F937CA4F94B3}"/>
+              </a:ext>
+            </a:extLst>
+          </p:cNvPr>
+          <p:cNvSpPr/>
+          <p:nvPr/>
+        </p:nvSpPr>
+        <p:spPr>
+          <a:xfrm>
+            <a:off x="2209806" y="147918"/>
+            <a:ext cx="1815352" cy="430306"/>
+          </a:xfrm>
+          <a:prstGeom prst="roundRect">
+            <a:avLst>
+              <a:gd name="adj" fmla="val 50000"/>
+            </a:avLst>
+          </a:prstGeom>
+          <a:solidFill>
+            <a:srgbClr val="B0A999"/>
+          </a:solidFill>
+          <a:ln w="28575">
+            <a:solidFill>
+              <a:schemeClr val="bg1"/>
+            </a:solidFill>
+          </a:ln>
+        </p:spPr>
+        <p:style>
+          <a:lnRef idx="2">
+            <a:schemeClr val="accent1">
+              <a:shade val="50000"/>
+            </a:schemeClr>
+          </a:lnRef>
+          <a:fillRef idx="1">
+            <a:schemeClr val="accent1"/>
+          </a:fillRef>
+          <a:effectRef idx="0">
+            <a:schemeClr val="accent1"/>
+          </a:effectRef>
+          <a:fontRef idx="minor">
+            <a:schemeClr val="lt1"/>
+          </a:fontRef>
+        </p:style>
+        <p:txBody>
+          <a:bodyPr rtlCol="0" anchor="ctr"/>
+          <a:lstStyle/>
+          <a:p>
+            <a:pPr algn="ctr"/>
+            <a:r>
+              <a:rPr lang="en-US" sz="1400" b="1" dirty="0" err="1">
+                <a:solidFill>
+                  <a:schemeClr val="tx1"/>
+                </a:solidFill>
+                <a:latin typeface="Baar Sophia" panose="00000400000000000000" pitchFamily="2" charset="0"/>
+              </a:rPr>
+              <a:t>Latar</a:t>
+            </a:r>
+            <a:r>
+              <a:rPr lang="en-US" sz="1400" b="1" dirty="0">
+                <a:solidFill>
+                  <a:schemeClr val="tx1"/>
+                </a:solidFill>
+                <a:latin typeface="Baar Sophia" panose="00000400000000000000" pitchFamily="2" charset="0"/>
+              </a:rPr>
+              <a:t> </a:t>
+            </a:r>
+            <a:r>
+              <a:rPr lang="en-US" sz="1400" b="1" dirty="0" err="1">
+                <a:solidFill>
+                  <a:schemeClr val="tx1"/>
+                </a:solidFill>
+                <a:latin typeface="Baar Sophia" panose="00000400000000000000" pitchFamily="2" charset="0"/>
+              </a:rPr>
+              <a:t>Belakang</a:t>
+            </a:r>
+            <a:endParaRPr lang="en-US" sz="1400" b="1" dirty="0">
+              <a:solidFill>
+                <a:schemeClr val="tx1"/>
+              </a:solidFill>
+              <a:latin typeface="Baar Sophia" panose="00000400000000000000" pitchFamily="2" charset="0"/>
+            </a:endParaRPr>
+          </a:p>
+        </p:txBody>
+      </p:sp>
+      <p:cxnSp>
+        <p:nvCxnSpPr>
+          <p:cNvPr id="30" name="Elbow Connector 50">
+            <a:extLst>
+              <a:ext uri="{FF2B5EF4-FFF2-40B4-BE49-F238E27FC236}">
+                <a16:creationId xmlns:a16="http://schemas.microsoft.com/office/drawing/2014/main" xmlns="" id="{1FFFC4D0-EF08-43BB-931B-955EC6111478}"/>
+              </a:ext>
+            </a:extLst>
+          </p:cNvPr>
+          <p:cNvCxnSpPr>
+            <a:cxnSpLocks/>
+          </p:cNvCxnSpPr>
+          <p:nvPr/>
+        </p:nvCxnSpPr>
+        <p:spPr>
+          <a:xfrm rot="5400000" flipH="1" flipV="1">
+            <a:off x="6172153" y="3166537"/>
+            <a:ext cx="2415159" cy="906611"/>
+          </a:xfrm>
+          <a:prstGeom prst="bentConnector3">
+            <a:avLst>
+              <a:gd name="adj1" fmla="val 99962"/>
+            </a:avLst>
+          </a:prstGeom>
+          <a:ln w="50800">
+            <a:solidFill>
+              <a:schemeClr val="tx1">
+                <a:lumMod val="75000"/>
+                <a:lumOff val="25000"/>
+              </a:schemeClr>
+            </a:solidFill>
+            <a:headEnd type="oval"/>
+            <a:tailEnd type="oval"/>
+          </a:ln>
+        </p:spPr>
+        <p:style>
+          <a:lnRef idx="1">
+            <a:schemeClr val="accent1"/>
+          </a:lnRef>
+          <a:fillRef idx="0">
+            <a:schemeClr val="accent1"/>
+          </a:fillRef>
+          <a:effectRef idx="0">
+            <a:schemeClr val="accent1"/>
+          </a:effectRef>
+          <a:fontRef idx="minor">
+            <a:schemeClr val="tx1"/>
+          </a:fontRef>
+        </p:style>
+      </p:cxnSp>
+      <p:cxnSp>
+        <p:nvCxnSpPr>
+          <p:cNvPr id="31" name="Elbow Connector 51">
+            <a:extLst>
+              <a:ext uri="{FF2B5EF4-FFF2-40B4-BE49-F238E27FC236}">
+                <a16:creationId xmlns:a16="http://schemas.microsoft.com/office/drawing/2014/main" xmlns="" id="{AFDEB701-4929-4FCB-BCAA-E1A67D290930}"/>
+              </a:ext>
+            </a:extLst>
+          </p:cNvPr>
+          <p:cNvCxnSpPr>
+            <a:cxnSpLocks/>
+          </p:cNvCxnSpPr>
+          <p:nvPr/>
+        </p:nvCxnSpPr>
+        <p:spPr>
+          <a:xfrm rot="5400000" flipH="1" flipV="1">
+            <a:off x="6949224" y="3875656"/>
+            <a:ext cx="1184110" cy="719424"/>
+          </a:xfrm>
+          <a:prstGeom prst="bentConnector3">
+            <a:avLst>
+              <a:gd name="adj1" fmla="val 50000"/>
+            </a:avLst>
+          </a:prstGeom>
+          <a:ln w="50800">
+            <a:solidFill>
+              <a:schemeClr val="tx1">
+                <a:lumMod val="75000"/>
+                <a:lumOff val="25000"/>
+              </a:schemeClr>
+            </a:solidFill>
+            <a:headEnd type="oval"/>
+            <a:tailEnd type="oval"/>
+          </a:ln>
+        </p:spPr>
+        <p:style>
+          <a:lnRef idx="1">
+            <a:schemeClr val="accent1"/>
+          </a:lnRef>
+          <a:fillRef idx="0">
+            <a:schemeClr val="accent1"/>
+          </a:fillRef>
+          <a:effectRef idx="0">
+            <a:schemeClr val="accent1"/>
+          </a:effectRef>
+          <a:fontRef idx="minor">
+            <a:schemeClr val="tx1"/>
+          </a:fontRef>
+        </p:style>
+      </p:cxnSp>
+      <p:grpSp>
+        <p:nvGrpSpPr>
+          <p:cNvPr id="32" name="그룹 27">
+            <a:extLst>
+              <a:ext uri="{FF2B5EF4-FFF2-40B4-BE49-F238E27FC236}">
+                <a16:creationId xmlns:a16="http://schemas.microsoft.com/office/drawing/2014/main" xmlns="" id="{D190DA5F-E06A-4C27-9A72-B904FEB0536A}"/>
+              </a:ext>
+            </a:extLst>
+          </p:cNvPr>
+          <p:cNvGrpSpPr/>
+          <p:nvPr/>
+        </p:nvGrpSpPr>
+        <p:grpSpPr>
+          <a:xfrm>
+            <a:off x="5431003" y="2412263"/>
+            <a:ext cx="1019195" cy="2415160"/>
+            <a:chOff x="4748872" y="1806373"/>
+            <a:chExt cx="1211932" cy="2707164"/>
+          </a:xfrm>
+        </p:grpSpPr>
+        <p:cxnSp>
+          <p:nvCxnSpPr>
+            <p:cNvPr id="33" name="Elbow Connector 49">
+              <a:extLst>
+                <a:ext uri="{FF2B5EF4-FFF2-40B4-BE49-F238E27FC236}">
+                  <a16:creationId xmlns:a16="http://schemas.microsoft.com/office/drawing/2014/main" xmlns="" id="{BDCD5758-CE10-42C9-BB49-3F6CD2D7D3E3}"/>
+                </a:ext>
+              </a:extLst>
+            </p:cNvPr>
+            <p:cNvCxnSpPr>
+              <a:cxnSpLocks/>
+            </p:cNvCxnSpPr>
+            <p:nvPr/>
+          </p:nvCxnSpPr>
+          <p:spPr>
+            <a:xfrm rot="16200000" flipV="1">
+              <a:off x="4716625" y="3874095"/>
+              <a:ext cx="671689" cy="607195"/>
+            </a:xfrm>
+            <a:prstGeom prst="bentConnector3">
+              <a:avLst>
+                <a:gd name="adj1" fmla="val 101050"/>
+              </a:avLst>
+            </a:prstGeom>
+            <a:ln w="50800">
+              <a:solidFill>
+                <a:schemeClr val="tx1">
+                  <a:lumMod val="75000"/>
+                  <a:lumOff val="25000"/>
+                </a:schemeClr>
+              </a:solidFill>
+              <a:headEnd type="oval"/>
+              <a:tailEnd type="oval"/>
+            </a:ln>
+          </p:spPr>
+          <p:style>
+            <a:lnRef idx="1">
+              <a:schemeClr val="accent1"/>
+            </a:lnRef>
+            <a:fillRef idx="0">
+              <a:schemeClr val="accent1"/>
+            </a:fillRef>
+            <a:effectRef idx="0">
+              <a:schemeClr val="accent1"/>
+            </a:effectRef>
+            <a:fontRef idx="minor">
+              <a:schemeClr val="tx1"/>
+            </a:fontRef>
+          </p:style>
+        </p:cxnSp>
+        <p:cxnSp>
+          <p:nvCxnSpPr>
+            <p:cNvPr id="38" name="Elbow Connector 50">
+              <a:extLst>
+                <a:ext uri="{FF2B5EF4-FFF2-40B4-BE49-F238E27FC236}">
+                  <a16:creationId xmlns:a16="http://schemas.microsoft.com/office/drawing/2014/main" xmlns="" id="{CCBA0B89-32FB-4071-ABBD-4483CCA91E98}"/>
+                </a:ext>
+              </a:extLst>
+            </p:cNvPr>
+            <p:cNvCxnSpPr>
+              <a:cxnSpLocks/>
+            </p:cNvCxnSpPr>
+            <p:nvPr/>
+          </p:nvCxnSpPr>
+          <p:spPr>
+            <a:xfrm rot="16200000" flipV="1">
+              <a:off x="4068193" y="2620926"/>
+              <a:ext cx="2707163" cy="1078058"/>
+            </a:xfrm>
+            <a:prstGeom prst="bentConnector3">
+              <a:avLst>
+                <a:gd name="adj1" fmla="val 99962"/>
+              </a:avLst>
+            </a:prstGeom>
+            <a:ln w="50800">
+              <a:solidFill>
+                <a:schemeClr val="tx1">
+                  <a:lumMod val="75000"/>
+                  <a:lumOff val="25000"/>
+                </a:schemeClr>
+              </a:solidFill>
+              <a:headEnd type="oval"/>
+              <a:tailEnd type="oval"/>
+            </a:ln>
+          </p:spPr>
+          <p:style>
+            <a:lnRef idx="1">
+              <a:schemeClr val="accent1"/>
+            </a:lnRef>
+            <a:fillRef idx="0">
+              <a:schemeClr val="accent1"/>
+            </a:fillRef>
+            <a:effectRef idx="0">
+              <a:schemeClr val="accent1"/>
+            </a:effectRef>
+            <a:fontRef idx="minor">
+              <a:schemeClr val="tx1"/>
+            </a:fontRef>
+          </p:style>
+        </p:cxnSp>
+        <p:cxnSp>
+          <p:nvCxnSpPr>
+            <p:cNvPr id="39" name="Elbow Connector 51">
+              <a:extLst>
+                <a:ext uri="{FF2B5EF4-FFF2-40B4-BE49-F238E27FC236}">
+                  <a16:creationId xmlns:a16="http://schemas.microsoft.com/office/drawing/2014/main" xmlns="" id="{5210B117-7EC3-4AC8-9B2C-3884AB895EC7}"/>
+                </a:ext>
+              </a:extLst>
+            </p:cNvPr>
+            <p:cNvCxnSpPr>
+              <a:cxnSpLocks/>
+            </p:cNvCxnSpPr>
+            <p:nvPr/>
+          </p:nvCxnSpPr>
+          <p:spPr>
+            <a:xfrm rot="16200000" flipV="1">
+              <a:off x="4404557" y="3260679"/>
+              <a:ext cx="1677348" cy="828368"/>
+            </a:xfrm>
+            <a:prstGeom prst="bentConnector3">
+              <a:avLst>
+                <a:gd name="adj1" fmla="val 99972"/>
+              </a:avLst>
+            </a:prstGeom>
+            <a:ln w="50800">
+              <a:solidFill>
+                <a:schemeClr val="tx1">
+                  <a:lumMod val="75000"/>
+                  <a:lumOff val="25000"/>
+                </a:schemeClr>
+              </a:solidFill>
+              <a:headEnd type="oval"/>
+              <a:tailEnd type="oval"/>
+            </a:ln>
+          </p:spPr>
+          <p:style>
+            <a:lnRef idx="1">
+              <a:schemeClr val="accent1"/>
+            </a:lnRef>
+            <a:fillRef idx="0">
+              <a:schemeClr val="accent1"/>
+            </a:fillRef>
+            <a:effectRef idx="0">
+              <a:schemeClr val="accent1"/>
+            </a:effectRef>
+            <a:fontRef idx="minor">
+              <a:schemeClr val="tx1"/>
+            </a:fontRef>
+          </p:style>
+        </p:cxnSp>
+      </p:grpSp>
+      <p:sp>
+        <p:nvSpPr>
+          <p:cNvPr id="40" name="Oval 39">
+            <a:extLst>
+              <a:ext uri="{FF2B5EF4-FFF2-40B4-BE49-F238E27FC236}">
+                <a16:creationId xmlns:a16="http://schemas.microsoft.com/office/drawing/2014/main" xmlns="" id="{95F18BD1-7F55-4CE1-9BD5-98960AA391D9}"/>
+              </a:ext>
+            </a:extLst>
+          </p:cNvPr>
+          <p:cNvSpPr/>
+          <p:nvPr/>
+        </p:nvSpPr>
+        <p:spPr>
+          <a:xfrm>
+            <a:off x="4877093" y="2109359"/>
+            <a:ext cx="564852" cy="599221"/>
+          </a:xfrm>
+          <a:prstGeom prst="ellipse">
+            <a:avLst/>
+          </a:prstGeom>
+          <a:solidFill>
+            <a:schemeClr val="accent4">
+              <a:lumMod val="60000"/>
+              <a:lumOff val="40000"/>
+            </a:schemeClr>
+          </a:solidFill>
+          <a:ln w="63500">
+            <a:noFill/>
+          </a:ln>
+        </p:spPr>
+        <p:style>
+          <a:lnRef idx="2">
+            <a:schemeClr val="accent1">
+              <a:shade val="50000"/>
+            </a:schemeClr>
+          </a:lnRef>
+          <a:fillRef idx="1">
+            <a:schemeClr val="accent1"/>
+          </a:fillRef>
+          <a:effectRef idx="0">
+            <a:schemeClr val="accent1"/>
+          </a:effectRef>
+          <a:fontRef idx="minor">
+            <a:schemeClr val="lt1"/>
+          </a:fontRef>
+        </p:style>
+        <p:txBody>
+          <a:bodyPr rtlCol="0" anchor="ctr"/>
+          <a:lstStyle/>
+          <a:p>
+            <a:pPr algn="ctr"/>
+            <a:r>
+              <a:rPr lang="en-US" altLang="ko-KR" sz="2700" dirty="0"/>
+              <a:t>1</a:t>
+            </a:r>
+            <a:endParaRPr lang="ko-KR" altLang="en-US" sz="2700" dirty="0"/>
+          </a:p>
+        </p:txBody>
+      </p:sp>
+      <p:sp>
+        <p:nvSpPr>
+          <p:cNvPr id="41" name="Oval 40">
+            <a:extLst>
+              <a:ext uri="{FF2B5EF4-FFF2-40B4-BE49-F238E27FC236}">
+                <a16:creationId xmlns:a16="http://schemas.microsoft.com/office/drawing/2014/main" xmlns="" id="{4FAC24E0-6394-4BB4-ABFC-489381D0F7D1}"/>
+              </a:ext>
+            </a:extLst>
+          </p:cNvPr>
+          <p:cNvSpPr/>
+          <p:nvPr/>
+        </p:nvSpPr>
+        <p:spPr>
+          <a:xfrm>
+            <a:off x="7982059" y="3259988"/>
+            <a:ext cx="564852" cy="599221"/>
+          </a:xfrm>
+          <a:prstGeom prst="ellipse">
+            <a:avLst/>
+          </a:prstGeom>
+          <a:solidFill>
+            <a:srgbClr val="FCF5E4"/>
+          </a:solidFill>
+          <a:ln w="63500">
+            <a:noFill/>
+          </a:ln>
+        </p:spPr>
+        <p:style>
+          <a:lnRef idx="2">
+            <a:schemeClr val="accent1">
+              <a:shade val="50000"/>
+            </a:schemeClr>
+          </a:lnRef>
+          <a:fillRef idx="1">
+            <a:schemeClr val="accent1"/>
+          </a:fillRef>
+          <a:effectRef idx="0">
+            <a:schemeClr val="accent1"/>
+          </a:effectRef>
+          <a:fontRef idx="minor">
+            <a:schemeClr val="lt1"/>
+          </a:fontRef>
+        </p:style>
+        <p:txBody>
+          <a:bodyPr rtlCol="0" anchor="ctr"/>
+          <a:lstStyle/>
+          <a:p>
+            <a:pPr algn="ctr"/>
+            <a:r>
+              <a:rPr lang="en-US" altLang="ko-KR" sz="2700" dirty="0">
+                <a:solidFill>
+                  <a:schemeClr val="tx1"/>
+                </a:solidFill>
+              </a:rPr>
+              <a:t>5</a:t>
+            </a:r>
+            <a:endParaRPr lang="ko-KR" altLang="en-US" sz="2700" dirty="0">
+              <a:solidFill>
+                <a:schemeClr val="tx1"/>
+              </a:solidFill>
+            </a:endParaRPr>
+          </a:p>
+        </p:txBody>
+      </p:sp>
+      <p:sp>
+        <p:nvSpPr>
+          <p:cNvPr id="43" name="Oval 42">
+            <a:extLst>
+              <a:ext uri="{FF2B5EF4-FFF2-40B4-BE49-F238E27FC236}">
+                <a16:creationId xmlns:a16="http://schemas.microsoft.com/office/drawing/2014/main" xmlns="" id="{91C5739E-1AD3-47A5-B744-3871AF5851F6}"/>
+              </a:ext>
+            </a:extLst>
+          </p:cNvPr>
+          <p:cNvSpPr/>
+          <p:nvPr/>
+        </p:nvSpPr>
+        <p:spPr>
+          <a:xfrm>
+            <a:off x="7945621" y="2103096"/>
+            <a:ext cx="564852" cy="599221"/>
+          </a:xfrm>
+          <a:prstGeom prst="ellipse">
+            <a:avLst/>
+          </a:prstGeom>
+          <a:solidFill>
+            <a:schemeClr val="accent4">
+              <a:lumMod val="60000"/>
+              <a:lumOff val="40000"/>
+            </a:schemeClr>
+          </a:solidFill>
+          <a:ln w="63500">
+            <a:noFill/>
+          </a:ln>
+        </p:spPr>
+        <p:style>
+          <a:lnRef idx="2">
+            <a:schemeClr val="accent1">
+              <a:shade val="50000"/>
+            </a:schemeClr>
+          </a:lnRef>
+          <a:fillRef idx="1">
+            <a:schemeClr val="accent1"/>
+          </a:fillRef>
+          <a:effectRef idx="0">
+            <a:schemeClr val="accent1"/>
+          </a:effectRef>
+          <a:fontRef idx="minor">
+            <a:schemeClr val="lt1"/>
+          </a:fontRef>
+        </p:style>
+        <p:txBody>
+          <a:bodyPr rtlCol="0" anchor="ctr"/>
+          <a:lstStyle/>
+          <a:p>
+            <a:pPr algn="ctr"/>
+            <a:r>
+              <a:rPr lang="en-US" altLang="ko-KR" sz="2700" dirty="0"/>
+              <a:t>4</a:t>
+            </a:r>
+            <a:endParaRPr lang="ko-KR" altLang="en-US" sz="2700" dirty="0"/>
+          </a:p>
+        </p:txBody>
+      </p:sp>
+      <p:sp>
+        <p:nvSpPr>
+          <p:cNvPr id="44" name="Oval 43">
+            <a:extLst>
+              <a:ext uri="{FF2B5EF4-FFF2-40B4-BE49-F238E27FC236}">
+                <a16:creationId xmlns:a16="http://schemas.microsoft.com/office/drawing/2014/main" xmlns="" id="{929100D6-2BC2-407A-B39F-88026FD8311C}"/>
+              </a:ext>
+            </a:extLst>
+          </p:cNvPr>
+          <p:cNvSpPr/>
+          <p:nvPr/>
+        </p:nvSpPr>
+        <p:spPr>
+          <a:xfrm>
+            <a:off x="4857787" y="3000864"/>
+            <a:ext cx="564852" cy="599221"/>
+          </a:xfrm>
+          <a:prstGeom prst="ellipse">
+            <a:avLst/>
+          </a:prstGeom>
+          <a:solidFill>
+            <a:srgbClr val="FCF5E4"/>
+          </a:solidFill>
+          <a:ln w="63500">
+            <a:noFill/>
+          </a:ln>
+        </p:spPr>
+        <p:style>
+          <a:lnRef idx="2">
+            <a:schemeClr val="accent1">
+              <a:shade val="50000"/>
+            </a:schemeClr>
+          </a:lnRef>
+          <a:fillRef idx="1">
+            <a:schemeClr val="accent1"/>
+          </a:fillRef>
+          <a:effectRef idx="0">
+            <a:schemeClr val="accent1"/>
+          </a:effectRef>
+          <a:fontRef idx="minor">
+            <a:schemeClr val="lt1"/>
+          </a:fontRef>
+        </p:style>
+        <p:txBody>
+          <a:bodyPr rtlCol="0" anchor="ctr"/>
+          <a:lstStyle/>
+          <a:p>
+            <a:pPr algn="ctr"/>
+            <a:r>
+              <a:rPr lang="en-US" altLang="ko-KR" sz="2700" dirty="0">
+                <a:solidFill>
+                  <a:schemeClr val="tx1"/>
+                </a:solidFill>
+              </a:rPr>
+              <a:t>2</a:t>
+            </a:r>
+            <a:endParaRPr lang="ko-KR" altLang="en-US" sz="2700" dirty="0">
+              <a:solidFill>
+                <a:schemeClr val="tx1"/>
+              </a:solidFill>
+            </a:endParaRPr>
+          </a:p>
+        </p:txBody>
+      </p:sp>
+      <p:sp>
+        <p:nvSpPr>
+          <p:cNvPr id="45" name="Oval 44">
+            <a:extLst>
+              <a:ext uri="{FF2B5EF4-FFF2-40B4-BE49-F238E27FC236}">
+                <a16:creationId xmlns:a16="http://schemas.microsoft.com/office/drawing/2014/main" xmlns="" id="{B0E1C020-9C2A-4516-A0CC-24CE43DD6CE0}"/>
+              </a:ext>
+            </a:extLst>
+          </p:cNvPr>
+          <p:cNvSpPr/>
+          <p:nvPr/>
+        </p:nvSpPr>
+        <p:spPr>
+          <a:xfrm>
+            <a:off x="4815330" y="3940035"/>
+            <a:ext cx="564852" cy="599221"/>
+          </a:xfrm>
+          <a:prstGeom prst="ellipse">
+            <a:avLst/>
+          </a:prstGeom>
+          <a:solidFill>
+            <a:srgbClr val="006666"/>
+          </a:solidFill>
+          <a:ln w="63500">
+            <a:noFill/>
+          </a:ln>
+        </p:spPr>
+        <p:style>
+          <a:lnRef idx="2">
+            <a:schemeClr val="accent1">
+              <a:shade val="50000"/>
+            </a:schemeClr>
+          </a:lnRef>
+          <a:fillRef idx="1">
+            <a:schemeClr val="accent1"/>
+          </a:fillRef>
+          <a:effectRef idx="0">
+            <a:schemeClr val="accent1"/>
+          </a:effectRef>
+          <a:fontRef idx="minor">
+            <a:schemeClr val="lt1"/>
+          </a:fontRef>
+        </p:style>
+        <p:txBody>
+          <a:bodyPr rtlCol="0" anchor="ctr"/>
+          <a:lstStyle/>
+          <a:p>
+            <a:pPr algn="ctr"/>
+            <a:r>
+              <a:rPr lang="en-US" altLang="ko-KR" sz="2700" dirty="0"/>
+              <a:t>3</a:t>
+            </a:r>
+            <a:endParaRPr lang="ko-KR" altLang="en-US" sz="2700" dirty="0"/>
+          </a:p>
+        </p:txBody>
+      </p:sp>
+      <p:pic>
+        <p:nvPicPr>
+          <p:cNvPr id="46" name="Picture 2">
+            <a:extLst>
+              <a:ext uri="{FF2B5EF4-FFF2-40B4-BE49-F238E27FC236}">
+                <a16:creationId xmlns:a16="http://schemas.microsoft.com/office/drawing/2014/main" xmlns="" id="{9E57EDB2-D1C4-4356-9843-FB7B86FDD707}"/>
+              </a:ext>
+            </a:extLst>
+          </p:cNvPr>
+          <p:cNvPicPr>
+            <a:picLocks noChangeAspect="1"/>
+          </p:cNvPicPr>
+          <p:nvPr/>
+        </p:nvPicPr>
+        <p:blipFill>
+          <a:blip r:embed="rId9" cstate="print">
+            <a:extLst>
+              <a:ext uri="{28A0092B-C50C-407E-A947-70E740481C1C}">
+                <a14:useLocalDpi xmlns:a14="http://schemas.microsoft.com/office/drawing/2010/main" xmlns="" val="0"/>
+              </a:ext>
+              <a:ext uri="{96DAC541-7B7A-43D3-8B79-37D633B846F1}">
+                <asvg:svgBlip xmlns:asvg="http://schemas.microsoft.com/office/drawing/2016/SVG/main" xmlns="" r:embed=""/>
+              </a:ext>
+            </a:extLst>
+          </a:blip>
+          <a:srcRect/>
+          <a:stretch>
+            <a:fillRect/>
+          </a:stretch>
+        </p:blipFill>
+        <p:spPr>
+          <a:xfrm>
+            <a:off x="6004115" y="5042377"/>
+            <a:ext cx="1375617" cy="1478130"/>
+          </a:xfrm>
+          <a:prstGeom prst="rect">
+            <a:avLst/>
+          </a:prstGeom>
+        </p:spPr>
+      </p:pic>
+      <p:sp>
+        <p:nvSpPr>
+          <p:cNvPr id="47" name="TextBox 46">
+            <a:extLst>
+              <a:ext uri="{FF2B5EF4-FFF2-40B4-BE49-F238E27FC236}">
+                <a16:creationId xmlns:a16="http://schemas.microsoft.com/office/drawing/2014/main" xmlns="" id="{4A0CE12E-B207-48E9-BD49-6F374A882A59}"/>
+              </a:ext>
+            </a:extLst>
+          </p:cNvPr>
+          <p:cNvSpPr txBox="1"/>
+          <p:nvPr/>
+        </p:nvSpPr>
+        <p:spPr>
+          <a:xfrm>
+            <a:off x="1545363" y="1903071"/>
+            <a:ext cx="3247722" cy="954107"/>
+          </a:xfrm>
+          <a:prstGeom prst="rect">
+            <a:avLst/>
+          </a:prstGeom>
+          <a:noFill/>
+        </p:spPr>
+        <p:txBody>
+          <a:bodyPr wrap="square">
+            <a:spAutoFit/>
+          </a:bodyPr>
+          <a:lstStyle/>
+          <a:p>
+            <a:pPr algn="r"/>
+            <a:r>
+              <a:rPr lang="en-US" sz="1400" dirty="0" smtClean="0"/>
+              <a:t>Robby </a:t>
+            </a:r>
+            <a:r>
+              <a:rPr lang="en-US" sz="1400" dirty="0" err="1" smtClean="0"/>
+              <a:t>Yuli</a:t>
+            </a:r>
+            <a:r>
+              <a:rPr lang="en-US" sz="1400" dirty="0" smtClean="0"/>
+              <a:t> </a:t>
+            </a:r>
+            <a:r>
+              <a:rPr lang="en-US" sz="1400" dirty="0" err="1" smtClean="0"/>
+              <a:t>Endra</a:t>
+            </a:r>
+            <a:r>
+              <a:rPr lang="en-US" sz="1400" dirty="0" smtClean="0"/>
+              <a:t>, </a:t>
+            </a:r>
+            <a:r>
+              <a:rPr lang="en-US" sz="1400" dirty="0" err="1" smtClean="0"/>
+              <a:t>tahun</a:t>
+            </a:r>
+            <a:r>
+              <a:rPr lang="en-US" sz="1400" dirty="0" smtClean="0"/>
+              <a:t> 2018 </a:t>
+            </a:r>
+            <a:r>
+              <a:rPr lang="en-US" sz="1400" dirty="0" err="1" smtClean="0"/>
+              <a:t>meneliti</a:t>
+            </a:r>
+            <a:r>
+              <a:rPr lang="en-US" sz="1400" dirty="0" smtClean="0"/>
+              <a:t> </a:t>
+            </a:r>
+            <a:r>
+              <a:rPr lang="en-US" sz="1400" dirty="0" err="1" smtClean="0"/>
+              <a:t>tentang</a:t>
+            </a:r>
+            <a:r>
+              <a:rPr lang="en-US" sz="1400" dirty="0" smtClean="0"/>
+              <a:t> “</a:t>
+            </a:r>
+            <a:r>
+              <a:rPr lang="en-US" sz="1400" dirty="0" err="1" smtClean="0"/>
+              <a:t>Menggunakan</a:t>
+            </a:r>
+            <a:r>
+              <a:rPr lang="en-US" sz="1400" dirty="0" smtClean="0"/>
+              <a:t> Histogram Of Oriented Gradient (Hog) </a:t>
+            </a:r>
+            <a:r>
+              <a:rPr lang="en-US" sz="1400" dirty="0" err="1" smtClean="0"/>
+              <a:t>Untuk</a:t>
+            </a:r>
+            <a:r>
+              <a:rPr lang="en-US" sz="1400" dirty="0" smtClean="0"/>
+              <a:t> Model Smart </a:t>
+            </a:r>
+            <a:r>
+              <a:rPr lang="en-US" sz="1400" dirty="0" smtClean="0"/>
+              <a:t>Room”</a:t>
+            </a:r>
+            <a:endParaRPr lang="en-US" sz="1400" dirty="0">
+              <a:latin typeface="Baar Sophia" panose="00000400000000000000" pitchFamily="2" charset="0"/>
+              <a:cs typeface="Times New Roman" panose="02020603050405020304" pitchFamily="18" charset="0"/>
+            </a:endParaRPr>
+          </a:p>
+        </p:txBody>
+      </p:sp>
+      <p:sp>
+        <p:nvSpPr>
+          <p:cNvPr id="48" name="TextBox 47">
+            <a:extLst>
+              <a:ext uri="{FF2B5EF4-FFF2-40B4-BE49-F238E27FC236}">
+                <a16:creationId xmlns:a16="http://schemas.microsoft.com/office/drawing/2014/main" xmlns="" id="{89CD4ECE-4E7C-49CA-A56D-9BE7F676D6D6}"/>
+              </a:ext>
+            </a:extLst>
+          </p:cNvPr>
+          <p:cNvSpPr txBox="1"/>
+          <p:nvPr/>
+        </p:nvSpPr>
+        <p:spPr>
+          <a:xfrm>
+            <a:off x="1512026" y="2949364"/>
+            <a:ext cx="3247722" cy="738664"/>
+          </a:xfrm>
+          <a:prstGeom prst="rect">
+            <a:avLst/>
+          </a:prstGeom>
+          <a:noFill/>
+        </p:spPr>
+        <p:txBody>
+          <a:bodyPr wrap="square">
+            <a:spAutoFit/>
+          </a:bodyPr>
+          <a:lstStyle/>
+          <a:p>
+            <a:pPr algn="r"/>
+            <a:r>
+              <a:rPr lang="en-US" sz="1400" dirty="0" err="1" smtClean="0"/>
+              <a:t>Yoze</a:t>
+            </a:r>
+            <a:r>
+              <a:rPr lang="en-US" sz="1400" dirty="0" smtClean="0"/>
+              <a:t> </a:t>
+            </a:r>
+            <a:r>
+              <a:rPr lang="en-US" sz="1400" dirty="0" err="1" smtClean="0"/>
+              <a:t>Riski</a:t>
+            </a:r>
+            <a:r>
+              <a:rPr lang="en-US" sz="1400" dirty="0" smtClean="0"/>
+              <a:t>, </a:t>
+            </a:r>
+            <a:r>
+              <a:rPr lang="en-US" sz="1400" dirty="0" err="1" smtClean="0"/>
+              <a:t>tahun</a:t>
+            </a:r>
+            <a:r>
+              <a:rPr lang="en-US" sz="1400" dirty="0" smtClean="0"/>
+              <a:t> </a:t>
+            </a:r>
+            <a:r>
+              <a:rPr lang="en-US" sz="1400" dirty="0" smtClean="0"/>
+              <a:t>2021 </a:t>
+            </a:r>
+            <a:r>
+              <a:rPr lang="en-US" sz="1400" dirty="0" err="1" smtClean="0"/>
+              <a:t>meneliti</a:t>
+            </a:r>
+            <a:r>
+              <a:rPr lang="en-US" sz="1400" dirty="0" smtClean="0"/>
+              <a:t> </a:t>
+            </a:r>
+            <a:r>
+              <a:rPr lang="en-US" sz="1400" dirty="0" err="1" smtClean="0"/>
+              <a:t>tentang</a:t>
+            </a:r>
+            <a:r>
+              <a:rPr lang="en-US" sz="1400" dirty="0" smtClean="0"/>
+              <a:t> </a:t>
+            </a:r>
+            <a:r>
+              <a:rPr lang="en-US" sz="1400" dirty="0" smtClean="0"/>
+              <a:t>“</a:t>
+            </a:r>
+            <a:r>
+              <a:rPr lang="en-US" sz="1400" dirty="0" err="1" smtClean="0"/>
+              <a:t>Klasifikasi</a:t>
+            </a:r>
+            <a:r>
+              <a:rPr lang="en-US" sz="1400" dirty="0" smtClean="0"/>
+              <a:t> </a:t>
+            </a:r>
+            <a:r>
+              <a:rPr lang="en-US" sz="1400" dirty="0" err="1" smtClean="0"/>
+              <a:t>Pola</a:t>
+            </a:r>
+            <a:r>
+              <a:rPr lang="en-US" sz="1400" dirty="0" smtClean="0"/>
+              <a:t> </a:t>
+            </a:r>
+            <a:r>
+              <a:rPr lang="en-US" sz="1400" dirty="0" err="1" smtClean="0"/>
+              <a:t>Kain</a:t>
+            </a:r>
+            <a:r>
+              <a:rPr lang="en-US" sz="1400" dirty="0" smtClean="0"/>
+              <a:t> </a:t>
+            </a:r>
+            <a:r>
+              <a:rPr lang="en-US" sz="1400" dirty="0" err="1" smtClean="0"/>
+              <a:t>Tenun</a:t>
+            </a:r>
+            <a:r>
+              <a:rPr lang="en-US" sz="1400" dirty="0" smtClean="0"/>
+              <a:t> </a:t>
+            </a:r>
+            <a:r>
+              <a:rPr lang="en-US" sz="1400" dirty="0" err="1" smtClean="0"/>
+              <a:t>Melayu</a:t>
+            </a:r>
+            <a:r>
+              <a:rPr lang="en-US" sz="1400" dirty="0" smtClean="0"/>
+              <a:t> </a:t>
+            </a:r>
+            <a:r>
+              <a:rPr lang="en-US" sz="1400" dirty="0" err="1" smtClean="0"/>
+              <a:t>Menggunakan</a:t>
+            </a:r>
+            <a:r>
+              <a:rPr lang="en-US" sz="1400" dirty="0" smtClean="0"/>
+              <a:t> Faster R-CNN</a:t>
+            </a:r>
+            <a:r>
+              <a:rPr lang="en-US" sz="1400" i="1" dirty="0" smtClean="0"/>
+              <a:t>”</a:t>
+            </a:r>
+            <a:endParaRPr lang="en-US" sz="1400" dirty="0">
+              <a:latin typeface="Baar Sophia" panose="00000400000000000000" pitchFamily="2" charset="0"/>
+              <a:cs typeface="Times New Roman" panose="02020603050405020304" pitchFamily="18" charset="0"/>
+            </a:endParaRPr>
+          </a:p>
+        </p:txBody>
+      </p:sp>
+      <p:sp>
+        <p:nvSpPr>
+          <p:cNvPr id="49" name="TextBox 48">
+            <a:extLst>
+              <a:ext uri="{FF2B5EF4-FFF2-40B4-BE49-F238E27FC236}">
+                <a16:creationId xmlns:a16="http://schemas.microsoft.com/office/drawing/2014/main" xmlns="" id="{9006DD6E-875F-4BF1-90E9-1AAB55A2417A}"/>
+              </a:ext>
+            </a:extLst>
+          </p:cNvPr>
+          <p:cNvSpPr txBox="1"/>
+          <p:nvPr/>
+        </p:nvSpPr>
+        <p:spPr>
+          <a:xfrm>
+            <a:off x="1497481" y="3923090"/>
+            <a:ext cx="3247722" cy="1169551"/>
+          </a:xfrm>
+          <a:prstGeom prst="rect">
+            <a:avLst/>
+          </a:prstGeom>
+          <a:noFill/>
+        </p:spPr>
+        <p:txBody>
+          <a:bodyPr wrap="square">
+            <a:spAutoFit/>
+          </a:bodyPr>
+          <a:lstStyle/>
+          <a:p>
+            <a:pPr algn="r"/>
+            <a:r>
+              <a:rPr lang="en-US" sz="1400" dirty="0" err="1" smtClean="0"/>
+              <a:t>Mentari</a:t>
+            </a:r>
+            <a:r>
+              <a:rPr lang="en-US" sz="1400" dirty="0" smtClean="0"/>
+              <a:t> </a:t>
+            </a:r>
+            <a:r>
+              <a:rPr lang="en-US" sz="1400" dirty="0" err="1" smtClean="0"/>
+              <a:t>Adhatil</a:t>
+            </a:r>
+            <a:r>
+              <a:rPr lang="en-US" sz="1400" dirty="0" smtClean="0"/>
+              <a:t> </a:t>
+            </a:r>
+            <a:r>
+              <a:rPr lang="en-US" sz="1400" dirty="0" err="1" smtClean="0"/>
+              <a:t>Putri</a:t>
+            </a:r>
+            <a:r>
+              <a:rPr lang="en-US" sz="1400" dirty="0" smtClean="0"/>
+              <a:t> </a:t>
+            </a:r>
+            <a:r>
+              <a:rPr lang="en-US" sz="1400" dirty="0" err="1" smtClean="0"/>
+              <a:t>Dkk</a:t>
+            </a:r>
+            <a:r>
+              <a:rPr lang="en-US" sz="1400" dirty="0" smtClean="0"/>
+              <a:t>, </a:t>
+            </a:r>
+            <a:r>
+              <a:rPr lang="en-US" sz="1400" dirty="0" err="1" smtClean="0"/>
+              <a:t>tahun</a:t>
+            </a:r>
+            <a:r>
+              <a:rPr lang="en-US" sz="1400" dirty="0" smtClean="0"/>
+              <a:t> </a:t>
+            </a:r>
+            <a:r>
+              <a:rPr lang="en-US" sz="1400" dirty="0" smtClean="0"/>
+              <a:t>2015meneliti </a:t>
+            </a:r>
+            <a:r>
+              <a:rPr lang="en-US" sz="1400" dirty="0" err="1" smtClean="0"/>
+              <a:t>tentang</a:t>
+            </a:r>
+            <a:r>
+              <a:rPr lang="en-US" sz="1400" dirty="0" smtClean="0"/>
+              <a:t> </a:t>
+            </a:r>
+            <a:r>
+              <a:rPr lang="en-US" sz="1400" dirty="0" smtClean="0"/>
+              <a:t>“</a:t>
+            </a:r>
+            <a:r>
+              <a:rPr lang="en-US" sz="1400" i="1" dirty="0" err="1" smtClean="0"/>
+              <a:t>Rancang</a:t>
+            </a:r>
+            <a:r>
+              <a:rPr lang="en-US" sz="1400" i="1" dirty="0" smtClean="0"/>
+              <a:t> </a:t>
+            </a:r>
+            <a:r>
+              <a:rPr lang="en-US" sz="1400" i="1" dirty="0" err="1" smtClean="0"/>
+              <a:t>Bangun</a:t>
+            </a:r>
+            <a:r>
+              <a:rPr lang="en-US" sz="1400" i="1" dirty="0" smtClean="0"/>
+              <a:t> </a:t>
+            </a:r>
+            <a:r>
+              <a:rPr lang="en-US" sz="1400" i="1" dirty="0" err="1" smtClean="0"/>
+              <a:t>Alat</a:t>
+            </a:r>
+            <a:r>
+              <a:rPr lang="en-US" sz="1400" i="1" dirty="0" smtClean="0"/>
+              <a:t> </a:t>
+            </a:r>
+            <a:r>
+              <a:rPr lang="en-US" sz="1400" i="1" dirty="0" err="1" smtClean="0"/>
+              <a:t>Deteksi</a:t>
+            </a:r>
+            <a:r>
+              <a:rPr lang="en-US" sz="1400" i="1" dirty="0" smtClean="0"/>
+              <a:t> </a:t>
+            </a:r>
+            <a:r>
+              <a:rPr lang="en-US" sz="1400" i="1" dirty="0" err="1" smtClean="0"/>
+              <a:t>Uang</a:t>
+            </a:r>
+            <a:r>
+              <a:rPr lang="en-US" sz="1400" i="1" dirty="0" smtClean="0"/>
+              <a:t> </a:t>
+            </a:r>
+            <a:r>
+              <a:rPr lang="en-US" sz="1400" i="1" dirty="0" err="1" smtClean="0"/>
+              <a:t>Kertas</a:t>
+            </a:r>
+            <a:r>
+              <a:rPr lang="en-US" sz="1400" i="1" dirty="0" smtClean="0"/>
+              <a:t> </a:t>
+            </a:r>
+            <a:r>
+              <a:rPr lang="en-US" sz="1400" i="1" dirty="0" err="1" smtClean="0"/>
+              <a:t>Palsu</a:t>
+            </a:r>
+            <a:r>
+              <a:rPr lang="en-US" sz="1400" i="1" dirty="0" smtClean="0"/>
+              <a:t> </a:t>
+            </a:r>
+            <a:r>
+              <a:rPr lang="en-US" sz="1400" i="1" dirty="0" err="1" smtClean="0"/>
+              <a:t>Dengan</a:t>
+            </a:r>
+            <a:r>
+              <a:rPr lang="en-US" sz="1400" i="1" dirty="0" smtClean="0"/>
+              <a:t> </a:t>
+            </a:r>
+            <a:r>
+              <a:rPr lang="en-US" sz="1400" i="1" dirty="0" err="1" smtClean="0"/>
+              <a:t>Metode</a:t>
+            </a:r>
+            <a:r>
+              <a:rPr lang="en-US" sz="1400" i="1" dirty="0" smtClean="0"/>
+              <a:t> Template Machine </a:t>
+            </a:r>
+            <a:r>
+              <a:rPr lang="en-US" sz="1400" i="1" dirty="0" err="1" smtClean="0"/>
+              <a:t>Menggunakan</a:t>
+            </a:r>
+            <a:r>
+              <a:rPr lang="en-US" sz="1400" i="1" dirty="0" smtClean="0"/>
+              <a:t> Rasp Berry PI</a:t>
+            </a:r>
+            <a:r>
+              <a:rPr lang="en-US" sz="1400" i="1" dirty="0" smtClean="0"/>
+              <a:t>”</a:t>
+            </a:r>
+            <a:endParaRPr lang="en-US" sz="1400" dirty="0">
+              <a:latin typeface="Baar Sophia" panose="00000400000000000000" pitchFamily="2" charset="0"/>
+              <a:cs typeface="Times New Roman" panose="02020603050405020304" pitchFamily="18" charset="0"/>
+            </a:endParaRPr>
+          </a:p>
+        </p:txBody>
+      </p:sp>
+      <p:sp>
+        <p:nvSpPr>
+          <p:cNvPr id="50" name="TextBox 49">
+            <a:extLst>
+              <a:ext uri="{FF2B5EF4-FFF2-40B4-BE49-F238E27FC236}">
+                <a16:creationId xmlns:a16="http://schemas.microsoft.com/office/drawing/2014/main" xmlns="" id="{D2E670C7-3D18-446A-BD4D-B74FD5E3B866}"/>
+              </a:ext>
+            </a:extLst>
+          </p:cNvPr>
+          <p:cNvSpPr txBox="1"/>
+          <p:nvPr/>
+        </p:nvSpPr>
+        <p:spPr>
+          <a:xfrm>
+            <a:off x="8623056" y="2105467"/>
+            <a:ext cx="3247722" cy="954107"/>
+          </a:xfrm>
+          <a:prstGeom prst="rect">
+            <a:avLst/>
+          </a:prstGeom>
+          <a:noFill/>
+        </p:spPr>
+        <p:txBody>
+          <a:bodyPr wrap="square">
+            <a:spAutoFit/>
+          </a:bodyPr>
+          <a:lstStyle/>
+          <a:p>
+            <a:r>
+              <a:rPr lang="en-US" sz="1400" dirty="0" err="1" smtClean="0"/>
+              <a:t>Yoze</a:t>
+            </a:r>
+            <a:r>
+              <a:rPr lang="en-US" sz="1400" dirty="0" smtClean="0"/>
+              <a:t> </a:t>
+            </a:r>
+            <a:r>
+              <a:rPr lang="en-US" sz="1400" dirty="0" err="1" smtClean="0"/>
+              <a:t>Riski</a:t>
+            </a:r>
+            <a:r>
+              <a:rPr lang="en-US" sz="1400" dirty="0" smtClean="0"/>
+              <a:t>, </a:t>
+            </a:r>
+            <a:r>
+              <a:rPr lang="en-US" sz="1400" dirty="0" err="1" smtClean="0"/>
+              <a:t>tahun</a:t>
+            </a:r>
+            <a:r>
+              <a:rPr lang="en-US" sz="1400" dirty="0" smtClean="0"/>
+              <a:t> </a:t>
+            </a:r>
+            <a:r>
+              <a:rPr lang="en-US" sz="1400" dirty="0" smtClean="0"/>
+              <a:t>2019 </a:t>
+            </a:r>
+            <a:r>
+              <a:rPr lang="en-US" sz="1400" dirty="0" err="1" smtClean="0"/>
+              <a:t>meneliti</a:t>
+            </a:r>
+            <a:r>
+              <a:rPr lang="en-US" sz="1400" dirty="0" smtClean="0"/>
+              <a:t> </a:t>
+            </a:r>
+            <a:r>
+              <a:rPr lang="en-US" sz="1400" dirty="0" err="1" smtClean="0"/>
+              <a:t>tentang</a:t>
+            </a:r>
+            <a:r>
+              <a:rPr lang="en-US" sz="1400" dirty="0" smtClean="0"/>
+              <a:t> </a:t>
+            </a:r>
+            <a:r>
+              <a:rPr lang="en-US" sz="1400" dirty="0" smtClean="0"/>
+              <a:t>“</a:t>
+            </a:r>
+            <a:r>
+              <a:rPr lang="en-US" sz="1400" dirty="0" err="1" smtClean="0"/>
+              <a:t>Rancang</a:t>
+            </a:r>
+            <a:r>
+              <a:rPr lang="en-US" sz="1400" dirty="0" smtClean="0"/>
+              <a:t> </a:t>
+            </a:r>
+            <a:r>
+              <a:rPr lang="en-US" sz="1400" dirty="0" err="1" smtClean="0"/>
+              <a:t>Bangun</a:t>
+            </a:r>
+            <a:r>
+              <a:rPr lang="en-US" sz="1400" dirty="0" smtClean="0"/>
+              <a:t> </a:t>
+            </a:r>
+            <a:r>
+              <a:rPr lang="en-US" sz="1400" dirty="0" err="1" smtClean="0"/>
+              <a:t>Klasifikasi</a:t>
+            </a:r>
+            <a:r>
+              <a:rPr lang="en-US" sz="1400" dirty="0" smtClean="0"/>
+              <a:t> Citra </a:t>
+            </a:r>
+            <a:r>
+              <a:rPr lang="en-US" sz="1400" dirty="0" err="1" smtClean="0"/>
+              <a:t>DenganTeknologi</a:t>
+            </a:r>
+            <a:r>
+              <a:rPr lang="en-US" sz="1400" dirty="0" smtClean="0"/>
+              <a:t> Deep Learning </a:t>
+            </a:r>
+            <a:r>
+              <a:rPr lang="en-US" sz="1400" dirty="0" err="1" smtClean="0"/>
+              <a:t>Berbasis</a:t>
+            </a:r>
+            <a:r>
+              <a:rPr lang="en-US" sz="1400" dirty="0" smtClean="0"/>
+              <a:t> </a:t>
+            </a:r>
+            <a:r>
+              <a:rPr lang="en-US" sz="1400" dirty="0" err="1" smtClean="0"/>
+              <a:t>Metode</a:t>
+            </a:r>
+            <a:r>
+              <a:rPr lang="en-US" sz="1400" dirty="0" smtClean="0"/>
+              <a:t> </a:t>
+            </a:r>
+            <a:r>
+              <a:rPr lang="en-US" sz="1400" dirty="0" err="1" smtClean="0"/>
+              <a:t>Convolutional</a:t>
+            </a:r>
+            <a:r>
+              <a:rPr lang="en-US" sz="1400" dirty="0" smtClean="0"/>
+              <a:t> Neural </a:t>
+            </a:r>
+            <a:r>
+              <a:rPr lang="en-US" sz="1400" dirty="0" smtClean="0"/>
+              <a:t>Network”</a:t>
+            </a:r>
+            <a:endParaRPr lang="en-US" sz="1400" dirty="0">
+              <a:latin typeface="Baar Sophia" panose="00000400000000000000" pitchFamily="2" charset="0"/>
+              <a:cs typeface="Times New Roman" panose="02020603050405020304" pitchFamily="18" charset="0"/>
+            </a:endParaRPr>
+          </a:p>
+        </p:txBody>
+      </p:sp>
+      <p:sp>
+        <p:nvSpPr>
+          <p:cNvPr id="51" name="TextBox 50">
+            <a:extLst>
+              <a:ext uri="{FF2B5EF4-FFF2-40B4-BE49-F238E27FC236}">
+                <a16:creationId xmlns:a16="http://schemas.microsoft.com/office/drawing/2014/main" xmlns="" id="{4C3B8061-F5D6-4821-8523-2FDD3C86165C}"/>
+              </a:ext>
+            </a:extLst>
+          </p:cNvPr>
+          <p:cNvSpPr txBox="1"/>
+          <p:nvPr/>
+        </p:nvSpPr>
+        <p:spPr>
+          <a:xfrm>
+            <a:off x="8638141" y="3259988"/>
+            <a:ext cx="3247722" cy="1169551"/>
+          </a:xfrm>
+          <a:prstGeom prst="rect">
+            <a:avLst/>
+          </a:prstGeom>
+          <a:noFill/>
+        </p:spPr>
+        <p:txBody>
+          <a:bodyPr wrap="square">
+            <a:spAutoFit/>
+          </a:bodyPr>
+          <a:lstStyle/>
+          <a:p>
+            <a:r>
+              <a:rPr lang="en-US" sz="1400" dirty="0" err="1" smtClean="0"/>
+              <a:t>Rendika</a:t>
+            </a:r>
+            <a:r>
+              <a:rPr lang="en-US" sz="1400" dirty="0" smtClean="0"/>
+              <a:t> </a:t>
+            </a:r>
+            <a:r>
+              <a:rPr lang="en-US" sz="1400" dirty="0" err="1" smtClean="0"/>
+              <a:t>Perlyanza</a:t>
+            </a:r>
+            <a:r>
+              <a:rPr lang="en-US" sz="1400" dirty="0" err="1" smtClean="0"/>
+              <a:t>i</a:t>
+            </a:r>
+            <a:r>
+              <a:rPr lang="en-US" sz="1400" dirty="0" smtClean="0"/>
+              <a:t>, </a:t>
+            </a:r>
+            <a:r>
+              <a:rPr lang="en-US" sz="1400" dirty="0" err="1" smtClean="0"/>
+              <a:t>tahun</a:t>
+            </a:r>
+            <a:r>
+              <a:rPr lang="en-US" sz="1400" dirty="0" smtClean="0"/>
+              <a:t> </a:t>
+            </a:r>
+            <a:r>
+              <a:rPr lang="en-US" sz="1400" dirty="0" smtClean="0"/>
+              <a:t>2018 </a:t>
+            </a:r>
+            <a:r>
+              <a:rPr lang="en-US" sz="1400" dirty="0" err="1" smtClean="0"/>
+              <a:t>meneliti</a:t>
+            </a:r>
+            <a:r>
+              <a:rPr lang="en-US" sz="1400" dirty="0" smtClean="0"/>
+              <a:t> </a:t>
+            </a:r>
+            <a:r>
+              <a:rPr lang="en-US" sz="1400" dirty="0" err="1" smtClean="0"/>
+              <a:t>tentang</a:t>
+            </a:r>
+            <a:r>
+              <a:rPr lang="en-US" sz="1400" dirty="0" smtClean="0"/>
+              <a:t> </a:t>
+            </a:r>
+            <a:r>
+              <a:rPr lang="en-US" sz="1400" dirty="0" smtClean="0"/>
+              <a:t>“</a:t>
+            </a:r>
+            <a:r>
+              <a:rPr lang="en-US" sz="1400" i="1" dirty="0" err="1" smtClean="0"/>
+              <a:t>Identifikasi</a:t>
+            </a:r>
+            <a:r>
+              <a:rPr lang="en-US" sz="1400" i="1" dirty="0" smtClean="0"/>
+              <a:t> Nominal Mata </a:t>
+            </a:r>
+            <a:r>
+              <a:rPr lang="en-US" sz="1400" i="1" dirty="0" err="1" smtClean="0"/>
+              <a:t>Uang</a:t>
+            </a:r>
+            <a:r>
+              <a:rPr lang="en-US" sz="1400" i="1" dirty="0" smtClean="0"/>
+              <a:t> </a:t>
+            </a:r>
+            <a:r>
+              <a:rPr lang="en-US" sz="1400" i="1" dirty="0" err="1" smtClean="0"/>
+              <a:t>Kertas</a:t>
+            </a:r>
+            <a:r>
+              <a:rPr lang="en-US" sz="1400" i="1" dirty="0" smtClean="0"/>
+              <a:t> </a:t>
+            </a:r>
+            <a:r>
+              <a:rPr lang="en-US" sz="1400" i="1" dirty="0" err="1" smtClean="0"/>
+              <a:t>Dengan</a:t>
+            </a:r>
+            <a:r>
+              <a:rPr lang="en-US" sz="1400" i="1" dirty="0" smtClean="0"/>
+              <a:t> </a:t>
+            </a:r>
+            <a:r>
+              <a:rPr lang="en-US" sz="1400" i="1" dirty="0" err="1" smtClean="0"/>
+              <a:t>Jaringan</a:t>
+            </a:r>
+            <a:r>
+              <a:rPr lang="en-US" sz="1400" i="1" dirty="0" smtClean="0"/>
+              <a:t> </a:t>
+            </a:r>
+            <a:r>
+              <a:rPr lang="en-US" sz="1400" i="1" dirty="0" err="1" smtClean="0"/>
+              <a:t>Syaraf</a:t>
+            </a:r>
+            <a:r>
+              <a:rPr lang="en-US" sz="1400" i="1" dirty="0" smtClean="0"/>
+              <a:t> </a:t>
+            </a:r>
+            <a:r>
+              <a:rPr lang="en-US" sz="1400" i="1" dirty="0" err="1" smtClean="0"/>
+              <a:t>Tiruan</a:t>
+            </a:r>
+            <a:r>
+              <a:rPr lang="en-US" sz="1400" i="1" dirty="0" smtClean="0"/>
+              <a:t> </a:t>
+            </a:r>
+            <a:r>
+              <a:rPr lang="en-US" sz="1400" i="1" dirty="0" err="1" smtClean="0"/>
+              <a:t>Menggunakan</a:t>
+            </a:r>
+            <a:r>
+              <a:rPr lang="en-US" sz="1400" i="1" dirty="0" smtClean="0"/>
+              <a:t> </a:t>
+            </a:r>
+            <a:r>
+              <a:rPr lang="en-US" sz="1400" i="1" dirty="0" err="1" smtClean="0"/>
+              <a:t>Meodelogi</a:t>
+            </a:r>
+            <a:r>
+              <a:rPr lang="en-US" sz="1400" i="1" dirty="0" smtClean="0"/>
+              <a:t> </a:t>
+            </a:r>
+            <a:r>
+              <a:rPr lang="en-US" sz="1400" i="1" dirty="0" err="1" smtClean="0"/>
+              <a:t>Backpropagation</a:t>
+            </a:r>
+            <a:r>
+              <a:rPr lang="en-US" sz="1400" i="1" dirty="0" smtClean="0"/>
+              <a:t>”</a:t>
+            </a:r>
+            <a:endParaRPr lang="en-US" sz="1400" dirty="0">
+              <a:latin typeface="Baar Sophia" panose="00000400000000000000" pitchFamily="2" charset="0"/>
+              <a:cs typeface="Times New Roman" panose="02020603050405020304" pitchFamily="18" charset="0"/>
+            </a:endParaRPr>
+          </a:p>
+        </p:txBody>
+      </p:sp>
+      <p:sp>
+        <p:nvSpPr>
+          <p:cNvPr id="54" name="Rectangle: Rounded Corners 21">
+            <a:hlinkClick r:id="rId10" action="ppaction://hlinksldjump"/>
+            <a:extLst>
+              <a:ext uri="{FF2B5EF4-FFF2-40B4-BE49-F238E27FC236}">
+                <a16:creationId xmlns:a16="http://schemas.microsoft.com/office/drawing/2014/main" xmlns="" id="{5E95E8E1-387E-40EC-B637-CDAEE41DEEB7}"/>
+              </a:ext>
+            </a:extLst>
+          </p:cNvPr>
+          <p:cNvSpPr/>
+          <p:nvPr/>
+        </p:nvSpPr>
+        <p:spPr>
+          <a:xfrm>
+            <a:off x="10056440" y="143154"/>
+            <a:ext cx="1815352" cy="430306"/>
+          </a:xfrm>
+          <a:prstGeom prst="roundRect">
+            <a:avLst>
+              <a:gd name="adj" fmla="val 50000"/>
+            </a:avLst>
+          </a:prstGeom>
+          <a:solidFill>
+            <a:srgbClr val="B0A999"/>
+          </a:solidFill>
+          <a:ln w="28575">
+            <a:solidFill>
+              <a:schemeClr val="bg1"/>
+            </a:solidFill>
+          </a:ln>
+        </p:spPr>
+        <p:style>
+          <a:lnRef idx="2">
+            <a:schemeClr val="accent1">
+              <a:shade val="50000"/>
+            </a:schemeClr>
+          </a:lnRef>
+          <a:fillRef idx="1">
+            <a:schemeClr val="accent1"/>
+          </a:fillRef>
+          <a:effectRef idx="0">
+            <a:schemeClr val="accent1"/>
+          </a:effectRef>
+          <a:fontRef idx="minor">
+            <a:schemeClr val="lt1"/>
+          </a:fontRef>
+        </p:style>
+        <p:txBody>
+          <a:bodyPr rtlCol="0" anchor="ctr"/>
+          <a:lstStyle/>
+          <a:p>
+            <a:pPr algn="ctr"/>
+            <a:r>
+              <a:rPr lang="en-US" sz="1400" b="1" dirty="0" err="1" smtClean="0">
+                <a:solidFill>
+                  <a:schemeClr val="bg1"/>
+                </a:solidFill>
+                <a:latin typeface="Baar Sophia" panose="00000400000000000000" pitchFamily="2" charset="0"/>
+              </a:rPr>
+              <a:t>Penelitian</a:t>
+            </a:r>
+            <a:r>
+              <a:rPr lang="en-US" sz="1400" b="1" dirty="0">
+                <a:solidFill>
+                  <a:schemeClr val="bg1"/>
+                </a:solidFill>
+                <a:latin typeface="Baar Sophia" panose="00000400000000000000" pitchFamily="2" charset="0"/>
+              </a:rPr>
+              <a:t> </a:t>
+            </a:r>
+            <a:r>
+              <a:rPr lang="en-US" sz="1400" b="1" dirty="0" err="1" smtClean="0">
+                <a:solidFill>
+                  <a:schemeClr val="bg1"/>
+                </a:solidFill>
+                <a:latin typeface="Baar Sophia" panose="00000400000000000000" pitchFamily="2" charset="0"/>
+              </a:rPr>
+              <a:t>Terkait</a:t>
+            </a:r>
+            <a:endParaRPr lang="en-US" sz="1400" b="1" dirty="0" smtClean="0">
+              <a:solidFill>
+                <a:schemeClr val="bg1"/>
+              </a:solidFill>
+              <a:latin typeface="Baar Sophia" panose="00000400000000000000" pitchFamily="2" charset="0"/>
+            </a:endParaRPr>
+          </a:p>
+        </p:txBody>
+      </p:sp>
+    </p:spTree>
+    <p:extLst>
+      <p:ext uri="{BB962C8B-B14F-4D97-AF65-F5344CB8AC3E}">
+        <p14:creationId xmlns:p14="http://schemas.microsoft.com/office/powerpoint/2010/main" xmlns="" val="2771061011"/>
+      </p:ext>
+    </p:extLst>
+  </p:cSld>
+  <p:clrMapOvr>
+    <a:masterClrMapping/>
+  </p:clrMapOvr>
+  <p:timing>
+    <p:tnLst>
+      <p:par>
+        <p:cTn id="1" dur="indefinite" restart="never" nodeType="tmRoot">
+          <p:childTnLst>
+            <p:seq concurrent="1" nextAc="seek">
+              <p:cTn id="2" dur="indefinite" nodeType="mainSeq">
+                <p:childTnLst>
+                  <p:par>
+                    <p:cTn id="3" fill="hold">
+                      <p:stCondLst>
+                        <p:cond delay="indefinite"/>
+                        <p:cond evt="onBegin" delay="0">
+                          <p:tn val="2"/>
+                        </p:cond>
+                      </p:stCondLst>
+                      <p:childTnLst>
+                        <p:par>
+                          <p:cTn id="4" fill="hold">
+                            <p:stCondLst>
+                              <p:cond delay="0"/>
+                            </p:stCondLst>
+                            <p:childTnLst>
+                              <p:par>
+                                <p:cTn id="5" presetID="22" presetClass="entr" presetSubtype="4" fill="hold" grpId="0" nodeType="afterEffect">
+                                  <p:stCondLst>
+                                    <p:cond delay="0"/>
+                                  </p:stCondLst>
+                                  <p:childTnLst>
+                                    <p:set>
+                                      <p:cBhvr>
+                                        <p:cTn id="6" dur="1" fill="hold">
+                                          <p:stCondLst>
+                                            <p:cond delay="0"/>
+                                          </p:stCondLst>
+                                        </p:cTn>
+                                        <p:tgtEl>
+                                          <p:spTgt spid="47"/>
+                                        </p:tgtEl>
+                                        <p:attrNameLst>
+                                          <p:attrName>style.visibility</p:attrName>
+                                        </p:attrNameLst>
+                                      </p:cBhvr>
+                                      <p:to>
+                                        <p:strVal val="visible"/>
+                                      </p:to>
+                                    </p:set>
+                                    <p:animEffect transition="in" filter="wipe(down)">
+                                      <p:cBhvr>
+                                        <p:cTn id="7" dur="250"/>
+                                        <p:tgtEl>
+                                          <p:spTgt spid="47"/>
+                                        </p:tgtEl>
+                                      </p:cBhvr>
+                                    </p:animEffect>
+                                  </p:childTnLst>
+                                </p:cTn>
+                              </p:par>
+                            </p:childTnLst>
+                          </p:cTn>
+                        </p:par>
+                        <p:par>
+                          <p:cTn id="8" fill="hold">
+                            <p:stCondLst>
+                              <p:cond delay="250"/>
+                            </p:stCondLst>
+                            <p:childTnLst>
+                              <p:par>
+                                <p:cTn id="9" presetID="22" presetClass="entr" presetSubtype="4" fill="hold" grpId="0" nodeType="afterEffect">
+                                  <p:stCondLst>
+                                    <p:cond delay="0"/>
+                                  </p:stCondLst>
+                                  <p:childTnLst>
+                                    <p:set>
+                                      <p:cBhvr>
+                                        <p:cTn id="10" dur="1" fill="hold">
+                                          <p:stCondLst>
+                                            <p:cond delay="0"/>
+                                          </p:stCondLst>
+                                        </p:cTn>
+                                        <p:tgtEl>
+                                          <p:spTgt spid="48"/>
+                                        </p:tgtEl>
+                                        <p:attrNameLst>
+                                          <p:attrName>style.visibility</p:attrName>
+                                        </p:attrNameLst>
+                                      </p:cBhvr>
+                                      <p:to>
+                                        <p:strVal val="visible"/>
+                                      </p:to>
+                                    </p:set>
+                                    <p:animEffect transition="in" filter="wipe(down)">
+                                      <p:cBhvr>
+                                        <p:cTn id="11" dur="250"/>
+                                        <p:tgtEl>
+                                          <p:spTgt spid="48"/>
+                                        </p:tgtEl>
+                                      </p:cBhvr>
+                                    </p:animEffect>
+                                  </p:childTnLst>
+                                </p:cTn>
+                              </p:par>
+                            </p:childTnLst>
+                          </p:cTn>
+                        </p:par>
+                        <p:par>
+                          <p:cTn id="12" fill="hold">
+                            <p:stCondLst>
+                              <p:cond delay="500"/>
+                            </p:stCondLst>
+                            <p:childTnLst>
+                              <p:par>
+                                <p:cTn id="13" presetID="22" presetClass="entr" presetSubtype="4" fill="hold" grpId="0" nodeType="afterEffect">
+                                  <p:stCondLst>
+                                    <p:cond delay="0"/>
+                                  </p:stCondLst>
+                                  <p:childTnLst>
+                                    <p:set>
+                                      <p:cBhvr>
+                                        <p:cTn id="14" dur="1" fill="hold">
+                                          <p:stCondLst>
+                                            <p:cond delay="0"/>
+                                          </p:stCondLst>
+                                        </p:cTn>
+                                        <p:tgtEl>
+                                          <p:spTgt spid="49"/>
+                                        </p:tgtEl>
+                                        <p:attrNameLst>
+                                          <p:attrName>style.visibility</p:attrName>
+                                        </p:attrNameLst>
+                                      </p:cBhvr>
+                                      <p:to>
+                                        <p:strVal val="visible"/>
+                                      </p:to>
+                                    </p:set>
+                                    <p:animEffect transition="in" filter="wipe(down)">
+                                      <p:cBhvr>
+                                        <p:cTn id="15" dur="250"/>
+                                        <p:tgtEl>
+                                          <p:spTgt spid="49"/>
+                                        </p:tgtEl>
+                                      </p:cBhvr>
+                                    </p:animEffect>
+                                  </p:childTnLst>
+                                </p:cTn>
+                              </p:par>
+                            </p:childTnLst>
+                          </p:cTn>
+                        </p:par>
+                        <p:par>
+                          <p:cTn id="16" fill="hold">
+                            <p:stCondLst>
+                              <p:cond delay="750"/>
+                            </p:stCondLst>
+                            <p:childTnLst>
+                              <p:par>
+                                <p:cTn id="17" presetID="22" presetClass="entr" presetSubtype="4" fill="hold" grpId="0" nodeType="afterEffect">
+                                  <p:stCondLst>
+                                    <p:cond delay="0"/>
+                                  </p:stCondLst>
+                                  <p:childTnLst>
+                                    <p:set>
+                                      <p:cBhvr>
+                                        <p:cTn id="18" dur="1" fill="hold">
+                                          <p:stCondLst>
+                                            <p:cond delay="0"/>
+                                          </p:stCondLst>
+                                        </p:cTn>
+                                        <p:tgtEl>
+                                          <p:spTgt spid="50"/>
+                                        </p:tgtEl>
+                                        <p:attrNameLst>
+                                          <p:attrName>style.visibility</p:attrName>
+                                        </p:attrNameLst>
+                                      </p:cBhvr>
+                                      <p:to>
+                                        <p:strVal val="visible"/>
+                                      </p:to>
+                                    </p:set>
+                                    <p:animEffect transition="in" filter="wipe(down)">
+                                      <p:cBhvr>
+                                        <p:cTn id="19" dur="250"/>
+                                        <p:tgtEl>
+                                          <p:spTgt spid="50"/>
+                                        </p:tgtEl>
+                                      </p:cBhvr>
+                                    </p:animEffect>
+                                  </p:childTnLst>
+                                </p:cTn>
+                              </p:par>
+                            </p:childTnLst>
+                          </p:cTn>
+                        </p:par>
+                        <p:par>
+                          <p:cTn id="20" fill="hold">
+                            <p:stCondLst>
+                              <p:cond delay="1000"/>
+                            </p:stCondLst>
+                            <p:childTnLst>
+                              <p:par>
+                                <p:cTn id="21" presetID="22" presetClass="entr" presetSubtype="4" fill="hold" grpId="0" nodeType="afterEffect">
+                                  <p:stCondLst>
+                                    <p:cond delay="0"/>
+                                  </p:stCondLst>
+                                  <p:childTnLst>
+                                    <p:set>
+                                      <p:cBhvr>
+                                        <p:cTn id="22" dur="1" fill="hold">
+                                          <p:stCondLst>
+                                            <p:cond delay="0"/>
+                                          </p:stCondLst>
+                                        </p:cTn>
+                                        <p:tgtEl>
+                                          <p:spTgt spid="51"/>
+                                        </p:tgtEl>
+                                        <p:attrNameLst>
+                                          <p:attrName>style.visibility</p:attrName>
+                                        </p:attrNameLst>
+                                      </p:cBhvr>
+                                      <p:to>
+                                        <p:strVal val="visible"/>
+                                      </p:to>
+                                    </p:set>
+                                    <p:animEffect transition="in" filter="wipe(down)">
+                                      <p:cBhvr>
+                                        <p:cTn id="23" dur="250"/>
+                                        <p:tgtEl>
+                                          <p:spTgt spid="51"/>
+                                        </p:tgtEl>
+                                      </p:cBhvr>
+                                    </p:animEffect>
+                                  </p:childTnLst>
+                                </p:cTn>
+                              </p:par>
+                            </p:childTnLst>
+                          </p:cTn>
+                        </p:par>
+                      </p:childTnLst>
+                    </p:cTn>
+                  </p:par>
+                </p:childTnLst>
+              </p:cTn>
+              <p:prevCondLst>
+                <p:cond evt="onPrev" delay="0">
+                  <p:tgtEl>
+                    <p:sldTgt/>
+                  </p:tgtEl>
+                </p:cond>
+              </p:prevCondLst>
+              <p:nextCondLst>
+                <p:cond evt="onNext" delay="0">
+                  <p:tgtEl>
+                    <p:sldTgt/>
+                  </p:tgtEl>
+                </p:cond>
+              </p:nextCondLst>
+            </p:seq>
+          </p:childTnLst>
+        </p:cTn>
+      </p:par>
+    </p:tnLst>
+    <p:bldLst>
+      <p:bldP spid="47" grpId="0"/>
+      <p:bldP spid="48" grpId="0"/>
+      <p:bldP spid="49" grpId="0"/>
+      <p:bldP spid="50" grpId="0"/>
+      <p:bldP spid="51" grpId="0"/>
+    </p:bldLst>
+  </p:timing>
+</p:sld>
+</file>
+
+<file path=ppt/slides/slide7.xml><?xml version="1.0" encoding="utf-8"?>
+<p:sld xmlns:a="http://schemas.openxmlformats.org/drawingml/2006/main" xmlns:r="http://schemas.openxmlformats.org/officeDocument/2006/relationships" xmlns:p="http://schemas.openxmlformats.org/presentationml/2006/main">
+  <p:cSld>
+    <p:bg>
+      <p:bgPr>
+        <a:solidFill>
+          <a:srgbClr val="C8CCBC"/>
+        </a:solidFill>
+        <a:effectLst/>
+      </p:bgPr>
+    </p:bg>
+    <p:spTree>
+      <p:nvGrpSpPr>
+        <p:cNvPr id="1" name=""/>
+        <p:cNvGrpSpPr/>
+        <p:nvPr/>
+      </p:nvGrpSpPr>
+      <p:grpSpPr>
+        <a:xfrm>
+          <a:off x="0" y="0"/>
+          <a:ext cx="0" cy="0"/>
+          <a:chOff x="0" y="0"/>
+          <a:chExt cx="0" cy="0"/>
+        </a:xfrm>
+      </p:grpSpPr>
+      <p:sp>
+        <p:nvSpPr>
           <p:cNvPr id="21" name="Freeform: Shape 20">
             <a:extLst>
               <a:ext uri="{FF2B5EF4-FFF2-40B4-BE49-F238E27FC236}">
-                <a16:creationId xmlns="" xmlns:a16="http://schemas.microsoft.com/office/drawing/2014/main" id="{E675EB99-923C-43CF-B036-9D0F2C027C31}"/>
+                <a16:creationId xmlns:a16="http://schemas.microsoft.com/office/drawing/2014/main" xmlns="" id="{E675EB99-923C-43CF-B036-9D0F2C027C31}"/>
               </a:ext>
             </a:extLst>
           </p:cNvPr>
@@ -12521,7 +16207,7 @@
             <a:hlinkClick r:id="rId2" action="ppaction://hlinksldjump"/>
             <a:extLst>
               <a:ext uri="{FF2B5EF4-FFF2-40B4-BE49-F238E27FC236}">
-                <a16:creationId xmlns="" xmlns:a16="http://schemas.microsoft.com/office/drawing/2014/main" id="{CC91FEBB-74C1-4EED-A735-A310E0D5F636}"/>
+                <a16:creationId xmlns:a16="http://schemas.microsoft.com/office/drawing/2014/main" xmlns="" id="{CC91FEBB-74C1-4EED-A735-A310E0D5F636}"/>
               </a:ext>
             </a:extLst>
           </p:cNvPr>
@@ -12564,7 +16250,7 @@
             <a:hlinkClick r:id="rId3" action="ppaction://hlinksldjump"/>
             <a:extLst>
               <a:ext uri="{FF2B5EF4-FFF2-40B4-BE49-F238E27FC236}">
-                <a16:creationId xmlns="" xmlns:a16="http://schemas.microsoft.com/office/drawing/2014/main" id="{9450BCCA-836D-4BF4-9193-3F720FF3D925}"/>
+                <a16:creationId xmlns:a16="http://schemas.microsoft.com/office/drawing/2014/main" xmlns="" id="{9450BCCA-836D-4BF4-9193-3F720FF3D925}"/>
               </a:ext>
             </a:extLst>
           </p:cNvPr>
@@ -12606,7 +16292,7 @@
           <p:cNvPr id="22" name="Oval 21">
             <a:extLst>
               <a:ext uri="{FF2B5EF4-FFF2-40B4-BE49-F238E27FC236}">
-                <a16:creationId xmlns="" xmlns:a16="http://schemas.microsoft.com/office/drawing/2014/main" id="{62E6C44E-69A0-4B05-B7B2-5D643029C5CB}"/>
+                <a16:creationId xmlns:a16="http://schemas.microsoft.com/office/drawing/2014/main" xmlns="" id="{62E6C44E-69A0-4B05-B7B2-5D643029C5CB}"/>
               </a:ext>
             </a:extLst>
           </p:cNvPr>
@@ -12669,7 +16355,7 @@
           <p:cNvPr id="23" name="Rectangle: Rounded Corners 22">
             <a:extLst>
               <a:ext uri="{FF2B5EF4-FFF2-40B4-BE49-F238E27FC236}">
-                <a16:creationId xmlns="" xmlns:a16="http://schemas.microsoft.com/office/drawing/2014/main" id="{2FC0330E-A7A3-4B86-AD6C-0560B26084E8}"/>
+                <a16:creationId xmlns:a16="http://schemas.microsoft.com/office/drawing/2014/main" xmlns="" id="{2FC0330E-A7A3-4B86-AD6C-0560B26084E8}"/>
               </a:ext>
             </a:extLst>
           </p:cNvPr>
@@ -12725,7 +16411,7 @@
           <p:cNvPr id="24" name="TextBox 23">
             <a:extLst>
               <a:ext uri="{FF2B5EF4-FFF2-40B4-BE49-F238E27FC236}">
-                <a16:creationId xmlns="" xmlns:a16="http://schemas.microsoft.com/office/drawing/2014/main" id="{688A8610-2F13-48EB-9279-A4F2F4EA1F85}"/>
+                <a16:creationId xmlns:a16="http://schemas.microsoft.com/office/drawing/2014/main" xmlns="" id="{688A8610-2F13-48EB-9279-A4F2F4EA1F85}"/>
               </a:ext>
             </a:extLst>
           </p:cNvPr>
@@ -12764,7 +16450,7 @@
             <a:hlinkClick r:id="rId4" action="ppaction://hlinksldjump"/>
             <a:extLst>
               <a:ext uri="{FF2B5EF4-FFF2-40B4-BE49-F238E27FC236}">
-                <a16:creationId xmlns="" xmlns:a16="http://schemas.microsoft.com/office/drawing/2014/main" id="{74EFB888-34FE-4E92-995A-760DFE30C78E}"/>
+                <a16:creationId xmlns:a16="http://schemas.microsoft.com/office/drawing/2014/main" xmlns="" id="{74EFB888-34FE-4E92-995A-760DFE30C78E}"/>
               </a:ext>
             </a:extLst>
           </p:cNvPr>
@@ -12852,7 +16538,7 @@
           <p:cNvPr id="30" name="Picture 29">
             <a:extLst>
               <a:ext uri="{FF2B5EF4-FFF2-40B4-BE49-F238E27FC236}">
-                <a16:creationId xmlns="" xmlns:a16="http://schemas.microsoft.com/office/drawing/2014/main" id="{7109D594-CFA9-48B9-9145-C024C8CE2C3E}"/>
+                <a16:creationId xmlns:a16="http://schemas.microsoft.com/office/drawing/2014/main" xmlns="" id="{7109D594-CFA9-48B9-9145-C024C8CE2C3E}"/>
               </a:ext>
             </a:extLst>
           </p:cNvPr>
@@ -12865,7 +16551,7 @@
           <a:blip r:embed="rId5">
             <a:extLst>
               <a:ext uri="{28A0092B-C50C-407E-A947-70E740481C1C}">
-                <a14:useLocalDpi xmlns="" xmlns:a14="http://schemas.microsoft.com/office/drawing/2010/main" val="0"/>
+                <a14:useLocalDpi xmlns:a14="http://schemas.microsoft.com/office/drawing/2010/main" xmlns="" val="0"/>
               </a:ext>
             </a:extLst>
           </a:blip>
@@ -12910,7 +16596,7 @@
     </p:spTree>
     <p:extLst>
       <p:ext uri="{BB962C8B-B14F-4D97-AF65-F5344CB8AC3E}">
-        <p14:creationId xmlns="" xmlns:p14="http://schemas.microsoft.com/office/powerpoint/2010/main" val="610248739"/>
+        <p14:creationId xmlns:p14="http://schemas.microsoft.com/office/powerpoint/2010/main" xmlns="" val="610248739"/>
       </p:ext>
     </p:extLst>
   </p:cSld>
@@ -12927,7 +16613,7 @@
 </p:sld>
 </file>
 
-<file path=ppt/slides/slide7.xml><?xml version="1.0" encoding="utf-8"?>
+<file path=ppt/slides/slide8.xml><?xml version="1.0" encoding="utf-8"?>
 <p:sld xmlns:a="http://schemas.openxmlformats.org/drawingml/2006/main" xmlns:r="http://schemas.openxmlformats.org/officeDocument/2006/relationships" xmlns:p="http://schemas.openxmlformats.org/presentationml/2006/main">
   <p:cSld>
     <p:bg>
@@ -12957,7 +16643,7 @@
           <p:cNvPr id="23" name="Rectangle: Rounded Corners 22">
             <a:extLst>
               <a:ext uri="{FF2B5EF4-FFF2-40B4-BE49-F238E27FC236}">
-                <a16:creationId xmlns="" xmlns:a16="http://schemas.microsoft.com/office/drawing/2014/main" id="{2FC0330E-A7A3-4B86-AD6C-0560B26084E8}"/>
+                <a16:creationId xmlns:a16="http://schemas.microsoft.com/office/drawing/2014/main" xmlns="" id="{2FC0330E-A7A3-4B86-AD6C-0560B26084E8}"/>
               </a:ext>
             </a:extLst>
           </p:cNvPr>
@@ -13013,7 +16699,7 @@
           <p:cNvPr id="24" name="TextBox 23">
             <a:extLst>
               <a:ext uri="{FF2B5EF4-FFF2-40B4-BE49-F238E27FC236}">
-                <a16:creationId xmlns="" xmlns:a16="http://schemas.microsoft.com/office/drawing/2014/main" id="{688A8610-2F13-48EB-9279-A4F2F4EA1F85}"/>
+                <a16:creationId xmlns:a16="http://schemas.microsoft.com/office/drawing/2014/main" xmlns="" id="{688A8610-2F13-48EB-9279-A4F2F4EA1F85}"/>
               </a:ext>
             </a:extLst>
           </p:cNvPr>
@@ -13055,7 +16741,7 @@
             <a:hlinkClick r:id="rId2" action="ppaction://hlinksldjump"/>
             <a:extLst>
               <a:ext uri="{FF2B5EF4-FFF2-40B4-BE49-F238E27FC236}">
-                <a16:creationId xmlns="" xmlns:a16="http://schemas.microsoft.com/office/drawing/2014/main" id="{74EFB888-34FE-4E92-995A-760DFE30C78E}"/>
+                <a16:creationId xmlns:a16="http://schemas.microsoft.com/office/drawing/2014/main" xmlns="" id="{74EFB888-34FE-4E92-995A-760DFE30C78E}"/>
               </a:ext>
             </a:extLst>
           </p:cNvPr>
@@ -13144,7 +16830,7 @@
             <a:hlinkClick r:id="rId3" action="ppaction://hlinksldjump"/>
             <a:extLst>
               <a:ext uri="{FF2B5EF4-FFF2-40B4-BE49-F238E27FC236}">
-                <a16:creationId xmlns="" xmlns:a16="http://schemas.microsoft.com/office/drawing/2014/main" id="{37287FED-EF68-4CAE-89C4-65FC296B7312}"/>
+                <a16:creationId xmlns:a16="http://schemas.microsoft.com/office/drawing/2014/main" xmlns="" id="{37287FED-EF68-4CAE-89C4-65FC296B7312}"/>
               </a:ext>
             </a:extLst>
           </p:cNvPr>
@@ -13251,7 +16937,7 @@
             <a:hlinkClick r:id="rId4" action="ppaction://hlinksldjump"/>
             <a:extLst>
               <a:ext uri="{FF2B5EF4-FFF2-40B4-BE49-F238E27FC236}">
-                <a16:creationId xmlns="" xmlns:a16="http://schemas.microsoft.com/office/drawing/2014/main" id="{A7336044-B58E-47D2-9E0D-789E1F1F18CA}"/>
+                <a16:creationId xmlns:a16="http://schemas.microsoft.com/office/drawing/2014/main" xmlns="" id="{A7336044-B58E-47D2-9E0D-789E1F1F18CA}"/>
               </a:ext>
             </a:extLst>
           </p:cNvPr>
@@ -13357,7 +17043,7 @@
           <p:cNvPr id="14" name="Picture 13">
             <a:extLst>
               <a:ext uri="{FF2B5EF4-FFF2-40B4-BE49-F238E27FC236}">
-                <a16:creationId xmlns="" xmlns:a16="http://schemas.microsoft.com/office/drawing/2014/main" id="{B5B0AE92-26B8-4086-A341-6E7B62EDDA1E}"/>
+                <a16:creationId xmlns:a16="http://schemas.microsoft.com/office/drawing/2014/main" xmlns="" id="{B5B0AE92-26B8-4086-A341-6E7B62EDDA1E}"/>
               </a:ext>
             </a:extLst>
           </p:cNvPr>
@@ -13370,7 +17056,7 @@
           <a:blip r:embed="rId5">
             <a:extLst>
               <a:ext uri="{28A0092B-C50C-407E-A947-70E740481C1C}">
-                <a14:useLocalDpi xmlns="" xmlns:a14="http://schemas.microsoft.com/office/drawing/2010/main" val="0"/>
+                <a14:useLocalDpi xmlns:a14="http://schemas.microsoft.com/office/drawing/2010/main" xmlns="" val="0"/>
               </a:ext>
             </a:extLst>
           </a:blip>
@@ -13393,7 +17079,7 @@
           <p:cNvPr id="15" name="Rectangle: Rounded Corners 199">
             <a:extLst>
               <a:ext uri="{FF2B5EF4-FFF2-40B4-BE49-F238E27FC236}">
-                <a16:creationId xmlns="" xmlns:a16="http://schemas.microsoft.com/office/drawing/2014/main" id="{42C23AC0-E256-4EAB-93C0-0923C122DE47}"/>
+                <a16:creationId xmlns:a16="http://schemas.microsoft.com/office/drawing/2014/main" xmlns="" id="{42C23AC0-E256-4EAB-93C0-0923C122DE47}"/>
               </a:ext>
             </a:extLst>
           </p:cNvPr>
@@ -13447,7 +17133,7 @@
           <p:cNvPr id="16" name="Rectangle: Rounded Corners 200">
             <a:extLst>
               <a:ext uri="{FF2B5EF4-FFF2-40B4-BE49-F238E27FC236}">
-                <a16:creationId xmlns="" xmlns:a16="http://schemas.microsoft.com/office/drawing/2014/main" id="{A8D4E15D-0853-49B6-835D-E4B795A8A6AE}"/>
+                <a16:creationId xmlns:a16="http://schemas.microsoft.com/office/drawing/2014/main" xmlns="" id="{A8D4E15D-0853-49B6-835D-E4B795A8A6AE}"/>
               </a:ext>
             </a:extLst>
           </p:cNvPr>
@@ -13702,7 +17388,7 @@
           <p:cNvPr id="17" name="Rectangle: Rounded Corners 199">
             <a:extLst>
               <a:ext uri="{FF2B5EF4-FFF2-40B4-BE49-F238E27FC236}">
-                <a16:creationId xmlns="" xmlns:a16="http://schemas.microsoft.com/office/drawing/2014/main" id="{42C23AC0-E256-4EAB-93C0-0923C122DE47}"/>
+                <a16:creationId xmlns:a16="http://schemas.microsoft.com/office/drawing/2014/main" xmlns="" id="{42C23AC0-E256-4EAB-93C0-0923C122DE47}"/>
               </a:ext>
             </a:extLst>
           </p:cNvPr>
@@ -13756,7 +17442,7 @@
           <p:cNvPr id="18" name="Rectangle: Rounded Corners 200">
             <a:extLst>
               <a:ext uri="{FF2B5EF4-FFF2-40B4-BE49-F238E27FC236}">
-                <a16:creationId xmlns="" xmlns:a16="http://schemas.microsoft.com/office/drawing/2014/main" id="{A8D4E15D-0853-49B6-835D-E4B795A8A6AE}"/>
+                <a16:creationId xmlns:a16="http://schemas.microsoft.com/office/drawing/2014/main" xmlns="" id="{A8D4E15D-0853-49B6-835D-E4B795A8A6AE}"/>
               </a:ext>
             </a:extLst>
           </p:cNvPr>
@@ -13918,7 +17604,7 @@
           <p:cNvPr id="30" name="Rectangle 29">
             <a:extLst>
               <a:ext uri="{FF2B5EF4-FFF2-40B4-BE49-F238E27FC236}">
-                <a16:creationId xmlns="" xmlns:a16="http://schemas.microsoft.com/office/drawing/2014/main" id="{76822F3C-B466-43FF-9B84-7F3A146EA12A}"/>
+                <a16:creationId xmlns:a16="http://schemas.microsoft.com/office/drawing/2014/main" xmlns="" id="{76822F3C-B466-43FF-9B84-7F3A146EA12A}"/>
               </a:ext>
             </a:extLst>
           </p:cNvPr>
@@ -14243,7 +17929,7 @@
           <p:cNvPr id="31" name="Freeform: Shape 20">
             <a:extLst>
               <a:ext uri="{FF2B5EF4-FFF2-40B4-BE49-F238E27FC236}">
-                <a16:creationId xmlns="" xmlns:a16="http://schemas.microsoft.com/office/drawing/2014/main" id="{B285ACEB-2229-4721-9F8A-CBFFAFC59184}"/>
+                <a16:creationId xmlns:a16="http://schemas.microsoft.com/office/drawing/2014/main" xmlns="" id="{B285ACEB-2229-4721-9F8A-CBFFAFC59184}"/>
               </a:ext>
             </a:extLst>
           </p:cNvPr>
@@ -14387,7 +18073,7 @@
             <a:hlinkClick r:id="rId4" action="ppaction://hlinksldjump"/>
             <a:extLst>
               <a:ext uri="{FF2B5EF4-FFF2-40B4-BE49-F238E27FC236}">
-                <a16:creationId xmlns="" xmlns:a16="http://schemas.microsoft.com/office/drawing/2014/main" id="{B0B257EE-741D-439C-A8DC-45D4DFA89BE8}"/>
+                <a16:creationId xmlns:a16="http://schemas.microsoft.com/office/drawing/2014/main" xmlns="" id="{B0B257EE-741D-439C-A8DC-45D4DFA89BE8}"/>
               </a:ext>
             </a:extLst>
           </p:cNvPr>
@@ -14434,7 +18120,7 @@
             <a:hlinkClick r:id="rId6" action="ppaction://hlinksldjump"/>
             <a:extLst>
               <a:ext uri="{FF2B5EF4-FFF2-40B4-BE49-F238E27FC236}">
-                <a16:creationId xmlns="" xmlns:a16="http://schemas.microsoft.com/office/drawing/2014/main" id="{9450BCCA-836D-4BF4-9193-3F720FF3D925}"/>
+                <a16:creationId xmlns:a16="http://schemas.microsoft.com/office/drawing/2014/main" xmlns="" id="{9450BCCA-836D-4BF4-9193-3F720FF3D925}"/>
               </a:ext>
             </a:extLst>
           </p:cNvPr>
@@ -14476,7 +18162,7 @@
           <p:cNvPr id="34" name="Oval 33">
             <a:extLst>
               <a:ext uri="{FF2B5EF4-FFF2-40B4-BE49-F238E27FC236}">
-                <a16:creationId xmlns="" xmlns:a16="http://schemas.microsoft.com/office/drawing/2014/main" id="{8A5094CC-CFDB-4BC3-8531-F1A57092FC71}"/>
+                <a16:creationId xmlns:a16="http://schemas.microsoft.com/office/drawing/2014/main" xmlns="" id="{8A5094CC-CFDB-4BC3-8531-F1A57092FC71}"/>
               </a:ext>
             </a:extLst>
           </p:cNvPr>
@@ -14537,7 +18223,7 @@
     </p:spTree>
     <p:extLst>
       <p:ext uri="{BB962C8B-B14F-4D97-AF65-F5344CB8AC3E}">
-        <p14:creationId xmlns="" xmlns:p14="http://schemas.microsoft.com/office/powerpoint/2010/main" val="4284906953"/>
+        <p14:creationId xmlns:p14="http://schemas.microsoft.com/office/powerpoint/2010/main" xmlns="" val="4284906953"/>
       </p:ext>
     </p:extLst>
   </p:cSld>
@@ -14771,7 +18457,7 @@
 </p:sld>
 </file>
 
-<file path=ppt/slides/slide8.xml><?xml version="1.0" encoding="utf-8"?>
+<file path=ppt/slides/slide9.xml><?xml version="1.0" encoding="utf-8"?>
 <p:sld xmlns:a="http://schemas.openxmlformats.org/drawingml/2006/main" xmlns:r="http://schemas.openxmlformats.org/officeDocument/2006/relationships" xmlns:p="http://schemas.openxmlformats.org/presentationml/2006/main">
   <p:cSld>
     <p:bg>
@@ -14801,7 +18487,7 @@
           <p:cNvPr id="21" name="Freeform: Shape 20">
             <a:extLst>
               <a:ext uri="{FF2B5EF4-FFF2-40B4-BE49-F238E27FC236}">
-                <a16:creationId xmlns="" xmlns:a16="http://schemas.microsoft.com/office/drawing/2014/main" id="{B285ACEB-2229-4721-9F8A-CBFFAFC59184}"/>
+                <a16:creationId xmlns:a16="http://schemas.microsoft.com/office/drawing/2014/main" xmlns="" id="{B285ACEB-2229-4721-9F8A-CBFFAFC59184}"/>
               </a:ext>
             </a:extLst>
           </p:cNvPr>
@@ -14945,7 +18631,7 @@
             <a:hlinkClick r:id="rId2" action="ppaction://hlinksldjump"/>
             <a:extLst>
               <a:ext uri="{FF2B5EF4-FFF2-40B4-BE49-F238E27FC236}">
-                <a16:creationId xmlns="" xmlns:a16="http://schemas.microsoft.com/office/drawing/2014/main" id="{B0B257EE-741D-439C-A8DC-45D4DFA89BE8}"/>
+                <a16:creationId xmlns:a16="http://schemas.microsoft.com/office/drawing/2014/main" xmlns="" id="{B0B257EE-741D-439C-A8DC-45D4DFA89BE8}"/>
               </a:ext>
             </a:extLst>
           </p:cNvPr>
@@ -14992,7 +18678,7 @@
             <a:hlinkClick r:id="rId3" action="ppaction://hlinksldjump"/>
             <a:extLst>
               <a:ext uri="{FF2B5EF4-FFF2-40B4-BE49-F238E27FC236}">
-                <a16:creationId xmlns="" xmlns:a16="http://schemas.microsoft.com/office/drawing/2014/main" id="{9450BCCA-836D-4BF4-9193-3F720FF3D925}"/>
+                <a16:creationId xmlns:a16="http://schemas.microsoft.com/office/drawing/2014/main" xmlns="" id="{9450BCCA-836D-4BF4-9193-3F720FF3D925}"/>
               </a:ext>
             </a:extLst>
           </p:cNvPr>
@@ -15034,7 +18720,7 @@
           <p:cNvPr id="22" name="Oval 21">
             <a:extLst>
               <a:ext uri="{FF2B5EF4-FFF2-40B4-BE49-F238E27FC236}">
-                <a16:creationId xmlns="" xmlns:a16="http://schemas.microsoft.com/office/drawing/2014/main" id="{8A5094CC-CFDB-4BC3-8531-F1A57092FC71}"/>
+                <a16:creationId xmlns:a16="http://schemas.microsoft.com/office/drawing/2014/main" xmlns="" id="{8A5094CC-CFDB-4BC3-8531-F1A57092FC71}"/>
               </a:ext>
             </a:extLst>
           </p:cNvPr>
@@ -15097,7 +18783,7 @@
           <p:cNvPr id="23" name="Rectangle: Rounded Corners 22">
             <a:extLst>
               <a:ext uri="{FF2B5EF4-FFF2-40B4-BE49-F238E27FC236}">
-                <a16:creationId xmlns="" xmlns:a16="http://schemas.microsoft.com/office/drawing/2014/main" id="{F8F628A2-20B4-432C-975C-85D3F68FE530}"/>
+                <a16:creationId xmlns:a16="http://schemas.microsoft.com/office/drawing/2014/main" xmlns="" id="{F8F628A2-20B4-432C-975C-85D3F68FE530}"/>
               </a:ext>
             </a:extLst>
           </p:cNvPr>
@@ -15153,7 +18839,7 @@
           <p:cNvPr id="24" name="TextBox 23">
             <a:extLst>
               <a:ext uri="{FF2B5EF4-FFF2-40B4-BE49-F238E27FC236}">
-                <a16:creationId xmlns="" xmlns:a16="http://schemas.microsoft.com/office/drawing/2014/main" id="{0A381ADD-61DA-41C7-B10B-D68527C8D0B1}"/>
+                <a16:creationId xmlns:a16="http://schemas.microsoft.com/office/drawing/2014/main" xmlns="" id="{0A381ADD-61DA-41C7-B10B-D68527C8D0B1}"/>
               </a:ext>
             </a:extLst>
           </p:cNvPr>
@@ -15230,7 +18916,7 @@
           <p:cNvPr id="2" name="Rectangle: Rounded Corners 1">
             <a:extLst>
               <a:ext uri="{FF2B5EF4-FFF2-40B4-BE49-F238E27FC236}">
-                <a16:creationId xmlns="" xmlns:a16="http://schemas.microsoft.com/office/drawing/2014/main" id="{28575957-0AFE-4B92-B95E-63704498E048}"/>
+                <a16:creationId xmlns:a16="http://schemas.microsoft.com/office/drawing/2014/main" xmlns="" id="{28575957-0AFE-4B92-B95E-63704498E048}"/>
               </a:ext>
             </a:extLst>
           </p:cNvPr>
@@ -15675,7 +19361,7 @@
           <p:cNvPr id="16" name="Picture 15">
             <a:extLst>
               <a:ext uri="{FF2B5EF4-FFF2-40B4-BE49-F238E27FC236}">
-                <a16:creationId xmlns="" xmlns:a16="http://schemas.microsoft.com/office/drawing/2014/main" id="{50DE0DDE-A7B1-4219-A5AD-D942907271FD}"/>
+                <a16:creationId xmlns:a16="http://schemas.microsoft.com/office/drawing/2014/main" xmlns="" id="{50DE0DDE-A7B1-4219-A5AD-D942907271FD}"/>
               </a:ext>
             </a:extLst>
           </p:cNvPr>
@@ -15688,7 +19374,7 @@
           <a:blip r:embed="rId4">
             <a:extLst>
               <a:ext uri="{28A0092B-C50C-407E-A947-70E740481C1C}">
-                <a14:useLocalDpi xmlns="" xmlns:a14="http://schemas.microsoft.com/office/drawing/2010/main" val="0"/>
+                <a14:useLocalDpi xmlns:a14="http://schemas.microsoft.com/office/drawing/2010/main" xmlns="" val="0"/>
               </a:ext>
             </a:extLst>
           </a:blip>
@@ -15759,7 +19445,7 @@
           <p:cNvPr id="30" name="Picture 29">
             <a:extLst>
               <a:ext uri="{FF2B5EF4-FFF2-40B4-BE49-F238E27FC236}">
-                <a16:creationId xmlns="" xmlns:a16="http://schemas.microsoft.com/office/drawing/2014/main" id="{F70BB104-7C4D-43BD-89AB-08420C3F9D11}"/>
+                <a16:creationId xmlns:a16="http://schemas.microsoft.com/office/drawing/2014/main" xmlns="" id="{F70BB104-7C4D-43BD-89AB-08420C3F9D11}"/>
               </a:ext>
             </a:extLst>
           </p:cNvPr>
@@ -15779,7 +19465,7 @@
             </a:duotone>
             <a:extLst>
               <a:ext uri="{28A0092B-C50C-407E-A947-70E740481C1C}">
-                <a14:useLocalDpi xmlns="" xmlns:a14="http://schemas.microsoft.com/office/drawing/2010/main" val="0"/>
+                <a14:useLocalDpi xmlns:a14="http://schemas.microsoft.com/office/drawing/2010/main" xmlns="" val="0"/>
               </a:ext>
             </a:extLst>
           </a:blip>
@@ -15803,7 +19489,7 @@
             <a:hlinkClick r:id="rId8" action="ppaction://hlinksldjump"/>
             <a:extLst>
               <a:ext uri="{FF2B5EF4-FFF2-40B4-BE49-F238E27FC236}">
-                <a16:creationId xmlns="" xmlns:a16="http://schemas.microsoft.com/office/drawing/2014/main" id="{74EFB888-34FE-4E92-995A-760DFE30C78E}"/>
+                <a16:creationId xmlns:a16="http://schemas.microsoft.com/office/drawing/2014/main" xmlns="" id="{74EFB888-34FE-4E92-995A-760DFE30C78E}"/>
               </a:ext>
             </a:extLst>
           </p:cNvPr>
@@ -15892,7 +19578,7 @@
             <a:hlinkClick r:id="rId9" action="ppaction://hlinksldjump"/>
             <a:extLst>
               <a:ext uri="{FF2B5EF4-FFF2-40B4-BE49-F238E27FC236}">
-                <a16:creationId xmlns="" xmlns:a16="http://schemas.microsoft.com/office/drawing/2014/main" id="{37287FED-EF68-4CAE-89C4-65FC296B7312}"/>
+                <a16:creationId xmlns:a16="http://schemas.microsoft.com/office/drawing/2014/main" xmlns="" id="{37287FED-EF68-4CAE-89C4-65FC296B7312}"/>
               </a:ext>
             </a:extLst>
           </p:cNvPr>
@@ -15999,7 +19685,7 @@
             <a:hlinkClick r:id="rId2" action="ppaction://hlinksldjump"/>
             <a:extLst>
               <a:ext uri="{FF2B5EF4-FFF2-40B4-BE49-F238E27FC236}">
-                <a16:creationId xmlns="" xmlns:a16="http://schemas.microsoft.com/office/drawing/2014/main" id="{A7336044-B58E-47D2-9E0D-789E1F1F18CA}"/>
+                <a16:creationId xmlns:a16="http://schemas.microsoft.com/office/drawing/2014/main" xmlns="" id="{A7336044-B58E-47D2-9E0D-789E1F1F18CA}"/>
               </a:ext>
             </a:extLst>
           </p:cNvPr>
@@ -16103,7 +19789,7 @@
     </p:spTree>
     <p:extLst>
       <p:ext uri="{BB962C8B-B14F-4D97-AF65-F5344CB8AC3E}">
-        <p14:creationId xmlns="" xmlns:p14="http://schemas.microsoft.com/office/powerpoint/2010/main" val="243074868"/>
+        <p14:creationId xmlns:p14="http://schemas.microsoft.com/office/powerpoint/2010/main" xmlns="" val="243074868"/>
       </p:ext>
     </p:extLst>
   </p:cSld>
@@ -16345,819 +20031,6 @@
             </p:seq>
           </p:childTnLst>
         </p:cTn>
-      </p:par>
-    </p:tnLst>
-  </p:timing>
-</p:sld>
-</file>
-
-<file path=ppt/slides/slide9.xml><?xml version="1.0" encoding="utf-8"?>
-<p:sld xmlns:a="http://schemas.openxmlformats.org/drawingml/2006/main" xmlns:r="http://schemas.openxmlformats.org/officeDocument/2006/relationships" xmlns:p="http://schemas.openxmlformats.org/presentationml/2006/main">
-  <p:cSld>
-    <p:bg>
-      <p:bgPr>
-        <a:solidFill>
-          <a:srgbClr val="C8CCBC"/>
-        </a:solidFill>
-        <a:effectLst/>
-      </p:bgPr>
-    </p:bg>
-    <p:spTree>
-      <p:nvGrpSpPr>
-        <p:cNvPr id="1" name=""/>
-        <p:cNvGrpSpPr/>
-        <p:nvPr/>
-      </p:nvGrpSpPr>
-      <p:grpSpPr>
-        <a:xfrm>
-          <a:off x="0" y="0"/>
-          <a:ext cx="0" cy="0"/>
-          <a:chOff x="0" y="0"/>
-          <a:chExt cx="0" cy="0"/>
-        </a:xfrm>
-      </p:grpSpPr>
-      <p:sp>
-        <p:nvSpPr>
-          <p:cNvPr id="21" name="Freeform: Shape 20">
-            <a:extLst>
-              <a:ext uri="{FF2B5EF4-FFF2-40B4-BE49-F238E27FC236}">
-                <a16:creationId xmlns="" xmlns:a16="http://schemas.microsoft.com/office/drawing/2014/main" id="{B285ACEB-2229-4721-9F8A-CBFFAFC59184}"/>
-              </a:ext>
-            </a:extLst>
-          </p:cNvPr>
-          <p:cNvSpPr/>
-          <p:nvPr/>
-        </p:nvSpPr>
-        <p:spPr>
-          <a:xfrm>
-            <a:off x="1" y="0"/>
-            <a:ext cx="793376" cy="6858000"/>
-          </a:xfrm>
-          <a:custGeom>
-            <a:avLst/>
-            <a:gdLst>
-              <a:gd name="connsiteX0" fmla="*/ 0 w 793376"/>
-              <a:gd name="connsiteY0" fmla="*/ 0 h 6858000"/>
-              <a:gd name="connsiteX1" fmla="*/ 793376 w 793376"/>
-              <a:gd name="connsiteY1" fmla="*/ 0 h 6858000"/>
-              <a:gd name="connsiteX2" fmla="*/ 793376 w 793376"/>
-              <a:gd name="connsiteY2" fmla="*/ 5156331 h 6858000"/>
-              <a:gd name="connsiteX3" fmla="*/ 749784 w 793376"/>
-              <a:gd name="connsiteY3" fmla="*/ 5160693 h 6858000"/>
-              <a:gd name="connsiteX4" fmla="*/ 392778 w 793376"/>
-              <a:gd name="connsiteY4" fmla="*/ 5595431 h 6858000"/>
-              <a:gd name="connsiteX5" fmla="*/ 749784 w 793376"/>
-              <a:gd name="connsiteY5" fmla="*/ 6030170 h 6858000"/>
-              <a:gd name="connsiteX6" fmla="*/ 793376 w 793376"/>
-              <a:gd name="connsiteY6" fmla="*/ 6034531 h 6858000"/>
-              <a:gd name="connsiteX7" fmla="*/ 793376 w 793376"/>
-              <a:gd name="connsiteY7" fmla="*/ 6858000 h 6858000"/>
-              <a:gd name="connsiteX8" fmla="*/ 0 w 793376"/>
-              <a:gd name="connsiteY8" fmla="*/ 6858000 h 6858000"/>
-            </a:gdLst>
-            <a:ahLst/>
-            <a:cxnLst>
-              <a:cxn ang="0">
-                <a:pos x="connsiteX0" y="connsiteY0"/>
-              </a:cxn>
-              <a:cxn ang="0">
-                <a:pos x="connsiteX1" y="connsiteY1"/>
-              </a:cxn>
-              <a:cxn ang="0">
-                <a:pos x="connsiteX2" y="connsiteY2"/>
-              </a:cxn>
-              <a:cxn ang="0">
-                <a:pos x="connsiteX3" y="connsiteY3"/>
-              </a:cxn>
-              <a:cxn ang="0">
-                <a:pos x="connsiteX4" y="connsiteY4"/>
-              </a:cxn>
-              <a:cxn ang="0">
-                <a:pos x="connsiteX5" y="connsiteY5"/>
-              </a:cxn>
-              <a:cxn ang="0">
-                <a:pos x="connsiteX6" y="connsiteY6"/>
-              </a:cxn>
-              <a:cxn ang="0">
-                <a:pos x="connsiteX7" y="connsiteY7"/>
-              </a:cxn>
-              <a:cxn ang="0">
-                <a:pos x="connsiteX8" y="connsiteY8"/>
-              </a:cxn>
-            </a:cxnLst>
-            <a:rect l="l" t="t" r="r" b="b"/>
-            <a:pathLst>
-              <a:path w="793376" h="6858000">
-                <a:moveTo>
-                  <a:pt x="0" y="0"/>
-                </a:moveTo>
-                <a:lnTo>
-                  <a:pt x="793376" y="0"/>
-                </a:lnTo>
-                <a:lnTo>
-                  <a:pt x="793376" y="5156331"/>
-                </a:lnTo>
-                <a:lnTo>
-                  <a:pt x="749784" y="5160693"/>
-                </a:lnTo>
-                <a:cubicBezTo>
-                  <a:pt x="546041" y="5202071"/>
-                  <a:pt x="392778" y="5380987"/>
-                  <a:pt x="392778" y="5595431"/>
-                </a:cubicBezTo>
-                <a:cubicBezTo>
-                  <a:pt x="392778" y="5809875"/>
-                  <a:pt x="546041" y="5988791"/>
-                  <a:pt x="749784" y="6030170"/>
-                </a:cubicBezTo>
-                <a:lnTo>
-                  <a:pt x="793376" y="6034531"/>
-                </a:lnTo>
-                <a:lnTo>
-                  <a:pt x="793376" y="6858000"/>
-                </a:lnTo>
-                <a:lnTo>
-                  <a:pt x="0" y="6858000"/>
-                </a:lnTo>
-                <a:close/>
-              </a:path>
-            </a:pathLst>
-          </a:custGeom>
-          <a:solidFill>
-            <a:schemeClr val="bg1"/>
-          </a:solidFill>
-          <a:ln>
-            <a:solidFill>
-              <a:schemeClr val="bg1"/>
-            </a:solidFill>
-          </a:ln>
-        </p:spPr>
-        <p:style>
-          <a:lnRef idx="2">
-            <a:schemeClr val="accent1">
-              <a:shade val="50000"/>
-            </a:schemeClr>
-          </a:lnRef>
-          <a:fillRef idx="1">
-            <a:schemeClr val="accent1"/>
-          </a:fillRef>
-          <a:effectRef idx="0">
-            <a:schemeClr val="accent1"/>
-          </a:effectRef>
-          <a:fontRef idx="minor">
-            <a:schemeClr val="lt1"/>
-          </a:fontRef>
-        </p:style>
-        <p:txBody>
-          <a:bodyPr wrap="square" rtlCol="0" anchor="ctr">
-            <a:noAutofit/>
-          </a:bodyPr>
-          <a:lstStyle/>
-          <a:p>
-            <a:pPr algn="ctr"/>
-            <a:endParaRPr lang="en-US"/>
-          </a:p>
-        </p:txBody>
-      </p:sp>
-      <p:sp>
-        <p:nvSpPr>
-          <p:cNvPr id="18" name="TextBox 17">
-            <a:hlinkClick r:id="rId2" action="ppaction://hlinksldjump"/>
-            <a:extLst>
-              <a:ext uri="{FF2B5EF4-FFF2-40B4-BE49-F238E27FC236}">
-                <a16:creationId xmlns="" xmlns:a16="http://schemas.microsoft.com/office/drawing/2014/main" id="{B0B257EE-741D-439C-A8DC-45D4DFA89BE8}"/>
-              </a:ext>
-            </a:extLst>
-          </p:cNvPr>
-          <p:cNvSpPr txBox="1"/>
-          <p:nvPr/>
-        </p:nvSpPr>
-        <p:spPr>
-          <a:xfrm>
-            <a:off x="93034" y="3200399"/>
-            <a:ext cx="607309" cy="584775"/>
-          </a:xfrm>
-          <a:prstGeom prst="rect">
-            <a:avLst/>
-          </a:prstGeom>
-          <a:noFill/>
-        </p:spPr>
-        <p:txBody>
-          <a:bodyPr wrap="square">
-            <a:spAutoFit/>
-          </a:bodyPr>
-          <a:lstStyle/>
-          <a:p>
-            <a:pPr algn="ctr"/>
-            <a:r>
-              <a:rPr lang="en-US" sz="3200" dirty="0">
-                <a:latin typeface="Comic Sans MS" panose="030F0702030302020204" pitchFamily="66" charset="0"/>
-                <a:cs typeface="Arabic Typesetting" panose="03020402040406030203" pitchFamily="66" charset="-78"/>
-              </a:rPr>
-              <a:t>2</a:t>
-            </a:r>
-            <a:endParaRPr lang="en-US" sz="3200" dirty="0">
-              <a:solidFill>
-                <a:schemeClr val="tx1"/>
-              </a:solidFill>
-              <a:latin typeface="Comic Sans MS" panose="030F0702030302020204" pitchFamily="66" charset="0"/>
-              <a:cs typeface="Arabic Typesetting" panose="03020402040406030203" pitchFamily="66" charset="-78"/>
-            </a:endParaRPr>
-          </a:p>
-        </p:txBody>
-      </p:sp>
-      <p:sp>
-        <p:nvSpPr>
-          <p:cNvPr id="20" name="TextBox 19">
-            <a:hlinkClick r:id="rId3" action="ppaction://hlinksldjump"/>
-            <a:extLst>
-              <a:ext uri="{FF2B5EF4-FFF2-40B4-BE49-F238E27FC236}">
-                <a16:creationId xmlns="" xmlns:a16="http://schemas.microsoft.com/office/drawing/2014/main" id="{9450BCCA-836D-4BF4-9193-3F720FF3D925}"/>
-              </a:ext>
-            </a:extLst>
-          </p:cNvPr>
-          <p:cNvSpPr txBox="1"/>
-          <p:nvPr/>
-        </p:nvSpPr>
-        <p:spPr>
-          <a:xfrm>
-            <a:off x="93033" y="1307812"/>
-            <a:ext cx="607309" cy="584775"/>
-          </a:xfrm>
-          <a:prstGeom prst="rect">
-            <a:avLst/>
-          </a:prstGeom>
-          <a:noFill/>
-        </p:spPr>
-        <p:txBody>
-          <a:bodyPr wrap="square">
-            <a:spAutoFit/>
-          </a:bodyPr>
-          <a:lstStyle/>
-          <a:p>
-            <a:pPr algn="ctr"/>
-            <a:r>
-              <a:rPr lang="en-US" sz="3200" dirty="0">
-                <a:solidFill>
-                  <a:schemeClr val="tx1"/>
-                </a:solidFill>
-                <a:latin typeface="Comic Sans MS" panose="030F0702030302020204" pitchFamily="66" charset="0"/>
-                <a:cs typeface="Arabic Typesetting" panose="03020402040406030203" pitchFamily="66" charset="-78"/>
-              </a:rPr>
-              <a:t>1</a:t>
-            </a:r>
-          </a:p>
-        </p:txBody>
-      </p:sp>
-      <p:sp>
-        <p:nvSpPr>
-          <p:cNvPr id="22" name="Oval 21">
-            <a:extLst>
-              <a:ext uri="{FF2B5EF4-FFF2-40B4-BE49-F238E27FC236}">
-                <a16:creationId xmlns="" xmlns:a16="http://schemas.microsoft.com/office/drawing/2014/main" id="{8A5094CC-CFDB-4BC3-8531-F1A57092FC71}"/>
-              </a:ext>
-            </a:extLst>
-          </p:cNvPr>
-          <p:cNvSpPr/>
-          <p:nvPr/>
-        </p:nvSpPr>
-        <p:spPr>
-          <a:xfrm>
-            <a:off x="489722" y="5218913"/>
-            <a:ext cx="793376" cy="753035"/>
-          </a:xfrm>
-          <a:prstGeom prst="ellipse">
-            <a:avLst/>
-          </a:prstGeom>
-          <a:solidFill>
-            <a:schemeClr val="bg1"/>
-          </a:solidFill>
-          <a:ln>
-            <a:solidFill>
-              <a:schemeClr val="bg1"/>
-            </a:solidFill>
-          </a:ln>
-        </p:spPr>
-        <p:style>
-          <a:lnRef idx="2">
-            <a:schemeClr val="accent1">
-              <a:shade val="50000"/>
-            </a:schemeClr>
-          </a:lnRef>
-          <a:fillRef idx="1">
-            <a:schemeClr val="accent1"/>
-          </a:fillRef>
-          <a:effectRef idx="0">
-            <a:schemeClr val="accent1"/>
-          </a:effectRef>
-          <a:fontRef idx="minor">
-            <a:schemeClr val="lt1"/>
-          </a:fontRef>
-        </p:style>
-        <p:txBody>
-          <a:bodyPr rtlCol="0" anchor="ctr"/>
-          <a:lstStyle/>
-          <a:p>
-            <a:pPr algn="ctr"/>
-            <a:r>
-              <a:rPr lang="en-US" sz="3200" dirty="0">
-                <a:solidFill>
-                  <a:schemeClr val="tx1"/>
-                </a:solidFill>
-                <a:latin typeface="Comic Sans MS" panose="030F0702030302020204" pitchFamily="66" charset="0"/>
-                <a:cs typeface="Arabic Typesetting" panose="03020402040406030203" pitchFamily="66" charset="-78"/>
-              </a:rPr>
-              <a:t>3</a:t>
-            </a:r>
-          </a:p>
-        </p:txBody>
-      </p:sp>
-      <p:sp>
-        <p:nvSpPr>
-          <p:cNvPr id="23" name="Rectangle: Rounded Corners 22">
-            <a:extLst>
-              <a:ext uri="{FF2B5EF4-FFF2-40B4-BE49-F238E27FC236}">
-                <a16:creationId xmlns="" xmlns:a16="http://schemas.microsoft.com/office/drawing/2014/main" id="{F8F628A2-20B4-432C-975C-85D3F68FE530}"/>
-              </a:ext>
-            </a:extLst>
-          </p:cNvPr>
-          <p:cNvSpPr/>
-          <p:nvPr/>
-        </p:nvSpPr>
-        <p:spPr>
-          <a:xfrm>
-            <a:off x="1479176" y="820272"/>
-            <a:ext cx="10461812" cy="5795682"/>
-          </a:xfrm>
-          <a:prstGeom prst="roundRect">
-            <a:avLst>
-              <a:gd name="adj" fmla="val 4398"/>
-            </a:avLst>
-          </a:prstGeom>
-          <a:solidFill>
-            <a:srgbClr val="E9ECE4"/>
-          </a:solidFill>
-          <a:ln w="38100">
-            <a:solidFill>
-              <a:schemeClr val="bg1"/>
-            </a:solidFill>
-          </a:ln>
-        </p:spPr>
-        <p:style>
-          <a:lnRef idx="2">
-            <a:schemeClr val="accent1">
-              <a:shade val="50000"/>
-            </a:schemeClr>
-          </a:lnRef>
-          <a:fillRef idx="1">
-            <a:schemeClr val="accent1"/>
-          </a:fillRef>
-          <a:effectRef idx="0">
-            <a:schemeClr val="accent1"/>
-          </a:effectRef>
-          <a:fontRef idx="minor">
-            <a:schemeClr val="lt1"/>
-          </a:fontRef>
-        </p:style>
-        <p:txBody>
-          <a:bodyPr rtlCol="0" anchor="ctr"/>
-          <a:lstStyle/>
-          <a:p>
-            <a:pPr algn="ctr"/>
-            <a:endParaRPr lang="en-US"/>
-          </a:p>
-        </p:txBody>
-      </p:sp>
-      <p:sp>
-        <p:nvSpPr>
-          <p:cNvPr id="24" name="TextBox 23">
-            <a:extLst>
-              <a:ext uri="{FF2B5EF4-FFF2-40B4-BE49-F238E27FC236}">
-                <a16:creationId xmlns="" xmlns:a16="http://schemas.microsoft.com/office/drawing/2014/main" id="{0A381ADD-61DA-41C7-B10B-D68527C8D0B1}"/>
-              </a:ext>
-            </a:extLst>
-          </p:cNvPr>
-          <p:cNvSpPr txBox="1"/>
-          <p:nvPr/>
-        </p:nvSpPr>
-        <p:spPr>
-          <a:xfrm>
-            <a:off x="4762502" y="1138534"/>
-            <a:ext cx="4410636" cy="461665"/>
-          </a:xfrm>
-          <a:prstGeom prst="rect">
-            <a:avLst/>
-          </a:prstGeom>
-          <a:noFill/>
-        </p:spPr>
-        <p:txBody>
-          <a:bodyPr wrap="square" rtlCol="0">
-            <a:spAutoFit/>
-          </a:bodyPr>
-          <a:lstStyle/>
-          <a:p>
-            <a:pPr algn="ctr"/>
-            <a:r>
-              <a:rPr lang="en-US" sz="2400" dirty="0" err="1" smtClean="0">
-                <a:latin typeface="Cooper Black" panose="0208090404030B020404" pitchFamily="18" charset="0"/>
-              </a:rPr>
-              <a:t>Kerangka</a:t>
-            </a:r>
-            <a:r>
-              <a:rPr lang="en-US" sz="2400" dirty="0" smtClean="0">
-                <a:latin typeface="Cooper Black" panose="0208090404030B020404" pitchFamily="18" charset="0"/>
-              </a:rPr>
-              <a:t> </a:t>
-            </a:r>
-            <a:r>
-              <a:rPr lang="en-US" sz="2400" dirty="0" err="1" smtClean="0">
-                <a:latin typeface="Cooper Black" panose="0208090404030B020404" pitchFamily="18" charset="0"/>
-              </a:rPr>
-              <a:t>Sistem</a:t>
-            </a:r>
-            <a:endParaRPr lang="en-US" sz="2400" dirty="0">
-              <a:latin typeface="Cooper Black" panose="0208090404030B020404" pitchFamily="18" charset="0"/>
-            </a:endParaRPr>
-          </a:p>
-        </p:txBody>
-      </p:sp>
-      <p:pic>
-        <p:nvPicPr>
-          <p:cNvPr id="38" name="Picture 37">
-            <a:extLst>
-              <a:ext uri="{FF2B5EF4-FFF2-40B4-BE49-F238E27FC236}">
-                <a16:creationId xmlns="" xmlns:a16="http://schemas.microsoft.com/office/drawing/2014/main" id="{979BE55F-3C36-442A-A4E3-8D07DC0B1884}"/>
-              </a:ext>
-            </a:extLst>
-          </p:cNvPr>
-          <p:cNvPicPr>
-            <a:picLocks noChangeAspect="1"/>
-          </p:cNvPicPr>
-          <p:nvPr/>
-        </p:nvPicPr>
-        <p:blipFill>
-          <a:blip r:embed="rId4">
-            <a:extLst>
-              <a:ext uri="{28A0092B-C50C-407E-A947-70E740481C1C}">
-                <a14:useLocalDpi xmlns="" xmlns:a14="http://schemas.microsoft.com/office/drawing/2010/main" val="0"/>
-              </a:ext>
-            </a:extLst>
-          </a:blip>
-          <a:stretch>
-            <a:fillRect/>
-          </a:stretch>
-        </p:blipFill>
-        <p:spPr>
-          <a:xfrm>
-            <a:off x="-991133" y="0"/>
-            <a:ext cx="621846" cy="2152075"/>
-          </a:xfrm>
-          <a:prstGeom prst="rect">
-            <a:avLst/>
-          </a:prstGeom>
-        </p:spPr>
-      </p:pic>
-      <p:pic>
-        <p:nvPicPr>
-          <p:cNvPr id="39" name="Picture 38" descr="kerangka sistem.PNG"/>
-          <p:cNvPicPr>
-            <a:picLocks noChangeAspect="1"/>
-          </p:cNvPicPr>
-          <p:nvPr/>
-        </p:nvPicPr>
-        <p:blipFill>
-          <a:blip r:embed="rId5"/>
-          <a:stretch>
-            <a:fillRect/>
-          </a:stretch>
-        </p:blipFill>
-        <p:spPr>
-          <a:xfrm>
-            <a:off x="3657600" y="1626622"/>
-            <a:ext cx="6429376" cy="4854541"/>
-          </a:xfrm>
-          <a:prstGeom prst="rect">
-            <a:avLst/>
-          </a:prstGeom>
-        </p:spPr>
-      </p:pic>
-      <p:sp>
-        <p:nvSpPr>
-          <p:cNvPr id="40" name="Rectangle: Rounded Corners 26">
-            <a:hlinkClick r:id="rId6" action="ppaction://hlinksldjump"/>
-            <a:extLst>
-              <a:ext uri="{FF2B5EF4-FFF2-40B4-BE49-F238E27FC236}">
-                <a16:creationId xmlns="" xmlns:a16="http://schemas.microsoft.com/office/drawing/2014/main" id="{74EFB888-34FE-4E92-995A-760DFE30C78E}"/>
-              </a:ext>
-            </a:extLst>
-          </p:cNvPr>
-          <p:cNvSpPr/>
-          <p:nvPr/>
-        </p:nvSpPr>
-        <p:spPr>
-          <a:xfrm>
-            <a:off x="10153933" y="205068"/>
-            <a:ext cx="1815352" cy="430306"/>
-          </a:xfrm>
-          <a:prstGeom prst="roundRect">
-            <a:avLst>
-              <a:gd name="adj" fmla="val 50000"/>
-            </a:avLst>
-          </a:prstGeom>
-          <a:solidFill>
-            <a:srgbClr val="B0A999"/>
-          </a:solidFill>
-          <a:ln w="28575">
-            <a:solidFill>
-              <a:schemeClr val="bg1"/>
-            </a:solidFill>
-          </a:ln>
-        </p:spPr>
-        <p:style>
-          <a:lnRef idx="2">
-            <a:schemeClr val="accent1">
-              <a:shade val="50000"/>
-            </a:schemeClr>
-          </a:lnRef>
-          <a:fillRef idx="1">
-            <a:schemeClr val="accent1"/>
-          </a:fillRef>
-          <a:effectRef idx="0">
-            <a:schemeClr val="accent1"/>
-          </a:effectRef>
-          <a:fontRef idx="minor">
-            <a:schemeClr val="lt1"/>
-          </a:fontRef>
-        </p:style>
-        <p:txBody>
-          <a:bodyPr rtlCol="0" anchor="ctr"/>
-          <a:lstStyle/>
-          <a:p>
-            <a:pPr algn="ctr"/>
-            <a:r>
-              <a:rPr lang="en-US" sz="1400" b="1" dirty="0" err="1" smtClean="0">
-                <a:solidFill>
-                  <a:schemeClr val="bg1"/>
-                </a:solidFill>
-                <a:latin typeface="Baar Sophia" panose="00000400000000000000" pitchFamily="2" charset="0"/>
-              </a:rPr>
-              <a:t>Kerangka</a:t>
-            </a:r>
-            <a:r>
-              <a:rPr lang="en-US" sz="1400" b="1" dirty="0" smtClean="0">
-                <a:solidFill>
-                  <a:schemeClr val="bg1"/>
-                </a:solidFill>
-                <a:latin typeface="Baar Sophia" panose="00000400000000000000" pitchFamily="2" charset="0"/>
-              </a:rPr>
-              <a:t> </a:t>
-            </a:r>
-            <a:r>
-              <a:rPr lang="en-US" sz="1400" b="1" dirty="0" err="1" smtClean="0">
-                <a:solidFill>
-                  <a:schemeClr val="bg1"/>
-                </a:solidFill>
-                <a:latin typeface="Baar Sophia" panose="00000400000000000000" pitchFamily="2" charset="0"/>
-              </a:rPr>
-              <a:t>Sistem</a:t>
-            </a:r>
-            <a:endParaRPr lang="en-US" sz="1400" b="1" dirty="0">
-              <a:solidFill>
-                <a:schemeClr val="bg1"/>
-              </a:solidFill>
-              <a:latin typeface="Baar Sophia" panose="00000400000000000000" pitchFamily="2" charset="0"/>
-            </a:endParaRPr>
-          </a:p>
-        </p:txBody>
-      </p:sp>
-      <p:sp>
-        <p:nvSpPr>
-          <p:cNvPr id="41" name="Rectangle: Rounded Corners 27">
-            <a:hlinkClick r:id="rId7" action="ppaction://hlinksldjump"/>
-            <a:extLst>
-              <a:ext uri="{FF2B5EF4-FFF2-40B4-BE49-F238E27FC236}">
-                <a16:creationId xmlns="" xmlns:a16="http://schemas.microsoft.com/office/drawing/2014/main" id="{37287FED-EF68-4CAE-89C4-65FC296B7312}"/>
-              </a:ext>
-            </a:extLst>
-          </p:cNvPr>
-          <p:cNvSpPr/>
-          <p:nvPr/>
-        </p:nvSpPr>
-        <p:spPr>
-          <a:xfrm>
-            <a:off x="8174976" y="205068"/>
-            <a:ext cx="1815352" cy="430306"/>
-          </a:xfrm>
-          <a:prstGeom prst="roundRect">
-            <a:avLst>
-              <a:gd name="adj" fmla="val 50000"/>
-            </a:avLst>
-          </a:prstGeom>
-          <a:solidFill>
-            <a:srgbClr val="B0A999"/>
-          </a:solidFill>
-          <a:ln w="28575">
-            <a:solidFill>
-              <a:schemeClr val="bg1"/>
-            </a:solidFill>
-          </a:ln>
-        </p:spPr>
-        <p:style>
-          <a:lnRef idx="2">
-            <a:schemeClr val="accent1">
-              <a:shade val="50000"/>
-            </a:schemeClr>
-          </a:lnRef>
-          <a:fillRef idx="1">
-            <a:schemeClr val="accent1"/>
-          </a:fillRef>
-          <a:effectRef idx="0">
-            <a:schemeClr val="accent1"/>
-          </a:effectRef>
-          <a:fontRef idx="minor">
-            <a:schemeClr val="lt1"/>
-          </a:fontRef>
-        </p:style>
-        <p:txBody>
-          <a:bodyPr rtlCol="0" anchor="ctr"/>
-          <a:lstStyle/>
-          <a:p>
-            <a:pPr algn="ctr"/>
-            <a:r>
-              <a:rPr lang="en-US" sz="1400" b="1" dirty="0" err="1" smtClean="0">
-                <a:solidFill>
-                  <a:schemeClr val="tx1"/>
-                </a:solidFill>
-                <a:latin typeface="Baar Sophia" panose="00000400000000000000" pitchFamily="2" charset="0"/>
-              </a:rPr>
-              <a:t>Tempat</a:t>
-            </a:r>
-            <a:r>
-              <a:rPr lang="en-US" sz="1400" b="1" dirty="0" smtClean="0">
-                <a:solidFill>
-                  <a:schemeClr val="tx1"/>
-                </a:solidFill>
-                <a:latin typeface="Baar Sophia" panose="00000400000000000000" pitchFamily="2" charset="0"/>
-              </a:rPr>
-              <a:t> </a:t>
-            </a:r>
-            <a:r>
-              <a:rPr lang="en-US" sz="1400" b="1" dirty="0" err="1" smtClean="0">
-                <a:solidFill>
-                  <a:schemeClr val="tx1"/>
-                </a:solidFill>
-                <a:latin typeface="Baar Sophia" panose="00000400000000000000" pitchFamily="2" charset="0"/>
-              </a:rPr>
-              <a:t>dan</a:t>
-            </a:r>
-            <a:r>
-              <a:rPr lang="en-US" sz="1400" b="1" dirty="0" smtClean="0">
-                <a:solidFill>
-                  <a:schemeClr val="tx1"/>
-                </a:solidFill>
-                <a:latin typeface="Baar Sophia" panose="00000400000000000000" pitchFamily="2" charset="0"/>
-              </a:rPr>
-              <a:t> </a:t>
-            </a:r>
-            <a:r>
-              <a:rPr lang="en-US" sz="1400" b="1" dirty="0" err="1" smtClean="0">
-                <a:solidFill>
-                  <a:schemeClr val="tx1"/>
-                </a:solidFill>
-                <a:latin typeface="Baar Sophia" panose="00000400000000000000" pitchFamily="2" charset="0"/>
-              </a:rPr>
-              <a:t>Waktu</a:t>
-            </a:r>
-            <a:endParaRPr lang="en-US" sz="1400" b="1" dirty="0">
-              <a:solidFill>
-                <a:schemeClr val="tx1"/>
-              </a:solidFill>
-              <a:latin typeface="Baar Sophia" panose="00000400000000000000" pitchFamily="2" charset="0"/>
-            </a:endParaRPr>
-          </a:p>
-        </p:txBody>
-      </p:sp>
-      <p:sp>
-        <p:nvSpPr>
-          <p:cNvPr id="42" name="Rectangle: Rounded Corners 28">
-            <a:hlinkClick r:id="rId2" action="ppaction://hlinksldjump"/>
-            <a:extLst>
-              <a:ext uri="{FF2B5EF4-FFF2-40B4-BE49-F238E27FC236}">
-                <a16:creationId xmlns="" xmlns:a16="http://schemas.microsoft.com/office/drawing/2014/main" id="{A7336044-B58E-47D2-9E0D-789E1F1F18CA}"/>
-              </a:ext>
-            </a:extLst>
-          </p:cNvPr>
-          <p:cNvSpPr/>
-          <p:nvPr/>
-        </p:nvSpPr>
-        <p:spPr>
-          <a:xfrm>
-            <a:off x="6196019" y="205068"/>
-            <a:ext cx="1815352" cy="430306"/>
-          </a:xfrm>
-          <a:prstGeom prst="roundRect">
-            <a:avLst>
-              <a:gd name="adj" fmla="val 50000"/>
-            </a:avLst>
-          </a:prstGeom>
-          <a:solidFill>
-            <a:srgbClr val="B0A999"/>
-          </a:solidFill>
-          <a:ln w="28575">
-            <a:solidFill>
-              <a:schemeClr val="bg1"/>
-            </a:solidFill>
-          </a:ln>
-        </p:spPr>
-        <p:style>
-          <a:lnRef idx="2">
-            <a:schemeClr val="accent1">
-              <a:shade val="50000"/>
-            </a:schemeClr>
-          </a:lnRef>
-          <a:fillRef idx="1">
-            <a:schemeClr val="accent1"/>
-          </a:fillRef>
-          <a:effectRef idx="0">
-            <a:schemeClr val="accent1"/>
-          </a:effectRef>
-          <a:fontRef idx="minor">
-            <a:schemeClr val="lt1"/>
-          </a:fontRef>
-        </p:style>
-        <p:txBody>
-          <a:bodyPr rtlCol="0" anchor="ctr"/>
-          <a:lstStyle/>
-          <a:p>
-            <a:pPr algn="ctr"/>
-            <a:r>
-              <a:rPr lang="en-US" sz="1400" b="1" dirty="0" err="1" smtClean="0">
-                <a:solidFill>
-                  <a:schemeClr val="tx1"/>
-                </a:solidFill>
-                <a:latin typeface="Baar Sophia" panose="00000400000000000000" pitchFamily="2" charset="0"/>
-              </a:rPr>
-              <a:t>Alat</a:t>
-            </a:r>
-            <a:r>
-              <a:rPr lang="en-US" sz="1400" b="1" dirty="0" smtClean="0">
-                <a:solidFill>
-                  <a:schemeClr val="tx1"/>
-                </a:solidFill>
-                <a:latin typeface="Baar Sophia" panose="00000400000000000000" pitchFamily="2" charset="0"/>
-              </a:rPr>
-              <a:t> </a:t>
-            </a:r>
-            <a:r>
-              <a:rPr lang="en-US" sz="1400" b="1" dirty="0" err="1" smtClean="0">
-                <a:solidFill>
-                  <a:schemeClr val="tx1"/>
-                </a:solidFill>
-                <a:latin typeface="Baar Sophia" panose="00000400000000000000" pitchFamily="2" charset="0"/>
-              </a:rPr>
-              <a:t>dan</a:t>
-            </a:r>
-            <a:r>
-              <a:rPr lang="en-US" sz="1400" b="1" dirty="0" smtClean="0">
-                <a:solidFill>
-                  <a:schemeClr val="tx1"/>
-                </a:solidFill>
-                <a:latin typeface="Baar Sophia" panose="00000400000000000000" pitchFamily="2" charset="0"/>
-              </a:rPr>
-              <a:t> </a:t>
-            </a:r>
-            <a:r>
-              <a:rPr lang="en-US" sz="1400" b="1" dirty="0" err="1" smtClean="0">
-                <a:solidFill>
-                  <a:schemeClr val="tx1"/>
-                </a:solidFill>
-                <a:latin typeface="Baar Sophia" panose="00000400000000000000" pitchFamily="2" charset="0"/>
-              </a:rPr>
-              <a:t>Bahan</a:t>
-            </a:r>
-            <a:endParaRPr lang="en-US" sz="1400" b="1" dirty="0">
-              <a:solidFill>
-                <a:schemeClr val="tx1"/>
-              </a:solidFill>
-              <a:latin typeface="Baar Sophia" panose="00000400000000000000" pitchFamily="2" charset="0"/>
-            </a:endParaRPr>
-          </a:p>
-        </p:txBody>
-      </p:sp>
-    </p:spTree>
-    <p:extLst>
-      <p:ext uri="{BB962C8B-B14F-4D97-AF65-F5344CB8AC3E}">
-        <p14:creationId xmlns="" xmlns:p14="http://schemas.microsoft.com/office/powerpoint/2010/main" val="3814463893"/>
-      </p:ext>
-    </p:extLst>
-  </p:cSld>
-  <p:clrMapOvr>
-    <a:masterClrMapping/>
-  </p:clrMapOvr>
-  <p:timing>
-    <p:tnLst>
-      <p:par>
-        <p:cTn id="1" dur="indefinite" restart="never" nodeType="tmRoot"/>
       </p:par>
     </p:tnLst>
   </p:timing>
@@ -17453,7 +20326,7 @@
   <a:extraClrSchemeLst/>
   <a:extLst>
     <a:ext uri="{05A4C25C-085E-4340-85A3-A5531E510DB2}">
-      <thm15:themeFamily xmlns="" xmlns:thm15="http://schemas.microsoft.com/office/thememl/2012/main" name="Office Theme" id="{62F939B6-93AF-4DB8-9C6B-D6C7DFDC589F}" vid="{4A3C46E8-61CC-4603-A589-7422A47A8E4A}"/>
+      <thm15:themeFamily xmlns:thm15="http://schemas.microsoft.com/office/thememl/2012/main" xmlns="" name="Office Theme" id="{62F939B6-93AF-4DB8-9C6B-D6C7DFDC589F}" vid="{4A3C46E8-61CC-4603-A589-7422A47A8E4A}"/>
     </a:ext>
   </a:extLst>
 </a:theme>
